--- a/slides/11_DimensionalityReduction_Part1.pptx
+++ b/slides/11_DimensionalityReduction_Part1.pptx
@@ -6,50 +6,51 @@
     <p:sldMasterId id="2147483668" r:id="rId2"/>
   </p:sldMasterIdLst>
   <p:notesMasterIdLst>
-    <p:notesMasterId r:id="rId44"/>
+    <p:notesMasterId r:id="rId45"/>
   </p:notesMasterIdLst>
   <p:sldIdLst>
     <p:sldId id="275" r:id="rId3"/>
     <p:sldId id="603" r:id="rId4"/>
-    <p:sldId id="634" r:id="rId5"/>
-    <p:sldId id="746" r:id="rId6"/>
-    <p:sldId id="677" r:id="rId7"/>
-    <p:sldId id="755" r:id="rId8"/>
-    <p:sldId id="756" r:id="rId9"/>
-    <p:sldId id="757" r:id="rId10"/>
-    <p:sldId id="723" r:id="rId11"/>
-    <p:sldId id="704" r:id="rId12"/>
-    <p:sldId id="722" r:id="rId13"/>
-    <p:sldId id="727" r:id="rId14"/>
-    <p:sldId id="729" r:id="rId15"/>
-    <p:sldId id="731" r:id="rId16"/>
-    <p:sldId id="708" r:id="rId17"/>
-    <p:sldId id="720" r:id="rId18"/>
-    <p:sldId id="711" r:id="rId19"/>
-    <p:sldId id="709" r:id="rId20"/>
-    <p:sldId id="710" r:id="rId21"/>
-    <p:sldId id="733" r:id="rId22"/>
-    <p:sldId id="715" r:id="rId23"/>
-    <p:sldId id="745" r:id="rId24"/>
-    <p:sldId id="726" r:id="rId25"/>
-    <p:sldId id="739" r:id="rId26"/>
-    <p:sldId id="744" r:id="rId27"/>
-    <p:sldId id="742" r:id="rId28"/>
-    <p:sldId id="743" r:id="rId29"/>
-    <p:sldId id="734" r:id="rId30"/>
-    <p:sldId id="702" r:id="rId31"/>
-    <p:sldId id="716" r:id="rId32"/>
-    <p:sldId id="735" r:id="rId33"/>
-    <p:sldId id="620" r:id="rId34"/>
-    <p:sldId id="606" r:id="rId35"/>
-    <p:sldId id="607" r:id="rId36"/>
-    <p:sldId id="622" r:id="rId37"/>
-    <p:sldId id="621" r:id="rId38"/>
-    <p:sldId id="626" r:id="rId39"/>
-    <p:sldId id="627" r:id="rId40"/>
-    <p:sldId id="740" r:id="rId41"/>
-    <p:sldId id="741" r:id="rId42"/>
-    <p:sldId id="724" r:id="rId43"/>
+    <p:sldId id="757" r:id="rId5"/>
+    <p:sldId id="634" r:id="rId6"/>
+    <p:sldId id="746" r:id="rId7"/>
+    <p:sldId id="677" r:id="rId8"/>
+    <p:sldId id="755" r:id="rId9"/>
+    <p:sldId id="756" r:id="rId10"/>
+    <p:sldId id="758" r:id="rId11"/>
+    <p:sldId id="723" r:id="rId12"/>
+    <p:sldId id="704" r:id="rId13"/>
+    <p:sldId id="722" r:id="rId14"/>
+    <p:sldId id="727" r:id="rId15"/>
+    <p:sldId id="729" r:id="rId16"/>
+    <p:sldId id="731" r:id="rId17"/>
+    <p:sldId id="708" r:id="rId18"/>
+    <p:sldId id="720" r:id="rId19"/>
+    <p:sldId id="711" r:id="rId20"/>
+    <p:sldId id="709" r:id="rId21"/>
+    <p:sldId id="710" r:id="rId22"/>
+    <p:sldId id="733" r:id="rId23"/>
+    <p:sldId id="715" r:id="rId24"/>
+    <p:sldId id="745" r:id="rId25"/>
+    <p:sldId id="726" r:id="rId26"/>
+    <p:sldId id="739" r:id="rId27"/>
+    <p:sldId id="744" r:id="rId28"/>
+    <p:sldId id="742" r:id="rId29"/>
+    <p:sldId id="743" r:id="rId30"/>
+    <p:sldId id="734" r:id="rId31"/>
+    <p:sldId id="702" r:id="rId32"/>
+    <p:sldId id="716" r:id="rId33"/>
+    <p:sldId id="735" r:id="rId34"/>
+    <p:sldId id="620" r:id="rId35"/>
+    <p:sldId id="606" r:id="rId36"/>
+    <p:sldId id="607" r:id="rId37"/>
+    <p:sldId id="622" r:id="rId38"/>
+    <p:sldId id="621" r:id="rId39"/>
+    <p:sldId id="626" r:id="rId40"/>
+    <p:sldId id="627" r:id="rId41"/>
+    <p:sldId id="740" r:id="rId42"/>
+    <p:sldId id="741" r:id="rId43"/>
+    <p:sldId id="724" r:id="rId44"/>
   </p:sldIdLst>
   <p:sldSz cx="12192000" cy="6858000"/>
   <p:notesSz cx="6858000" cy="9144000"/>
@@ -238,7 +239,7 @@
           <a:p>
             <a:fld id="{ED460DB7-3564-4028-881B-4A225B453265}" type="datetimeFigureOut">
               <a:rPr lang="en-US" smtClean="0"/>
-              <a:t>7/29/2024</a:t>
+              <a:t>4/15/2025</a:t>
             </a:fld>
             <a:endParaRPr lang="en-US"/>
           </a:p>
@@ -656,7 +657,7 @@
             <a:fld id="{4CFD207A-07DF-40AD-A916-9872E089CE7A}" type="slidenum">
               <a:rPr lang="en-US" smtClean="0"/>
               <a:pPr/>
-              <a:t>12</a:t>
+              <a:t>13</a:t>
             </a:fld>
             <a:endParaRPr lang="en-US"/>
           </a:p>
@@ -741,7 +742,7 @@
             <a:fld id="{4CFD207A-07DF-40AD-A916-9872E089CE7A}" type="slidenum">
               <a:rPr lang="en-US" smtClean="0"/>
               <a:pPr/>
-              <a:t>13</a:t>
+              <a:t>14</a:t>
             </a:fld>
             <a:endParaRPr lang="en-US"/>
           </a:p>
@@ -826,7 +827,7 @@
             <a:fld id="{4CFD207A-07DF-40AD-A916-9872E089CE7A}" type="slidenum">
               <a:rPr lang="en-US" smtClean="0"/>
               <a:pPr/>
-              <a:t>15</a:t>
+              <a:t>16</a:t>
             </a:fld>
             <a:endParaRPr lang="en-US"/>
           </a:p>
@@ -911,7 +912,7 @@
             <a:fld id="{4CFD207A-07DF-40AD-A916-9872E089CE7A}" type="slidenum">
               <a:rPr lang="en-US" smtClean="0"/>
               <a:pPr/>
-              <a:t>17</a:t>
+              <a:t>18</a:t>
             </a:fld>
             <a:endParaRPr lang="en-US"/>
           </a:p>
@@ -996,7 +997,7 @@
             <a:fld id="{4CFD207A-07DF-40AD-A916-9872E089CE7A}" type="slidenum">
               <a:rPr lang="en-US" smtClean="0"/>
               <a:pPr/>
-              <a:t>18</a:t>
+              <a:t>19</a:t>
             </a:fld>
             <a:endParaRPr lang="en-US"/>
           </a:p>
@@ -1081,7 +1082,7 @@
             <a:fld id="{4CFD207A-07DF-40AD-A916-9872E089CE7A}" type="slidenum">
               <a:rPr lang="en-US" smtClean="0"/>
               <a:pPr/>
-              <a:t>19</a:t>
+              <a:t>20</a:t>
             </a:fld>
             <a:endParaRPr lang="en-US"/>
           </a:p>
@@ -1166,7 +1167,7 @@
             <a:fld id="{4CFD207A-07DF-40AD-A916-9872E089CE7A}" type="slidenum">
               <a:rPr lang="en-US" smtClean="0"/>
               <a:pPr/>
-              <a:t>24</a:t>
+              <a:t>25</a:t>
             </a:fld>
             <a:endParaRPr lang="en-US"/>
           </a:p>
@@ -1251,7 +1252,7 @@
             <a:fld id="{4CFD207A-07DF-40AD-A916-9872E089CE7A}" type="slidenum">
               <a:rPr lang="en-US" smtClean="0"/>
               <a:pPr/>
-              <a:t>25</a:t>
+              <a:t>26</a:t>
             </a:fld>
             <a:endParaRPr lang="en-US"/>
           </a:p>
@@ -1336,7 +1337,7 @@
             <a:fld id="{4CFD207A-07DF-40AD-A916-9872E089CE7A}" type="slidenum">
               <a:rPr lang="en-US" smtClean="0"/>
               <a:pPr/>
-              <a:t>26</a:t>
+              <a:t>27</a:t>
             </a:fld>
             <a:endParaRPr lang="en-US"/>
           </a:p>
@@ -1421,7 +1422,7 @@
             <a:fld id="{4CFD207A-07DF-40AD-A916-9872E089CE7A}" type="slidenum">
               <a:rPr lang="en-US" smtClean="0"/>
               <a:pPr/>
-              <a:t>27</a:t>
+              <a:t>28</a:t>
             </a:fld>
             <a:endParaRPr lang="en-US"/>
           </a:p>
@@ -1506,7 +1507,7 @@
             <a:fld id="{4CFD207A-07DF-40AD-A916-9872E089CE7A}" type="slidenum">
               <a:rPr lang="en-US" smtClean="0"/>
               <a:pPr/>
-              <a:t>3</a:t>
+              <a:t>4</a:t>
             </a:fld>
             <a:endParaRPr lang="en-US"/>
           </a:p>
@@ -1591,7 +1592,7 @@
             <a:fld id="{4CFD207A-07DF-40AD-A916-9872E089CE7A}" type="slidenum">
               <a:rPr lang="en-US" smtClean="0"/>
               <a:pPr/>
-              <a:t>32</a:t>
+              <a:t>33</a:t>
             </a:fld>
             <a:endParaRPr lang="en-US"/>
           </a:p>
@@ -1676,7 +1677,7 @@
             <a:fld id="{4CFD207A-07DF-40AD-A916-9872E089CE7A}" type="slidenum">
               <a:rPr lang="en-US" smtClean="0"/>
               <a:pPr/>
-              <a:t>33</a:t>
+              <a:t>34</a:t>
             </a:fld>
             <a:endParaRPr lang="en-US"/>
           </a:p>
@@ -1761,7 +1762,7 @@
             <a:fld id="{4CFD207A-07DF-40AD-A916-9872E089CE7A}" type="slidenum">
               <a:rPr lang="en-US" smtClean="0"/>
               <a:pPr/>
-              <a:t>34</a:t>
+              <a:t>35</a:t>
             </a:fld>
             <a:endParaRPr lang="en-US"/>
           </a:p>
@@ -1846,7 +1847,7 @@
             <a:fld id="{4CFD207A-07DF-40AD-A916-9872E089CE7A}" type="slidenum">
               <a:rPr lang="en-US" smtClean="0"/>
               <a:pPr/>
-              <a:t>35</a:t>
+              <a:t>36</a:t>
             </a:fld>
             <a:endParaRPr lang="en-US"/>
           </a:p>
@@ -1931,7 +1932,7 @@
             <a:fld id="{4CFD207A-07DF-40AD-A916-9872E089CE7A}" type="slidenum">
               <a:rPr lang="en-US" smtClean="0"/>
               <a:pPr/>
-              <a:t>36</a:t>
+              <a:t>37</a:t>
             </a:fld>
             <a:endParaRPr lang="en-US"/>
           </a:p>
@@ -2016,7 +2017,7 @@
             <a:fld id="{4CFD207A-07DF-40AD-A916-9872E089CE7A}" type="slidenum">
               <a:rPr lang="en-US" smtClean="0"/>
               <a:pPr/>
-              <a:t>37</a:t>
+              <a:t>38</a:t>
             </a:fld>
             <a:endParaRPr lang="en-US"/>
           </a:p>
@@ -2101,7 +2102,7 @@
             <a:fld id="{4CFD207A-07DF-40AD-A916-9872E089CE7A}" type="slidenum">
               <a:rPr lang="en-US" smtClean="0"/>
               <a:pPr/>
-              <a:t>38</a:t>
+              <a:t>39</a:t>
             </a:fld>
             <a:endParaRPr lang="en-US"/>
           </a:p>
@@ -2186,7 +2187,7 @@
             <a:fld id="{4CFD207A-07DF-40AD-A916-9872E089CE7A}" type="slidenum">
               <a:rPr lang="en-US" smtClean="0"/>
               <a:pPr/>
-              <a:t>39</a:t>
+              <a:t>40</a:t>
             </a:fld>
             <a:endParaRPr lang="en-US"/>
           </a:p>
@@ -2271,7 +2272,7 @@
             <a:fld id="{4CFD207A-07DF-40AD-A916-9872E089CE7A}" type="slidenum">
               <a:rPr lang="en-US" smtClean="0"/>
               <a:pPr/>
-              <a:t>40</a:t>
+              <a:t>41</a:t>
             </a:fld>
             <a:endParaRPr lang="en-US"/>
           </a:p>
@@ -2356,7 +2357,7 @@
             <a:fld id="{4CFD207A-07DF-40AD-A916-9872E089CE7A}" type="slidenum">
               <a:rPr lang="en-US" smtClean="0"/>
               <a:pPr/>
-              <a:t>41</a:t>
+              <a:t>42</a:t>
             </a:fld>
             <a:endParaRPr lang="en-US"/>
           </a:p>
@@ -2441,7 +2442,7 @@
             <a:fld id="{4CFD207A-07DF-40AD-A916-9872E089CE7A}" type="slidenum">
               <a:rPr lang="en-US" smtClean="0"/>
               <a:pPr/>
-              <a:t>4</a:t>
+              <a:t>5</a:t>
             </a:fld>
             <a:endParaRPr lang="en-US"/>
           </a:p>
@@ -2526,7 +2527,7 @@
             <a:fld id="{4CFD207A-07DF-40AD-A916-9872E089CE7A}" type="slidenum">
               <a:rPr lang="en-US" smtClean="0"/>
               <a:pPr/>
-              <a:t>5</a:t>
+              <a:t>6</a:t>
             </a:fld>
             <a:endParaRPr lang="en-US"/>
           </a:p>
@@ -2611,7 +2612,7 @@
             <a:fld id="{4CFD207A-07DF-40AD-A916-9872E089CE7A}" type="slidenum">
               <a:rPr lang="en-US" smtClean="0"/>
               <a:pPr/>
-              <a:t>6</a:t>
+              <a:t>7</a:t>
             </a:fld>
             <a:endParaRPr lang="en-US"/>
           </a:p>
@@ -2696,7 +2697,7 @@
             <a:fld id="{4CFD207A-07DF-40AD-A916-9872E089CE7A}" type="slidenum">
               <a:rPr lang="en-US" smtClean="0"/>
               <a:pPr/>
-              <a:t>7</a:t>
+              <a:t>8</a:t>
             </a:fld>
             <a:endParaRPr lang="en-US"/>
           </a:p>
@@ -2781,7 +2782,7 @@
             <a:fld id="{4CFD207A-07DF-40AD-A916-9872E089CE7A}" type="slidenum">
               <a:rPr lang="en-US" smtClean="0"/>
               <a:pPr/>
-              <a:t>9</a:t>
+              <a:t>10</a:t>
             </a:fld>
             <a:endParaRPr lang="en-US"/>
           </a:p>
@@ -2866,7 +2867,7 @@
             <a:fld id="{4CFD207A-07DF-40AD-A916-9872E089CE7A}" type="slidenum">
               <a:rPr lang="en-US" smtClean="0"/>
               <a:pPr/>
-              <a:t>10</a:t>
+              <a:t>11</a:t>
             </a:fld>
             <a:endParaRPr lang="en-US"/>
           </a:p>
@@ -2951,7 +2952,7 @@
             <a:fld id="{4CFD207A-07DF-40AD-A916-9872E089CE7A}" type="slidenum">
               <a:rPr lang="en-US" smtClean="0"/>
               <a:pPr/>
-              <a:t>11</a:t>
+              <a:t>12</a:t>
             </a:fld>
             <a:endParaRPr lang="en-US"/>
           </a:p>
@@ -3117,7 +3118,7 @@
           <a:p>
             <a:fld id="{C62B3463-61C8-4819-BC9A-C94FD847F060}" type="datetimeFigureOut">
               <a:rPr lang="en-US" smtClean="0"/>
-              <a:t>7/29/2024</a:t>
+              <a:t>4/15/2025</a:t>
             </a:fld>
             <a:endParaRPr lang="en-US"/>
           </a:p>
@@ -3315,7 +3316,7 @@
           <a:p>
             <a:fld id="{C62B3463-61C8-4819-BC9A-C94FD847F060}" type="datetimeFigureOut">
               <a:rPr lang="en-US" smtClean="0"/>
-              <a:t>7/29/2024</a:t>
+              <a:t>4/15/2025</a:t>
             </a:fld>
             <a:endParaRPr lang="en-US"/>
           </a:p>
@@ -3523,7 +3524,7 @@
           <a:p>
             <a:fld id="{C62B3463-61C8-4819-BC9A-C94FD847F060}" type="datetimeFigureOut">
               <a:rPr lang="en-US" smtClean="0"/>
-              <a:t>7/29/2024</a:t>
+              <a:t>4/15/2025</a:t>
             </a:fld>
             <a:endParaRPr lang="en-US"/>
           </a:p>
@@ -4286,7 +4287,7 @@
           <a:p>
             <a:fld id="{4ACD6B4E-9726-48B7-95FC-86DC5068328F}" type="datetimeFigureOut">
               <a:rPr lang="en-US" smtClean="0"/>
-              <a:t>7/29/2024</a:t>
+              <a:t>4/15/2025</a:t>
             </a:fld>
             <a:endParaRPr lang="en-US"/>
           </a:p>
@@ -4484,7 +4485,7 @@
           <a:p>
             <a:fld id="{C62B3463-61C8-4819-BC9A-C94FD847F060}" type="datetimeFigureOut">
               <a:rPr lang="en-US" smtClean="0"/>
-              <a:t>7/29/2024</a:t>
+              <a:t>4/15/2025</a:t>
             </a:fld>
             <a:endParaRPr lang="en-US"/>
           </a:p>
@@ -4759,7 +4760,7 @@
           <a:p>
             <a:fld id="{C62B3463-61C8-4819-BC9A-C94FD847F060}" type="datetimeFigureOut">
               <a:rPr lang="en-US" smtClean="0"/>
-              <a:t>7/29/2024</a:t>
+              <a:t>4/15/2025</a:t>
             </a:fld>
             <a:endParaRPr lang="en-US"/>
           </a:p>
@@ -5024,7 +5025,7 @@
           <a:p>
             <a:fld id="{C62B3463-61C8-4819-BC9A-C94FD847F060}" type="datetimeFigureOut">
               <a:rPr lang="en-US" smtClean="0"/>
-              <a:t>7/29/2024</a:t>
+              <a:t>4/15/2025</a:t>
             </a:fld>
             <a:endParaRPr lang="en-US"/>
           </a:p>
@@ -5436,7 +5437,7 @@
           <a:p>
             <a:fld id="{C62B3463-61C8-4819-BC9A-C94FD847F060}" type="datetimeFigureOut">
               <a:rPr lang="en-US" smtClean="0"/>
-              <a:t>7/29/2024</a:t>
+              <a:t>4/15/2025</a:t>
             </a:fld>
             <a:endParaRPr lang="en-US"/>
           </a:p>
@@ -5577,7 +5578,7 @@
           <a:p>
             <a:fld id="{C62B3463-61C8-4819-BC9A-C94FD847F060}" type="datetimeFigureOut">
               <a:rPr lang="en-US" smtClean="0"/>
-              <a:t>7/29/2024</a:t>
+              <a:t>4/15/2025</a:t>
             </a:fld>
             <a:endParaRPr lang="en-US"/>
           </a:p>
@@ -5690,7 +5691,7 @@
           <a:p>
             <a:fld id="{C62B3463-61C8-4819-BC9A-C94FD847F060}" type="datetimeFigureOut">
               <a:rPr lang="en-US" smtClean="0"/>
-              <a:t>7/29/2024</a:t>
+              <a:t>4/15/2025</a:t>
             </a:fld>
             <a:endParaRPr lang="en-US"/>
           </a:p>
@@ -6001,7 +6002,7 @@
           <a:p>
             <a:fld id="{C62B3463-61C8-4819-BC9A-C94FD847F060}" type="datetimeFigureOut">
               <a:rPr lang="en-US" smtClean="0"/>
-              <a:t>7/29/2024</a:t>
+              <a:t>4/15/2025</a:t>
             </a:fld>
             <a:endParaRPr lang="en-US"/>
           </a:p>
@@ -6289,7 +6290,7 @@
           <a:p>
             <a:fld id="{C62B3463-61C8-4819-BC9A-C94FD847F060}" type="datetimeFigureOut">
               <a:rPr lang="en-US" smtClean="0"/>
-              <a:t>7/29/2024</a:t>
+              <a:t>4/15/2025</a:t>
             </a:fld>
             <a:endParaRPr lang="en-US"/>
           </a:p>
@@ -6530,7 +6531,7 @@
           <a:p>
             <a:fld id="{C62B3463-61C8-4819-BC9A-C94FD847F060}" type="datetimeFigureOut">
               <a:rPr lang="en-US" smtClean="0"/>
-              <a:t>7/29/2024</a:t>
+              <a:t>4/15/2025</a:t>
             </a:fld>
             <a:endParaRPr lang="en-US"/>
           </a:p>
@@ -7636,7 +7637,7 @@
           <a:p>
             <a:r>
               <a:rPr lang="en-US" sz="1100" dirty="0"/>
-              <a:t>Copyright 2020,2021, 2022, 2023, 2024, Stephen F Elston. All rights reserved.</a:t>
+              <a:t>Copyright 2020,2021, 2022, 2023, 2024, 2025, Stephen F Elston. All rights reserved.</a:t>
             </a:r>
           </a:p>
           <a:p>
@@ -7715,6 +7716,487 @@
         </p:nvSpPr>
         <p:spPr>
           <a:xfrm>
+            <a:off x="333375" y="1031357"/>
+            <a:ext cx="11525250" cy="5155109"/>
+          </a:xfrm>
+        </p:spPr>
+        <p:txBody>
+          <a:bodyPr>
+            <a:normAutofit/>
+          </a:bodyPr>
+          <a:lstStyle/>
+          <a:p>
+            <a:pPr marL="0" indent="0">
+              <a:buNone/>
+            </a:pPr>
+            <a:r>
+              <a:rPr lang="en-US" dirty="0">
+                <a:latin typeface="+mn-lt"/>
+              </a:rPr>
+              <a:t>Dimensionality reduction is widely used in data mining</a:t>
+            </a:r>
+          </a:p>
+          <a:p>
+            <a:r>
+              <a:rPr lang="en-US" dirty="0">
+                <a:latin typeface="+mn-lt"/>
+              </a:rPr>
+              <a:t>Human understanding of high dimensional spaces is poor at best  </a:t>
+            </a:r>
+          </a:p>
+          <a:p>
+            <a:pPr lvl="1"/>
+            <a:r>
+              <a:rPr lang="en-US" dirty="0">
+                <a:latin typeface="+mn-lt"/>
+              </a:rPr>
+              <a:t>For most people, perception of data relationships starts to diminish beyond about four or five dimensions  </a:t>
+            </a:r>
+          </a:p>
+          <a:p>
+            <a:pPr lvl="1"/>
+            <a:r>
+              <a:rPr lang="en-US" dirty="0">
+                <a:latin typeface="+mn-lt"/>
+              </a:rPr>
+              <a:t>Exploration of complex spaces can be aided by projection into lower dimensional space  </a:t>
+            </a:r>
+          </a:p>
+          <a:p>
+            <a:r>
+              <a:rPr lang="en-US" sz="2800" dirty="0">
+                <a:latin typeface="+mn-lt"/>
+              </a:rPr>
+              <a:t>Most algorithms converge better in lower dimensional spaces </a:t>
+            </a:r>
+          </a:p>
+          <a:p>
+            <a:pPr lvl="1"/>
+            <a:r>
+              <a:rPr lang="en-US" dirty="0">
+                <a:latin typeface="+mn-lt"/>
+              </a:rPr>
+              <a:t>High dimensional spaces leads to over-fit models</a:t>
+            </a:r>
+          </a:p>
+          <a:p>
+            <a:pPr lvl="1"/>
+            <a:r>
+              <a:rPr lang="en-US" dirty="0">
+                <a:latin typeface="+mn-lt"/>
+              </a:rPr>
+              <a:t>Example: clustering in high dimensional spaces can lead to fragmentation</a:t>
+            </a:r>
+          </a:p>
+          <a:p>
+            <a:pPr lvl="1"/>
+            <a:r>
+              <a:rPr lang="en-US" dirty="0">
+                <a:latin typeface="+mn-lt"/>
+              </a:rPr>
+              <a:t>Dimensionality reduction can improve results   </a:t>
+            </a:r>
+          </a:p>
+          <a:p>
+            <a:pPr lvl="1"/>
+            <a:r>
+              <a:rPr lang="en-US" dirty="0">
+                <a:latin typeface="+mn-lt"/>
+              </a:rPr>
+              <a:t>Example; spectral clustering uses projection to lower dimensional space  </a:t>
+            </a:r>
+          </a:p>
+          <a:p>
+            <a:pPr lvl="1"/>
+            <a:endParaRPr lang="en-US" dirty="0"/>
+          </a:p>
+        </p:txBody>
+      </p:sp>
+    </p:spTree>
+    <p:extLst>
+      <p:ext uri="{BB962C8B-B14F-4D97-AF65-F5344CB8AC3E}">
+        <p14:creationId xmlns:p14="http://schemas.microsoft.com/office/powerpoint/2010/main" val="3582821850"/>
+      </p:ext>
+    </p:extLst>
+  </p:cSld>
+  <p:clrMapOvr>
+    <a:masterClrMapping/>
+  </p:clrMapOvr>
+  <p:timing>
+    <p:tnLst>
+      <p:par>
+        <p:cTn id="1" dur="indefinite" restart="never" nodeType="tmRoot">
+          <p:childTnLst>
+            <p:seq concurrent="1" nextAc="seek">
+              <p:cTn id="2" dur="indefinite" nodeType="mainSeq">
+                <p:childTnLst>
+                  <p:par>
+                    <p:cTn id="3" fill="hold">
+                      <p:stCondLst>
+                        <p:cond delay="indefinite"/>
+                      </p:stCondLst>
+                      <p:childTnLst>
+                        <p:par>
+                          <p:cTn id="4" fill="hold">
+                            <p:stCondLst>
+                              <p:cond delay="0"/>
+                            </p:stCondLst>
+                            <p:childTnLst>
+                              <p:par>
+                                <p:cTn id="5" presetID="1" presetClass="entr" presetSubtype="0" fill="hold" nodeType="clickEffect">
+                                  <p:stCondLst>
+                                    <p:cond delay="0"/>
+                                  </p:stCondLst>
+                                  <p:childTnLst>
+                                    <p:set>
+                                      <p:cBhvr>
+                                        <p:cTn id="6" dur="1" fill="hold">
+                                          <p:stCondLst>
+                                            <p:cond delay="0"/>
+                                          </p:stCondLst>
+                                        </p:cTn>
+                                        <p:tgtEl>
+                                          <p:spTgt spid="3">
+                                            <p:txEl>
+                                              <p:pRg st="1" end="1"/>
+                                            </p:txEl>
+                                          </p:spTgt>
+                                        </p:tgtEl>
+                                        <p:attrNameLst>
+                                          <p:attrName>style.visibility</p:attrName>
+                                        </p:attrNameLst>
+                                      </p:cBhvr>
+                                      <p:to>
+                                        <p:strVal val="visible"/>
+                                      </p:to>
+                                    </p:set>
+                                  </p:childTnLst>
+                                </p:cTn>
+                              </p:par>
+                              <p:par>
+                                <p:cTn id="7" presetID="1" presetClass="entr" presetSubtype="0" fill="hold" nodeType="withEffect">
+                                  <p:stCondLst>
+                                    <p:cond delay="0"/>
+                                  </p:stCondLst>
+                                  <p:childTnLst>
+                                    <p:set>
+                                      <p:cBhvr>
+                                        <p:cTn id="8" dur="1" fill="hold">
+                                          <p:stCondLst>
+                                            <p:cond delay="0"/>
+                                          </p:stCondLst>
+                                        </p:cTn>
+                                        <p:tgtEl>
+                                          <p:spTgt spid="3">
+                                            <p:txEl>
+                                              <p:pRg st="2" end="2"/>
+                                            </p:txEl>
+                                          </p:spTgt>
+                                        </p:tgtEl>
+                                        <p:attrNameLst>
+                                          <p:attrName>style.visibility</p:attrName>
+                                        </p:attrNameLst>
+                                      </p:cBhvr>
+                                      <p:to>
+                                        <p:strVal val="visible"/>
+                                      </p:to>
+                                    </p:set>
+                                  </p:childTnLst>
+                                </p:cTn>
+                              </p:par>
+                              <p:par>
+                                <p:cTn id="9" presetID="1" presetClass="entr" presetSubtype="0" fill="hold" nodeType="withEffect">
+                                  <p:stCondLst>
+                                    <p:cond delay="0"/>
+                                  </p:stCondLst>
+                                  <p:childTnLst>
+                                    <p:set>
+                                      <p:cBhvr>
+                                        <p:cTn id="10" dur="1" fill="hold">
+                                          <p:stCondLst>
+                                            <p:cond delay="0"/>
+                                          </p:stCondLst>
+                                        </p:cTn>
+                                        <p:tgtEl>
+                                          <p:spTgt spid="3">
+                                            <p:txEl>
+                                              <p:pRg st="3" end="3"/>
+                                            </p:txEl>
+                                          </p:spTgt>
+                                        </p:tgtEl>
+                                        <p:attrNameLst>
+                                          <p:attrName>style.visibility</p:attrName>
+                                        </p:attrNameLst>
+                                      </p:cBhvr>
+                                      <p:to>
+                                        <p:strVal val="visible"/>
+                                      </p:to>
+                                    </p:set>
+                                  </p:childTnLst>
+                                </p:cTn>
+                              </p:par>
+                            </p:childTnLst>
+                          </p:cTn>
+                        </p:par>
+                      </p:childTnLst>
+                    </p:cTn>
+                  </p:par>
+                  <p:par>
+                    <p:cTn id="11" fill="hold">
+                      <p:stCondLst>
+                        <p:cond delay="indefinite"/>
+                      </p:stCondLst>
+                      <p:childTnLst>
+                        <p:par>
+                          <p:cTn id="12" fill="hold">
+                            <p:stCondLst>
+                              <p:cond delay="0"/>
+                            </p:stCondLst>
+                            <p:childTnLst>
+                              <p:par>
+                                <p:cTn id="13" presetID="1" presetClass="entr" presetSubtype="0" fill="hold" nodeType="clickEffect">
+                                  <p:stCondLst>
+                                    <p:cond delay="0"/>
+                                  </p:stCondLst>
+                                  <p:childTnLst>
+                                    <p:set>
+                                      <p:cBhvr>
+                                        <p:cTn id="14" dur="1" fill="hold">
+                                          <p:stCondLst>
+                                            <p:cond delay="0"/>
+                                          </p:stCondLst>
+                                        </p:cTn>
+                                        <p:tgtEl>
+                                          <p:spTgt spid="3">
+                                            <p:txEl>
+                                              <p:pRg st="4" end="4"/>
+                                            </p:txEl>
+                                          </p:spTgt>
+                                        </p:tgtEl>
+                                        <p:attrNameLst>
+                                          <p:attrName>style.visibility</p:attrName>
+                                        </p:attrNameLst>
+                                      </p:cBhvr>
+                                      <p:to>
+                                        <p:strVal val="visible"/>
+                                      </p:to>
+                                    </p:set>
+                                  </p:childTnLst>
+                                </p:cTn>
+                              </p:par>
+                              <p:par>
+                                <p:cTn id="15" presetID="1" presetClass="entr" presetSubtype="0" fill="hold" nodeType="withEffect">
+                                  <p:stCondLst>
+                                    <p:cond delay="0"/>
+                                  </p:stCondLst>
+                                  <p:childTnLst>
+                                    <p:set>
+                                      <p:cBhvr>
+                                        <p:cTn id="16" dur="1" fill="hold">
+                                          <p:stCondLst>
+                                            <p:cond delay="0"/>
+                                          </p:stCondLst>
+                                        </p:cTn>
+                                        <p:tgtEl>
+                                          <p:spTgt spid="3">
+                                            <p:txEl>
+                                              <p:pRg st="5" end="5"/>
+                                            </p:txEl>
+                                          </p:spTgt>
+                                        </p:tgtEl>
+                                        <p:attrNameLst>
+                                          <p:attrName>style.visibility</p:attrName>
+                                        </p:attrNameLst>
+                                      </p:cBhvr>
+                                      <p:to>
+                                        <p:strVal val="visible"/>
+                                      </p:to>
+                                    </p:set>
+                                  </p:childTnLst>
+                                </p:cTn>
+                              </p:par>
+                              <p:par>
+                                <p:cTn id="17" presetID="1" presetClass="entr" presetSubtype="0" fill="hold" nodeType="withEffect">
+                                  <p:stCondLst>
+                                    <p:cond delay="0"/>
+                                  </p:stCondLst>
+                                  <p:childTnLst>
+                                    <p:set>
+                                      <p:cBhvr>
+                                        <p:cTn id="18" dur="1" fill="hold">
+                                          <p:stCondLst>
+                                            <p:cond delay="0"/>
+                                          </p:stCondLst>
+                                        </p:cTn>
+                                        <p:tgtEl>
+                                          <p:spTgt spid="3">
+                                            <p:txEl>
+                                              <p:pRg st="6" end="6"/>
+                                            </p:txEl>
+                                          </p:spTgt>
+                                        </p:tgtEl>
+                                        <p:attrNameLst>
+                                          <p:attrName>style.visibility</p:attrName>
+                                        </p:attrNameLst>
+                                      </p:cBhvr>
+                                      <p:to>
+                                        <p:strVal val="visible"/>
+                                      </p:to>
+                                    </p:set>
+                                  </p:childTnLst>
+                                </p:cTn>
+                              </p:par>
+                              <p:par>
+                                <p:cTn id="19" presetID="1" presetClass="entr" presetSubtype="0" fill="hold" nodeType="withEffect">
+                                  <p:stCondLst>
+                                    <p:cond delay="0"/>
+                                  </p:stCondLst>
+                                  <p:childTnLst>
+                                    <p:set>
+                                      <p:cBhvr>
+                                        <p:cTn id="20" dur="1" fill="hold">
+                                          <p:stCondLst>
+                                            <p:cond delay="0"/>
+                                          </p:stCondLst>
+                                        </p:cTn>
+                                        <p:tgtEl>
+                                          <p:spTgt spid="3">
+                                            <p:txEl>
+                                              <p:pRg st="7" end="7"/>
+                                            </p:txEl>
+                                          </p:spTgt>
+                                        </p:tgtEl>
+                                        <p:attrNameLst>
+                                          <p:attrName>style.visibility</p:attrName>
+                                        </p:attrNameLst>
+                                      </p:cBhvr>
+                                      <p:to>
+                                        <p:strVal val="visible"/>
+                                      </p:to>
+                                    </p:set>
+                                  </p:childTnLst>
+                                </p:cTn>
+                              </p:par>
+                              <p:par>
+                                <p:cTn id="21" presetID="1" presetClass="entr" presetSubtype="0" fill="hold" nodeType="withEffect">
+                                  <p:stCondLst>
+                                    <p:cond delay="0"/>
+                                  </p:stCondLst>
+                                  <p:childTnLst>
+                                    <p:set>
+                                      <p:cBhvr>
+                                        <p:cTn id="22" dur="1" fill="hold">
+                                          <p:stCondLst>
+                                            <p:cond delay="0"/>
+                                          </p:stCondLst>
+                                        </p:cTn>
+                                        <p:tgtEl>
+                                          <p:spTgt spid="3">
+                                            <p:txEl>
+                                              <p:pRg st="8" end="8"/>
+                                            </p:txEl>
+                                          </p:spTgt>
+                                        </p:tgtEl>
+                                        <p:attrNameLst>
+                                          <p:attrName>style.visibility</p:attrName>
+                                        </p:attrNameLst>
+                                      </p:cBhvr>
+                                      <p:to>
+                                        <p:strVal val="visible"/>
+                                      </p:to>
+                                    </p:set>
+                                  </p:childTnLst>
+                                </p:cTn>
+                              </p:par>
+                            </p:childTnLst>
+                          </p:cTn>
+                        </p:par>
+                      </p:childTnLst>
+                    </p:cTn>
+                  </p:par>
+                </p:childTnLst>
+              </p:cTn>
+              <p:prevCondLst>
+                <p:cond evt="onPrev" delay="0">
+                  <p:tgtEl>
+                    <p:sldTgt/>
+                  </p:tgtEl>
+                </p:cond>
+              </p:prevCondLst>
+              <p:nextCondLst>
+                <p:cond evt="onNext" delay="0">
+                  <p:tgtEl>
+                    <p:sldTgt/>
+                  </p:tgtEl>
+                </p:cond>
+              </p:nextCondLst>
+            </p:seq>
+          </p:childTnLst>
+        </p:cTn>
+      </p:par>
+    </p:tnLst>
+  </p:timing>
+</p:sld>
+</file>
+
+<file path=ppt/slides/slide11.xml><?xml version="1.0" encoding="utf-8"?>
+<p:sld xmlns:a="http://schemas.openxmlformats.org/drawingml/2006/main" xmlns:r="http://schemas.openxmlformats.org/officeDocument/2006/relationships" xmlns:p="http://schemas.openxmlformats.org/presentationml/2006/main">
+  <p:cSld>
+    <p:spTree>
+      <p:nvGrpSpPr>
+        <p:cNvPr id="1" name=""/>
+        <p:cNvGrpSpPr/>
+        <p:nvPr/>
+      </p:nvGrpSpPr>
+      <p:grpSpPr>
+        <a:xfrm>
+          <a:off x="0" y="0"/>
+          <a:ext cx="0" cy="0"/>
+          <a:chOff x="0" y="0"/>
+          <a:chExt cx="0" cy="0"/>
+        </a:xfrm>
+      </p:grpSpPr>
+      <p:sp>
+        <p:nvSpPr>
+          <p:cNvPr id="2" name="Title 1"/>
+          <p:cNvSpPr>
+            <a:spLocks noGrp="1"/>
+          </p:cNvSpPr>
+          <p:nvPr>
+            <p:ph type="title"/>
+          </p:nvPr>
+        </p:nvSpPr>
+        <p:spPr>
+          <a:xfrm>
+            <a:off x="584200" y="221992"/>
+            <a:ext cx="10515600" cy="530954"/>
+          </a:xfrm>
+        </p:spPr>
+        <p:txBody>
+          <a:bodyPr>
+            <a:normAutofit fontScale="90000"/>
+          </a:bodyPr>
+          <a:lstStyle/>
+          <a:p>
+            <a:r>
+              <a:rPr lang="en-US" dirty="0"/>
+              <a:t>Introduction to Dimensionality Reduction</a:t>
+            </a:r>
+          </a:p>
+        </p:txBody>
+      </p:sp>
+      <p:sp>
+        <p:nvSpPr>
+          <p:cNvPr id="3" name="Content Placeholder 2"/>
+          <p:cNvSpPr>
+            <a:spLocks noGrp="1"/>
+          </p:cNvSpPr>
+          <p:nvPr>
+            <p:ph sz="quarter" idx="10"/>
+          </p:nvPr>
+        </p:nvSpPr>
+        <p:spPr>
+          <a:xfrm>
             <a:off x="333375" y="1004777"/>
             <a:ext cx="11525250" cy="5181690"/>
           </a:xfrm>
@@ -7784,17 +8266,8 @@
               <a:rPr lang="en-US" dirty="0">
                 <a:latin typeface="+mn-lt"/>
               </a:rPr>
-              <a:t>Linear dependency, e.g. </a:t>
+              <a:t>Linear dependency, e.g. correlation  </a:t>
             </a:r>
-            <a:r>
-              <a:rPr lang="en-US">
-                <a:latin typeface="+mn-lt"/>
-              </a:rPr>
-              <a:t>correlation  </a:t>
-            </a:r>
-            <a:endParaRPr lang="en-US" dirty="0">
-              <a:latin typeface="+mn-lt"/>
-            </a:endParaRPr>
           </a:p>
           <a:p>
             <a:pPr lvl="1"/>
@@ -8216,7 +8689,7 @@
 </p:sld>
 </file>
 
-<file path=ppt/slides/slide11.xml><?xml version="1.0" encoding="utf-8"?>
+<file path=ppt/slides/slide12.xml><?xml version="1.0" encoding="utf-8"?>
 <p:sld xmlns:a="http://schemas.openxmlformats.org/drawingml/2006/main" xmlns:r="http://schemas.openxmlformats.org/officeDocument/2006/relationships" xmlns:p="http://schemas.openxmlformats.org/presentationml/2006/main">
   <p:cSld>
     <p:spTree>
@@ -8614,7 +9087,7 @@
 </p:sld>
 </file>
 
-<file path=ppt/slides/slide12.xml><?xml version="1.0" encoding="utf-8"?>
+<file path=ppt/slides/slide13.xml><?xml version="1.0" encoding="utf-8"?>
 <p:sld xmlns:a="http://schemas.openxmlformats.org/drawingml/2006/main" xmlns:r="http://schemas.openxmlformats.org/officeDocument/2006/relationships" xmlns:p="http://schemas.openxmlformats.org/presentationml/2006/main">
   <p:cSld>
     <p:spTree>
@@ -8660,8 +9133,8 @@
           </a:p>
         </p:txBody>
       </p:sp>
-      <mc:AlternateContent xmlns:mc="http://schemas.openxmlformats.org/markup-compatibility/2006" xmlns:a14="http://schemas.microsoft.com/office/drawing/2010/main">
-        <mc:Choice Requires="a14">
+      <mc:AlternateContent xmlns:mc="http://schemas.openxmlformats.org/markup-compatibility/2006">
+        <mc:Choice xmlns:a14="http://schemas.microsoft.com/office/drawing/2010/main" Requires="a14">
           <p:sp>
             <p:nvSpPr>
               <p:cNvPr id="3" name="Content Placeholder 2"/>
@@ -8699,59 +9172,41 @@
                   <a:rPr lang="en-US" dirty="0">
                     <a:latin typeface="+mn-lt"/>
                   </a:rPr>
-                  <a:t>Principal Component Analysis: PCA, SVD</a:t>
+                  <a:t>Create a </a:t>
                 </a:r>
-              </a:p>
-              <a:p>
-                <a:pPr lvl="1"/>
+                <a:r>
+                  <a:rPr lang="en-US" b="1" dirty="0">
+                    <a:latin typeface="+mn-lt"/>
+                  </a:rPr>
+                  <a:t>linear map</a:t>
+                </a:r>
                 <a:r>
                   <a:rPr lang="en-US" dirty="0">
                     <a:latin typeface="+mn-lt"/>
                   </a:rPr>
-                  <a:t>Pearson, 1901</a:t>
-                </a:r>
-              </a:p>
-              <a:p>
-                <a:pPr lvl="1"/>
-                <a:r>
-                  <a:rPr lang="en-US" dirty="0">
-                    <a:latin typeface="+mn-lt"/>
-                  </a:rPr>
-                  <a:t>A generative model</a:t>
-                </a:r>
-              </a:p>
-              <a:p>
-                <a:r>
-                  <a:rPr lang="en-US" b="1" dirty="0">
-                    <a:latin typeface="+mn-lt"/>
-                  </a:rPr>
-                  <a:t>Latent Factor Models </a:t>
-                </a:r>
-                <a:endParaRPr lang="en-US" dirty="0">
-                  <a:latin typeface="+mn-lt"/>
-                </a:endParaRPr>
-              </a:p>
-              <a:p>
-                <a:pPr lvl="1"/>
-                <a:r>
-                  <a:rPr lang="en-US" dirty="0">
-                    <a:latin typeface="+mn-lt"/>
-                  </a:rPr>
-                  <a:t>Used for recommenders for example</a:t>
-                </a:r>
-              </a:p>
-              <a:p>
-                <a:r>
-                  <a:rPr lang="en-US" dirty="0">
-                    <a:latin typeface="+mn-lt"/>
-                  </a:rPr>
-                  <a:t>Create a linear map between feature space of dimension p to lower dimensional space of dimension </a:t>
+                  <a:t> between </a:t>
                 </a:r>
                 <a14:m>
                   <m:oMath xmlns:m="http://schemas.openxmlformats.org/officeDocument/2006/math">
                     <m:r>
                       <a:rPr lang="en-US" i="1">
-                        <a:latin typeface="Cambria Math" panose="02040503050406030204" pitchFamily="18" charset="0"/>
+                        <a:latin typeface="+mn-lt"/>
+                      </a:rPr>
+                      <m:t>𝑝</m:t>
+                    </m:r>
+                  </m:oMath>
+                </a14:m>
+                <a:r>
+                  <a:rPr lang="en-US" dirty="0">
+                    <a:latin typeface="+mn-lt"/>
+                  </a:rPr>
+                  <a:t> dimensional feature space to lower, </a:t>
+                </a:r>
+                <a14:m>
+                  <m:oMath xmlns:m="http://schemas.openxmlformats.org/officeDocument/2006/math">
+                    <m:r>
+                      <a:rPr lang="en-US" i="1">
+                        <a:latin typeface="+mn-lt"/>
                       </a:rPr>
                       <m:t>𝑙</m:t>
                     </m:r>
@@ -8761,7 +9216,7 @@
                   <a:rPr lang="en-US" dirty="0">
                     <a:latin typeface="+mn-lt"/>
                   </a:rPr>
-                  <a:t>:</a:t>
+                  <a:t>, dimensional space:</a:t>
                 </a:r>
               </a:p>
               <a:p>
@@ -8775,7 +9230,7 @@
                     </m:oMathParaPr>
                     <m:oMath xmlns:m="http://schemas.openxmlformats.org/officeDocument/2006/math">
                       <m:r>
-                        <a:rPr lang="en-US" b="0" i="1" smtClean="0">
+                        <a:rPr lang="en-US" i="1">
                           <a:latin typeface="Cambria Math" panose="02040503050406030204" pitchFamily="18" charset="0"/>
                         </a:rPr>
                         <m:t>𝑓</m:t>
@@ -8783,7 +9238,7 @@
                       <m:d>
                         <m:dPr>
                           <m:ctrlPr>
-                            <a:rPr lang="en-US" b="0" i="1" smtClean="0">
+                            <a:rPr lang="en-US" i="1">
                               <a:latin typeface="Cambria Math" panose="02040503050406030204" pitchFamily="18" charset="0"/>
                             </a:rPr>
                           </m:ctrlPr>
@@ -8792,14 +9247,14 @@
                           <m:sSup>
                             <m:sSupPr>
                               <m:ctrlPr>
-                                <a:rPr lang="en-US" b="0" i="1" smtClean="0">
+                                <a:rPr lang="en-US" i="1">
                                   <a:latin typeface="Cambria Math" panose="02040503050406030204" pitchFamily="18" charset="0"/>
                                 </a:rPr>
                               </m:ctrlPr>
                             </m:sSupPr>
                             <m:e>
                               <m:r>
-                                <a:rPr lang="en-US" b="0" i="1" smtClean="0">
+                                <a:rPr lang="en-US" i="1">
                                   <a:latin typeface="Cambria Math" panose="02040503050406030204" pitchFamily="18" charset="0"/>
                                   <a:ea typeface="Cambria Math" panose="02040503050406030204" pitchFamily="18" charset="0"/>
                                 </a:rPr>
@@ -8808,7 +9263,7 @@
                             </m:e>
                             <m:sup>
                               <m:r>
-                                <a:rPr lang="en-US" b="0" i="1" smtClean="0">
+                                <a:rPr lang="en-US" i="1">
                                   <a:latin typeface="Cambria Math" panose="02040503050406030204" pitchFamily="18" charset="0"/>
                                   <a:ea typeface="Cambria Math" panose="02040503050406030204" pitchFamily="18" charset="0"/>
                                 </a:rPr>
@@ -8819,7 +9274,7 @@
                         </m:e>
                       </m:d>
                       <m:r>
-                        <a:rPr lang="en-US" b="0" i="1" smtClean="0">
+                        <a:rPr lang="en-US" i="1">
                           <a:latin typeface="Cambria Math" panose="02040503050406030204" pitchFamily="18" charset="0"/>
                           <a:ea typeface="Cambria Math" panose="02040503050406030204" pitchFamily="18" charset="0"/>
                         </a:rPr>
@@ -8844,32 +9299,115 @@
                         </m:e>
                         <m:sup>
                           <m:r>
-                            <a:rPr lang="en-US" b="0" i="1" smtClean="0">
+                            <a:rPr lang="en-US" i="1">
                               <a:latin typeface="Cambria Math" panose="02040503050406030204" pitchFamily="18" charset="0"/>
                             </a:rPr>
                             <m:t>𝑙</m:t>
                           </m:r>
                         </m:sup>
                       </m:sSup>
+                      <m:r>
+                        <a:rPr lang="en-US" i="1">
+                          <a:latin typeface="Cambria Math" panose="02040503050406030204" pitchFamily="18" charset="0"/>
+                        </a:rPr>
+                        <m:t> </m:t>
+                      </m:r>
                     </m:oMath>
                   </m:oMathPara>
                 </a14:m>
-                <a:endParaRPr lang="en-US" dirty="0">
+                <a:endParaRPr lang="en-US" b="1" dirty="0">
                   <a:latin typeface="+mn-lt"/>
                 </a:endParaRPr>
+              </a:p>
+              <a:p>
+                <a:pPr lvl="1"/>
+                <a:r>
+                  <a:rPr lang="en-US" dirty="0">
+                    <a:latin typeface="+mn-lt"/>
+                  </a:rPr>
+                  <a:t>Linear map assumes same factor weights used for all values of each feature</a:t>
+                </a:r>
+                <a:endParaRPr lang="en-US" b="1" dirty="0">
+                  <a:latin typeface="+mn-lt"/>
+                </a:endParaRPr>
+              </a:p>
+              <a:p>
+                <a:r>
+                  <a:rPr lang="en-US" b="1" dirty="0">
+                    <a:latin typeface="+mn-lt"/>
+                  </a:rPr>
+                  <a:t>Principal Component Analysis: </a:t>
+                </a:r>
+                <a:r>
+                  <a:rPr lang="en-US" dirty="0">
+                    <a:latin typeface="+mn-lt"/>
+                  </a:rPr>
+                  <a:t>PCA, SVD</a:t>
+                </a:r>
+              </a:p>
+              <a:p>
+                <a:pPr lvl="1"/>
+                <a:r>
+                  <a:rPr lang="en-US" dirty="0">
+                    <a:latin typeface="+mn-lt"/>
+                  </a:rPr>
+                  <a:t>Pearson, 1901</a:t>
+                </a:r>
+              </a:p>
+              <a:p>
+                <a:pPr lvl="1"/>
+                <a:r>
+                  <a:rPr lang="en-US" dirty="0">
+                    <a:latin typeface="+mn-lt"/>
+                  </a:rPr>
+                  <a:t>A generative model using </a:t>
+                </a:r>
+                <a:r>
+                  <a:rPr lang="en-US" b="1" dirty="0">
+                    <a:latin typeface="+mn-lt"/>
+                  </a:rPr>
+                  <a:t>latent factors</a:t>
+                </a:r>
               </a:p>
               <a:p>
                 <a:r>
                   <a:rPr lang="en-US" dirty="0">
                     <a:latin typeface="+mn-lt"/>
                   </a:rPr>
-                  <a:t>Linear map assumes same factor weights used for all values of each feature</a:t>
+                  <a:t>Other </a:t>
+                </a:r>
+                <a:r>
+                  <a:rPr lang="en-US" b="1" dirty="0">
+                    <a:latin typeface="+mn-lt"/>
+                  </a:rPr>
+                  <a:t>Latent Factor Models </a:t>
+                </a:r>
+                <a:endParaRPr lang="en-US" dirty="0">
+                  <a:latin typeface="+mn-lt"/>
+                </a:endParaRPr>
+              </a:p>
+              <a:p>
+                <a:pPr lvl="1"/>
+                <a:r>
+                  <a:rPr lang="en-US" dirty="0">
+                    <a:latin typeface="+mn-lt"/>
+                  </a:rPr>
+                  <a:t>Used for recommenders for example</a:t>
+                </a:r>
+              </a:p>
+              <a:p>
+                <a:pPr lvl="1"/>
+                <a:r>
+                  <a:rPr lang="en-US" dirty="0">
+                    <a:latin typeface="+mn-lt"/>
+                  </a:rPr>
+                  <a:t>Many other examples</a:t>
                 </a:r>
               </a:p>
             </p:txBody>
           </p:sp>
         </mc:Choice>
-        <mc:Fallback xmlns="">
+        <mc:Fallback>
           <p:sp>
             <p:nvSpPr>
               <p:cNvPr id="3" name="Content Placeholder 2"/>
@@ -9110,33 +9648,15 @@
                                   </p:childTnLst>
                                 </p:cTn>
                               </p:par>
-                            </p:childTnLst>
-                          </p:cTn>
-                        </p:par>
-                      </p:childTnLst>
-                    </p:cTn>
-                  </p:par>
-                  <p:par>
-                    <p:cTn id="17" fill="hold">
-                      <p:stCondLst>
-                        <p:cond delay="indefinite"/>
-                      </p:stCondLst>
-                      <p:childTnLst>
-                        <p:par>
-                          <p:cTn id="18" fill="hold">
-                            <p:stCondLst>
-                              <p:cond delay="0"/>
-                            </p:stCondLst>
-                            <p:childTnLst>
                               <p:par>
-                                <p:cTn id="19" presetID="1" presetClass="entr" presetSubtype="0" fill="hold" nodeType="clickEffect">
+                                <p:cTn id="17" presetID="1" presetClass="entr" presetSubtype="0" fill="hold" nodeType="withEffect">
                                   <p:stCondLst>
                                     <p:cond delay="0"/>
                                   </p:stCondLst>
                                   <p:childTnLst>
                                     <p:set>
                                       <p:cBhvr>
-                                        <p:cTn id="20" dur="1" fill="hold">
+                                        <p:cTn id="18" dur="1" fill="hold">
                                           <p:stCondLst>
                                             <p:cond delay="0"/>
                                           </p:stCondLst>
@@ -9159,8 +9679,26 @@
                                   </p:childTnLst>
                                 </p:cTn>
                               </p:par>
+                            </p:childTnLst>
+                          </p:cTn>
+                        </p:par>
+                      </p:childTnLst>
+                    </p:cTn>
+                  </p:par>
+                  <p:par>
+                    <p:cTn id="19" fill="hold">
+                      <p:stCondLst>
+                        <p:cond delay="indefinite"/>
+                      </p:stCondLst>
+                      <p:childTnLst>
+                        <p:par>
+                          <p:cTn id="20" fill="hold">
+                            <p:stCondLst>
+                              <p:cond delay="0"/>
+                            </p:stCondLst>
+                            <p:childTnLst>
                               <p:par>
-                                <p:cTn id="21" presetID="1" presetClass="entr" presetSubtype="0" fill="hold" nodeType="withEffect">
+                                <p:cTn id="21" presetID="1" presetClass="entr" presetSubtype="0" fill="hold" nodeType="clickEffect">
                                   <p:stCondLst>
                                     <p:cond delay="0"/>
                                   </p:stCondLst>
@@ -9190,26 +9728,39 @@
                                   </p:childTnLst>
                                 </p:cTn>
                               </p:par>
-                            </p:childTnLst>
-                          </p:cTn>
-                        </p:par>
-                      </p:childTnLst>
-                    </p:cTn>
-                  </p:par>
-                  <p:par>
-                    <p:cTn id="23" fill="hold">
-                      <p:stCondLst>
-                        <p:cond delay="indefinite"/>
-                      </p:stCondLst>
-                      <p:childTnLst>
-                        <p:par>
-                          <p:cTn id="24" fill="hold">
-                            <p:stCondLst>
-                              <p:cond delay="0"/>
-                            </p:stCondLst>
-                            <p:childTnLst>
                               <p:par>
-                                <p:cTn id="25" presetID="1" presetClass="entr" presetSubtype="0" fill="hold" nodeType="clickEffect">
+                                <p:cTn id="23" presetID="1" presetClass="entr" presetSubtype="0" fill="hold" nodeType="withEffect">
+                                  <p:stCondLst>
+                                    <p:cond delay="0"/>
+                                  </p:stCondLst>
+                                  <p:childTnLst>
+                                    <p:set>
+                                      <p:cBhvr>
+                                        <p:cTn id="24" dur="1" fill="hold">
+                                          <p:stCondLst>
+                                            <p:cond delay="0"/>
+                                          </p:stCondLst>
+                                        </p:cTn>
+                                        <p:tgtEl>
+                                          <p:spTgt spid="3">
+                                            <p:txEl>
+                                              <p:pRg st="8" end="8"/>
+                                            </p:txEl>
+                                          </p:spTgt>
+                                        </p:tgtEl>
+                                        <p:attrNameLst>
+                                          <p:attrName>style.visibility</p:attrName>
+                                        </p:attrNameLst>
+                                      </p:cBhvr>
+                                      <p:to>
+                                        <p:strVal val="visible"/>
+                                      </p:to>
+                                    </p:set>
+                                  </p:childTnLst>
+                                </p:cTn>
+                              </p:par>
+                              <p:par>
+                                <p:cTn id="25" presetID="1" presetClass="entr" presetSubtype="0" fill="hold" nodeType="withEffect">
                                   <p:stCondLst>
                                     <p:cond delay="0"/>
                                   </p:stCondLst>
@@ -9224,7 +9775,7 @@
                                         <p:tgtEl>
                                           <p:spTgt spid="3">
                                             <p:txEl>
-                                              <p:pRg st="8" end="8"/>
+                                              <p:pRg st="9" end="9"/>
                                             </p:txEl>
                                           </p:spTgt>
                                         </p:tgtEl>
@@ -9270,7 +9821,7 @@
 </p:sld>
 </file>
 
-<file path=ppt/slides/slide13.xml><?xml version="1.0" encoding="utf-8"?>
+<file path=ppt/slides/slide14.xml><?xml version="1.0" encoding="utf-8"?>
 <p:sld xmlns:a="http://schemas.openxmlformats.org/drawingml/2006/main" xmlns:r="http://schemas.openxmlformats.org/officeDocument/2006/relationships" xmlns:p="http://schemas.openxmlformats.org/presentationml/2006/main">
   <p:cSld>
     <p:spTree>
@@ -9841,7 +10392,7 @@
 </p:sld>
 </file>
 
-<file path=ppt/slides/slide14.xml><?xml version="1.0" encoding="utf-8"?>
+<file path=ppt/slides/slide15.xml><?xml version="1.0" encoding="utf-8"?>
 <p:sld xmlns:a="http://schemas.openxmlformats.org/drawingml/2006/main" xmlns:r="http://schemas.openxmlformats.org/officeDocument/2006/relationships" xmlns:p="http://schemas.openxmlformats.org/presentationml/2006/main">
   <p:cSld>
     <p:spTree>
@@ -9903,7 +10454,7 @@
 </p:sld>
 </file>
 
-<file path=ppt/slides/slide15.xml><?xml version="1.0" encoding="utf-8"?>
+<file path=ppt/slides/slide16.xml><?xml version="1.0" encoding="utf-8"?>
 <p:sld xmlns:a="http://schemas.openxmlformats.org/drawingml/2006/main" xmlns:r="http://schemas.openxmlformats.org/officeDocument/2006/relationships" xmlns:p="http://schemas.openxmlformats.org/presentationml/2006/main">
   <p:cSld>
     <p:spTree>
@@ -10014,7 +10565,13 @@
               <a:rPr lang="en-US" dirty="0">
                 <a:latin typeface="+mn-lt"/>
               </a:rPr>
-              <a:t>Compute a linear transformation to an orthogonal space </a:t>
+              <a:t>Compute a linear transformation to an </a:t>
+            </a:r>
+            <a:r>
+              <a:rPr lang="en-US" b="1" dirty="0">
+                <a:latin typeface="+mn-lt"/>
+              </a:rPr>
+              <a:t>orthogonal latent space </a:t>
             </a:r>
           </a:p>
           <a:p>
@@ -10056,7 +10613,7 @@
               <a:rPr lang="en-US" dirty="0">
                 <a:latin typeface="+mn-lt"/>
               </a:rPr>
-              <a:t>Chose first </a:t>
+              <a:t>First </a:t>
             </a:r>
             <a:r>
               <a:rPr lang="en-US" i="1" dirty="0">
@@ -10068,19 +10625,13 @@
               <a:rPr lang="en-US" dirty="0">
                 <a:latin typeface="+mn-lt"/>
               </a:rPr>
-              <a:t> projection axes </a:t>
+              <a:t> projection axes define </a:t>
             </a:r>
-          </a:p>
-          <a:p>
-            <a:pPr marL="514350" indent="-514350">
-              <a:buFont typeface="+mj-lt"/>
-              <a:buAutoNum type="arabicPeriod"/>
-            </a:pPr>
             <a:r>
-              <a:rPr lang="en-US" dirty="0">
+              <a:rPr lang="en-US" b="1" dirty="0">
                 <a:latin typeface="+mn-lt"/>
               </a:rPr>
-              <a:t>Transform projects data into an orthogonal space, </a:t>
+              <a:t>orthogonal lower dimensional space, </a:t>
             </a:r>
             <a:r>
               <a:rPr lang="en-US" i="1" dirty="0">
@@ -10340,55 +10891,6 @@
                       </p:childTnLst>
                     </p:cTn>
                   </p:par>
-                  <p:par>
-                    <p:cTn id="19" fill="hold">
-                      <p:stCondLst>
-                        <p:cond delay="indefinite"/>
-                      </p:stCondLst>
-                      <p:childTnLst>
-                        <p:par>
-                          <p:cTn id="20" fill="hold">
-                            <p:stCondLst>
-                              <p:cond delay="0"/>
-                            </p:stCondLst>
-                            <p:childTnLst>
-                              <p:par>
-                                <p:cTn id="21" presetID="1" presetClass="entr" presetSubtype="0" fill="hold" nodeType="clickEffect">
-                                  <p:stCondLst>
-                                    <p:cond delay="0"/>
-                                  </p:stCondLst>
-                                  <p:childTnLst>
-                                    <p:set>
-                                      <p:cBhvr>
-                                        <p:cTn id="22" dur="1" fill="hold">
-                                          <p:stCondLst>
-                                            <p:cond delay="0"/>
-                                          </p:stCondLst>
-                                        </p:cTn>
-                                        <p:tgtEl>
-                                          <p:spTgt spid="3">
-                                            <p:txEl>
-                                              <p:pRg st="6" end="6"/>
-                                            </p:txEl>
-                                          </p:spTgt>
-                                        </p:tgtEl>
-                                        <p:attrNameLst>
-                                          <p:attrName>style.visibility</p:attrName>
-                                        </p:attrNameLst>
-                                      </p:cBhvr>
-                                      <p:to>
-                                        <p:strVal val="visible"/>
-                                      </p:to>
-                                    </p:set>
-                                  </p:childTnLst>
-                                </p:cTn>
-                              </p:par>
-                            </p:childTnLst>
-                          </p:cTn>
-                        </p:par>
-                      </p:childTnLst>
-                    </p:cTn>
-                  </p:par>
                 </p:childTnLst>
               </p:cTn>
               <p:prevCondLst>
@@ -10414,7 +10916,7 @@
 </p:sld>
 </file>
 
-<file path=ppt/slides/slide16.xml><?xml version="1.0" encoding="utf-8"?>
+<file path=ppt/slides/slide17.xml><?xml version="1.0" encoding="utf-8"?>
 <p:sld xmlns:a="http://schemas.openxmlformats.org/drawingml/2006/main" xmlns:r="http://schemas.openxmlformats.org/officeDocument/2006/relationships" xmlns:p="http://schemas.openxmlformats.org/presentationml/2006/main">
   <p:cSld>
     <p:spTree>
@@ -10469,8 +10971,8 @@
           </a:p>
         </p:txBody>
       </p:sp>
-      <mc:AlternateContent xmlns:mc="http://schemas.openxmlformats.org/markup-compatibility/2006" xmlns:a14="http://schemas.microsoft.com/office/drawing/2010/main">
-        <mc:Choice Requires="a14">
+      <mc:AlternateContent xmlns:mc="http://schemas.openxmlformats.org/markup-compatibility/2006">
+        <mc:Choice xmlns:a14="http://schemas.microsoft.com/office/drawing/2010/main" Requires="a14">
           <p:sp>
             <p:nvSpPr>
               <p:cNvPr id="3" name="Content Placeholder 2">
@@ -10523,23 +11025,26 @@
                   <a:rPr lang="en-US" dirty="0">
                     <a:cs typeface="Segoe UI" panose="020B0502040204020203" pitchFamily="34" charset="0"/>
                   </a:rPr>
-                  <a:t>Start with the an </a:t>
+                  <a:t>Start with a </a:t>
+                </a:r>
+                <a:r>
+                  <a:rPr lang="en-US" b="1" dirty="0">
+                    <a:cs typeface="Segoe UI" panose="020B0502040204020203" pitchFamily="34" charset="0"/>
+                  </a:rPr>
+                  <a:t>zero-centered </a:t>
                 </a:r>
                 <a14:m>
                   <m:oMath xmlns:m="http://schemas.openxmlformats.org/officeDocument/2006/math">
                     <m:r>
-                      <m:rPr>
-                        <m:sty m:val="p"/>
-                      </m:rPr>
-                      <a:rPr lang="en-US" b="0" i="0" smtClean="0">
+                      <a:rPr lang="en-US" b="1" i="0" smtClean="0">
                         <a:latin typeface="Cambria Math" panose="02040503050406030204" pitchFamily="18" charset="0"/>
                         <a:ea typeface="Cambria Math" panose="02040503050406030204" pitchFamily="18" charset="0"/>
                         <a:cs typeface="Segoe UI" panose="020B0502040204020203" pitchFamily="34" charset="0"/>
                       </a:rPr>
-                      <m:t>n</m:t>
+                      <m:t>𝐧</m:t>
                     </m:r>
                     <m:r>
-                      <a:rPr lang="en-US" b="0" i="1" smtClean="0">
+                      <a:rPr lang="en-US" b="1" i="1" smtClean="0">
                         <a:latin typeface="Cambria Math" panose="02040503050406030204" pitchFamily="18" charset="0"/>
                         <a:ea typeface="Cambria Math" panose="02040503050406030204" pitchFamily="18" charset="0"/>
                         <a:cs typeface="Segoe UI" panose="020B0502040204020203" pitchFamily="34" charset="0"/>
@@ -10547,20 +11052,26 @@
                       <m:t>×</m:t>
                     </m:r>
                     <m:r>
-                      <a:rPr lang="en-US" b="0" i="1" smtClean="0">
+                      <a:rPr lang="en-US" b="1" i="1" smtClean="0">
                         <a:latin typeface="Cambria Math" panose="02040503050406030204" pitchFamily="18" charset="0"/>
                         <a:ea typeface="Cambria Math" panose="02040503050406030204" pitchFamily="18" charset="0"/>
                         <a:cs typeface="Segoe UI" panose="020B0502040204020203" pitchFamily="34" charset="0"/>
                       </a:rPr>
-                      <m:t>𝑝</m:t>
+                      <m:t>𝒑</m:t>
                     </m:r>
                   </m:oMath>
                 </a14:m>
                 <a:r>
+                  <a:rPr lang="en-US" b="1" dirty="0">
+                    <a:cs typeface="Segoe UI" panose="020B0502040204020203" pitchFamily="34" charset="0"/>
+                  </a:rPr>
+                  <a:t> feature matrix</a:t>
+                </a:r>
+                <a:r>
                   <a:rPr lang="en-US" dirty="0">
                     <a:cs typeface="Segoe UI" panose="020B0502040204020203" pitchFamily="34" charset="0"/>
                   </a:rPr>
-                  <a:t> feature matrix, </a:t>
+                  <a:t>, </a:t>
                 </a:r>
                 <a14:m>
                   <m:oMath xmlns:m="http://schemas.openxmlformats.org/officeDocument/2006/math">
@@ -10599,6 +11110,36 @@
                     <a:cs typeface="Segoe UI" panose="020B0502040204020203" pitchFamily="34" charset="0"/>
                   </a:rPr>
                   <a:t> columns are not orthogonal </a:t>
+                </a:r>
+              </a:p>
+              <a:p>
+                <a:pPr lvl="1">
+                  <a:tabLst>
+                    <a:tab pos="7543800" algn="l"/>
+                  </a:tabLst>
+                </a:pPr>
+                <a:r>
+                  <a:rPr lang="en-US" dirty="0">
+                    <a:cs typeface="Segoe UI" panose="020B0502040204020203" pitchFamily="34" charset="0"/>
+                  </a:rPr>
+                  <a:t>All column means </a:t>
+                </a:r>
+                <a14:m>
+                  <m:oMath xmlns:m="http://schemas.openxmlformats.org/officeDocument/2006/math">
+                    <m:r>
+                      <a:rPr lang="en-US" b="0" i="1" smtClean="0">
+                        <a:latin typeface="Cambria Math" panose="02040503050406030204" pitchFamily="18" charset="0"/>
+                        <a:cs typeface="Segoe UI" panose="020B0502040204020203" pitchFamily="34" charset="0"/>
+                      </a:rPr>
+                      <m:t>=0</m:t>
+                    </m:r>
+                  </m:oMath>
+                </a14:m>
+                <a:r>
+                  <a:rPr lang="en-US" dirty="0">
+                    <a:cs typeface="Segoe UI" panose="020B0502040204020203" pitchFamily="34" charset="0"/>
+                  </a:rPr>
+                  <a:t> </a:t>
                 </a:r>
               </a:p>
               <a:p>
@@ -10683,7 +11224,7 @@
                   <a:rPr lang="en-US" dirty="0">
                     <a:cs typeface="Segoe UI" panose="020B0502040204020203" pitchFamily="34" charset="0"/>
                   </a:rPr>
-                  <a:t>, dimensional orthogonal space, </a:t>
+                  <a:t>, dimensional orthogonal latent space, </a:t>
                 </a:r>
                 <a14:m>
                   <m:oMath xmlns:m="http://schemas.openxmlformats.org/officeDocument/2006/math">
@@ -10870,7 +11411,7 @@
             </p:txBody>
           </p:sp>
         </mc:Choice>
-        <mc:Fallback xmlns="">
+        <mc:Fallback>
           <p:sp>
             <p:nvSpPr>
               <p:cNvPr id="3" name="Content Placeholder 2">
@@ -10895,7 +11436,7 @@
               <a:blipFill>
                 <a:blip r:embed="rId2"/>
                 <a:stretch>
-                  <a:fillRect l="-1058" t="-1804"/>
+                  <a:fillRect l="-1058" t="-1804" r="-106"/>
                 </a:stretch>
               </a:blipFill>
             </p:spPr>
@@ -11037,33 +11578,15 @@
                                   </p:childTnLst>
                                 </p:cTn>
                               </p:par>
-                            </p:childTnLst>
-                          </p:cTn>
-                        </p:par>
-                      </p:childTnLst>
-                    </p:cTn>
-                  </p:par>
-                  <p:par>
-                    <p:cTn id="11" fill="hold">
-                      <p:stCondLst>
-                        <p:cond delay="indefinite"/>
-                      </p:stCondLst>
-                      <p:childTnLst>
-                        <p:par>
-                          <p:cTn id="12" fill="hold">
-                            <p:stCondLst>
-                              <p:cond delay="0"/>
-                            </p:stCondLst>
-                            <p:childTnLst>
                               <p:par>
-                                <p:cTn id="13" presetID="1" presetClass="entr" presetSubtype="0" fill="hold" nodeType="clickEffect">
+                                <p:cTn id="11" presetID="1" presetClass="entr" presetSubtype="0" fill="hold" nodeType="withEffect">
                                   <p:stCondLst>
                                     <p:cond delay="0"/>
                                   </p:stCondLst>
                                   <p:childTnLst>
                                     <p:set>
                                       <p:cBhvr>
-                                        <p:cTn id="14" dur="1" fill="hold">
+                                        <p:cTn id="12" dur="1" fill="hold">
                                           <p:stCondLst>
                                             <p:cond delay="0"/>
                                           </p:stCondLst>
@@ -11093,26 +11616,26 @@
                     </p:cTn>
                   </p:par>
                   <p:par>
-                    <p:cTn id="15" fill="hold">
+                    <p:cTn id="13" fill="hold">
                       <p:stCondLst>
                         <p:cond delay="indefinite"/>
                       </p:stCondLst>
                       <p:childTnLst>
                         <p:par>
-                          <p:cTn id="16" fill="hold">
+                          <p:cTn id="14" fill="hold">
                             <p:stCondLst>
                               <p:cond delay="0"/>
                             </p:stCondLst>
                             <p:childTnLst>
                               <p:par>
-                                <p:cTn id="17" presetID="1" presetClass="entr" presetSubtype="0" fill="hold" nodeType="clickEffect">
+                                <p:cTn id="15" presetID="1" presetClass="entr" presetSubtype="0" fill="hold" nodeType="clickEffect">
                                   <p:stCondLst>
                                     <p:cond delay="0"/>
                                   </p:stCondLst>
                                   <p:childTnLst>
                                     <p:set>
                                       <p:cBhvr>
-                                        <p:cTn id="18" dur="1" fill="hold">
+                                        <p:cTn id="16" dur="1" fill="hold">
                                           <p:stCondLst>
                                             <p:cond delay="0"/>
                                           </p:stCondLst>
@@ -11135,8 +11658,26 @@
                                   </p:childTnLst>
                                 </p:cTn>
                               </p:par>
+                            </p:childTnLst>
+                          </p:cTn>
+                        </p:par>
+                      </p:childTnLst>
+                    </p:cTn>
+                  </p:par>
+                  <p:par>
+                    <p:cTn id="17" fill="hold">
+                      <p:stCondLst>
+                        <p:cond delay="indefinite"/>
+                      </p:stCondLst>
+                      <p:childTnLst>
+                        <p:par>
+                          <p:cTn id="18" fill="hold">
+                            <p:stCondLst>
+                              <p:cond delay="0"/>
+                            </p:stCondLst>
+                            <p:childTnLst>
                               <p:par>
-                                <p:cTn id="19" presetID="1" presetClass="entr" presetSubtype="0" fill="hold" nodeType="withEffect">
+                                <p:cTn id="19" presetID="1" presetClass="entr" presetSubtype="0" fill="hold" nodeType="clickEffect">
                                   <p:stCondLst>
                                     <p:cond delay="0"/>
                                   </p:stCondLst>
@@ -11228,6 +11769,37 @@
                                   </p:childTnLst>
                                 </p:cTn>
                               </p:par>
+                              <p:par>
+                                <p:cTn id="25" presetID="1" presetClass="entr" presetSubtype="0" fill="hold" nodeType="withEffect">
+                                  <p:stCondLst>
+                                    <p:cond delay="0"/>
+                                  </p:stCondLst>
+                                  <p:childTnLst>
+                                    <p:set>
+                                      <p:cBhvr>
+                                        <p:cTn id="26" dur="1" fill="hold">
+                                          <p:stCondLst>
+                                            <p:cond delay="0"/>
+                                          </p:stCondLst>
+                                        </p:cTn>
+                                        <p:tgtEl>
+                                          <p:spTgt spid="3">
+                                            <p:txEl>
+                                              <p:pRg st="9" end="9"/>
+                                            </p:txEl>
+                                          </p:spTgt>
+                                        </p:tgtEl>
+                                        <p:attrNameLst>
+                                          <p:attrName>style.visibility</p:attrName>
+                                        </p:attrNameLst>
+                                      </p:cBhvr>
+                                      <p:to>
+                                        <p:strVal val="visible"/>
+                                      </p:to>
+                                    </p:set>
+                                  </p:childTnLst>
+                                </p:cTn>
+                              </p:par>
                             </p:childTnLst>
                           </p:cTn>
                         </p:par>
@@ -11259,7 +11831,7 @@
 </p:sld>
 </file>
 
-<file path=ppt/slides/slide17.xml><?xml version="1.0" encoding="utf-8"?>
+<file path=ppt/slides/slide18.xml><?xml version="1.0" encoding="utf-8"?>
 <p:sld xmlns:a="http://schemas.openxmlformats.org/drawingml/2006/main" xmlns:r="http://schemas.openxmlformats.org/officeDocument/2006/relationships" xmlns:p="http://schemas.openxmlformats.org/presentationml/2006/main">
   <p:cSld>
     <p:spTree>
@@ -11744,7 +12316,7 @@
 </p:sld>
 </file>
 
-<file path=ppt/slides/slide18.xml><?xml version="1.0" encoding="utf-8"?>
+<file path=ppt/slides/slide19.xml><?xml version="1.0" encoding="utf-8"?>
 <p:sld xmlns:a="http://schemas.openxmlformats.org/drawingml/2006/main" xmlns:r="http://schemas.openxmlformats.org/officeDocument/2006/relationships" xmlns:p="http://schemas.openxmlformats.org/presentationml/2006/main">
   <p:cSld>
     <p:spTree>
@@ -11790,8 +12362,8 @@
           </a:p>
         </p:txBody>
       </p:sp>
-      <mc:AlternateContent xmlns:mc="http://schemas.openxmlformats.org/markup-compatibility/2006" xmlns:a14="http://schemas.microsoft.com/office/drawing/2010/main">
-        <mc:Choice Requires="a14">
+      <mc:AlternateContent xmlns:mc="http://schemas.openxmlformats.org/markup-compatibility/2006">
+        <mc:Choice xmlns:a14="http://schemas.microsoft.com/office/drawing/2010/main" Requires="a14">
           <p:sp>
             <p:nvSpPr>
               <p:cNvPr id="3" name="Content Placeholder 2"/>
@@ -11946,7 +12518,7 @@
               </a:p>
               <a:p>
                 <a:r>
-                  <a:rPr lang="en-US" dirty="0">
+                  <a:rPr lang="en-US" b="1" dirty="0">
                     <a:latin typeface="+mn-lt"/>
                   </a:rPr>
                   <a:t>Marginal distributions are Normal</a:t>
@@ -11959,7 +12531,7 @@
             </p:txBody>
           </p:sp>
         </mc:Choice>
-        <mc:Fallback xmlns="">
+        <mc:Fallback>
           <p:sp>
             <p:nvSpPr>
               <p:cNvPr id="3" name="Content Placeholder 2"/>
@@ -12275,7 +12847,147 @@
 </p:sld>
 </file>
 
-<file path=ppt/slides/slide19.xml><?xml version="1.0" encoding="utf-8"?>
+<file path=ppt/slides/slide2.xml><?xml version="1.0" encoding="utf-8"?>
+<p:sld xmlns:a="http://schemas.openxmlformats.org/drawingml/2006/main" xmlns:r="http://schemas.openxmlformats.org/officeDocument/2006/relationships" xmlns:p="http://schemas.openxmlformats.org/presentationml/2006/main">
+  <p:cSld>
+    <p:spTree>
+      <p:nvGrpSpPr>
+        <p:cNvPr id="1" name=""/>
+        <p:cNvGrpSpPr/>
+        <p:nvPr/>
+      </p:nvGrpSpPr>
+      <p:grpSpPr>
+        <a:xfrm>
+          <a:off x="0" y="0"/>
+          <a:ext cx="0" cy="0"/>
+          <a:chOff x="0" y="0"/>
+          <a:chExt cx="0" cy="0"/>
+        </a:xfrm>
+      </p:grpSpPr>
+      <p:sp>
+        <p:nvSpPr>
+          <p:cNvPr id="2" name="Title 1"/>
+          <p:cNvSpPr>
+            <a:spLocks noGrp="1"/>
+          </p:cNvSpPr>
+          <p:nvPr>
+            <p:ph type="title"/>
+          </p:nvPr>
+        </p:nvSpPr>
+        <p:spPr>
+          <a:xfrm>
+            <a:off x="584200" y="221992"/>
+            <a:ext cx="10515600" cy="530954"/>
+          </a:xfrm>
+        </p:spPr>
+        <p:txBody>
+          <a:bodyPr>
+            <a:normAutofit fontScale="90000"/>
+          </a:bodyPr>
+          <a:lstStyle/>
+          <a:p>
+            <a:r>
+              <a:rPr lang="en-US" dirty="0"/>
+              <a:t>Lesson Overview</a:t>
+            </a:r>
+          </a:p>
+        </p:txBody>
+      </p:sp>
+      <p:sp>
+        <p:nvSpPr>
+          <p:cNvPr id="3" name="Content Placeholder 2"/>
+          <p:cNvSpPr>
+            <a:spLocks noGrp="1"/>
+          </p:cNvSpPr>
+          <p:nvPr>
+            <p:ph sz="quarter" idx="10"/>
+          </p:nvPr>
+        </p:nvSpPr>
+        <p:spPr>
+          <a:xfrm>
+            <a:off x="333375" y="1031357"/>
+            <a:ext cx="11525250" cy="5155109"/>
+          </a:xfrm>
+        </p:spPr>
+        <p:txBody>
+          <a:bodyPr>
+            <a:normAutofit/>
+          </a:bodyPr>
+          <a:lstStyle/>
+          <a:p>
+            <a:pPr marL="0" indent="0">
+              <a:buNone/>
+            </a:pPr>
+            <a:r>
+              <a:rPr lang="en-US" dirty="0">
+                <a:latin typeface="+mn-lt"/>
+              </a:rPr>
+              <a:t>Dimensionality reduction is widely used in data mining</a:t>
+            </a:r>
+          </a:p>
+          <a:p>
+            <a:r>
+              <a:rPr lang="en-US" sz="2800" dirty="0">
+                <a:latin typeface="Script MT Bold" panose="03040602040607080904" pitchFamily="66" charset="0"/>
+              </a:rPr>
+              <a:t>Curse of Dimensionality!</a:t>
+            </a:r>
+            <a:endParaRPr lang="en-US" dirty="0">
+              <a:latin typeface="+mn-lt"/>
+            </a:endParaRPr>
+          </a:p>
+          <a:p>
+            <a:r>
+              <a:rPr lang="en-US" dirty="0">
+                <a:latin typeface="+mn-lt"/>
+              </a:rPr>
+              <a:t>Introduction to dimensionality reduction </a:t>
+            </a:r>
+          </a:p>
+          <a:p>
+            <a:r>
+              <a:rPr lang="en-US" dirty="0">
+                <a:latin typeface="+mn-lt"/>
+              </a:rPr>
+              <a:t>Principal component analysis (PCA)</a:t>
+            </a:r>
+          </a:p>
+          <a:p>
+            <a:r>
+              <a:rPr lang="en-US" dirty="0">
+                <a:latin typeface="+mn-lt"/>
+              </a:rPr>
+              <a:t>Singular value decomposition (SVD)</a:t>
+            </a:r>
+          </a:p>
+          <a:p>
+            <a:r>
+              <a:rPr lang="en-US" dirty="0">
+                <a:latin typeface="+mn-lt"/>
+              </a:rPr>
+              <a:t>Kernel principal component analysis    </a:t>
+            </a:r>
+          </a:p>
+          <a:p>
+            <a:pPr lvl="1"/>
+            <a:endParaRPr lang="en-US" dirty="0"/>
+          </a:p>
+        </p:txBody>
+      </p:sp>
+    </p:spTree>
+    <p:extLst>
+      <p:ext uri="{BB962C8B-B14F-4D97-AF65-F5344CB8AC3E}">
+        <p14:creationId xmlns:p14="http://schemas.microsoft.com/office/powerpoint/2010/main" val="760930776"/>
+      </p:ext>
+    </p:extLst>
+  </p:cSld>
+  <p:clrMapOvr>
+    <a:masterClrMapping/>
+  </p:clrMapOvr>
+</p:sld>
+</file>
+
+<file path=ppt/slides/slide20.xml><?xml version="1.0" encoding="utf-8"?>
 <p:sld xmlns:a="http://schemas.openxmlformats.org/drawingml/2006/main" xmlns:r="http://schemas.openxmlformats.org/officeDocument/2006/relationships" xmlns:p="http://schemas.openxmlformats.org/presentationml/2006/main">
   <p:cSld>
     <p:spTree>
@@ -12859,136 +13571,7 @@
 </p:sld>
 </file>
 
-<file path=ppt/slides/slide2.xml><?xml version="1.0" encoding="utf-8"?>
-<p:sld xmlns:a="http://schemas.openxmlformats.org/drawingml/2006/main" xmlns:r="http://schemas.openxmlformats.org/officeDocument/2006/relationships" xmlns:p="http://schemas.openxmlformats.org/presentationml/2006/main">
-  <p:cSld>
-    <p:spTree>
-      <p:nvGrpSpPr>
-        <p:cNvPr id="1" name=""/>
-        <p:cNvGrpSpPr/>
-        <p:nvPr/>
-      </p:nvGrpSpPr>
-      <p:grpSpPr>
-        <a:xfrm>
-          <a:off x="0" y="0"/>
-          <a:ext cx="0" cy="0"/>
-          <a:chOff x="0" y="0"/>
-          <a:chExt cx="0" cy="0"/>
-        </a:xfrm>
-      </p:grpSpPr>
-      <p:sp>
-        <p:nvSpPr>
-          <p:cNvPr id="2" name="Title 1"/>
-          <p:cNvSpPr>
-            <a:spLocks noGrp="1"/>
-          </p:cNvSpPr>
-          <p:nvPr>
-            <p:ph type="title"/>
-          </p:nvPr>
-        </p:nvSpPr>
-        <p:spPr>
-          <a:xfrm>
-            <a:off x="584200" y="221992"/>
-            <a:ext cx="10515600" cy="530954"/>
-          </a:xfrm>
-        </p:spPr>
-        <p:txBody>
-          <a:bodyPr>
-            <a:normAutofit fontScale="90000"/>
-          </a:bodyPr>
-          <a:lstStyle/>
-          <a:p>
-            <a:r>
-              <a:rPr lang="en-US" dirty="0"/>
-              <a:t>Lesson Overview</a:t>
-            </a:r>
-          </a:p>
-        </p:txBody>
-      </p:sp>
-      <p:sp>
-        <p:nvSpPr>
-          <p:cNvPr id="3" name="Content Placeholder 2"/>
-          <p:cNvSpPr>
-            <a:spLocks noGrp="1"/>
-          </p:cNvSpPr>
-          <p:nvPr>
-            <p:ph sz="quarter" idx="10"/>
-          </p:nvPr>
-        </p:nvSpPr>
-        <p:spPr>
-          <a:xfrm>
-            <a:off x="333375" y="1031357"/>
-            <a:ext cx="11525250" cy="5155109"/>
-          </a:xfrm>
-        </p:spPr>
-        <p:txBody>
-          <a:bodyPr>
-            <a:normAutofit/>
-          </a:bodyPr>
-          <a:lstStyle/>
-          <a:p>
-            <a:pPr marL="0" indent="0">
-              <a:buNone/>
-            </a:pPr>
-            <a:r>
-              <a:rPr lang="en-US" dirty="0">
-                <a:latin typeface="+mn-lt"/>
-              </a:rPr>
-              <a:t>Dimensionality reduction is widely used in data mining</a:t>
-            </a:r>
-          </a:p>
-          <a:p>
-            <a:r>
-              <a:rPr lang="en-US" dirty="0">
-                <a:latin typeface="+mn-lt"/>
-              </a:rPr>
-              <a:t>Introduction to dimensionality reduction </a:t>
-            </a:r>
-          </a:p>
-          <a:p>
-            <a:r>
-              <a:rPr lang="en-US" dirty="0">
-                <a:latin typeface="+mn-lt"/>
-              </a:rPr>
-              <a:t>Principle component analysis (PCA)</a:t>
-            </a:r>
-          </a:p>
-          <a:p>
-            <a:r>
-              <a:rPr lang="en-US" dirty="0">
-                <a:latin typeface="+mn-lt"/>
-              </a:rPr>
-              <a:t>Singular value decomposition (SVD)</a:t>
-            </a:r>
-          </a:p>
-          <a:p>
-            <a:r>
-              <a:rPr lang="en-US" dirty="0">
-                <a:latin typeface="+mn-lt"/>
-              </a:rPr>
-              <a:t>Kernel principle component analysis    </a:t>
-            </a:r>
-          </a:p>
-          <a:p>
-            <a:pPr lvl="1"/>
-            <a:endParaRPr lang="en-US" dirty="0"/>
-          </a:p>
-        </p:txBody>
-      </p:sp>
-    </p:spTree>
-    <p:extLst>
-      <p:ext uri="{BB962C8B-B14F-4D97-AF65-F5344CB8AC3E}">
-        <p14:creationId xmlns:p14="http://schemas.microsoft.com/office/powerpoint/2010/main" val="760930776"/>
-      </p:ext>
-    </p:extLst>
-  </p:cSld>
-  <p:clrMapOvr>
-    <a:masterClrMapping/>
-  </p:clrMapOvr>
-</p:sld>
-</file>
-
-<file path=ppt/slides/slide20.xml><?xml version="1.0" encoding="utf-8"?>
+<file path=ppt/slides/slide21.xml><?xml version="1.0" encoding="utf-8"?>
 <p:sld xmlns:a="http://schemas.openxmlformats.org/drawingml/2006/main" xmlns:r="http://schemas.openxmlformats.org/officeDocument/2006/relationships" xmlns:p="http://schemas.openxmlformats.org/presentationml/2006/main">
   <p:cSld>
     <p:spTree>
@@ -13050,7 +13633,7 @@
 </p:sld>
 </file>
 
-<file path=ppt/slides/slide21.xml><?xml version="1.0" encoding="utf-8"?>
+<file path=ppt/slides/slide22.xml><?xml version="1.0" encoding="utf-8"?>
 <p:sld xmlns:a="http://schemas.openxmlformats.org/drawingml/2006/main" xmlns:r="http://schemas.openxmlformats.org/officeDocument/2006/relationships" xmlns:p="http://schemas.openxmlformats.org/presentationml/2006/main">
   <p:cSld>
     <p:spTree>
@@ -13105,8 +13688,8 @@
           </a:p>
         </p:txBody>
       </p:sp>
-      <mc:AlternateContent xmlns:mc="http://schemas.openxmlformats.org/markup-compatibility/2006" xmlns:a14="http://schemas.microsoft.com/office/drawing/2010/main">
-        <mc:Choice Requires="a14">
+      <mc:AlternateContent xmlns:mc="http://schemas.openxmlformats.org/markup-compatibility/2006">
+        <mc:Choice xmlns:a14="http://schemas.microsoft.com/office/drawing/2010/main" Requires="a14">
           <p:sp>
             <p:nvSpPr>
               <p:cNvPr id="3" name="Content Placeholder 2">
@@ -13159,36 +13742,39 @@
                   <a:rPr lang="en-US" dirty="0">
                     <a:cs typeface="Segoe UI" panose="020B0502040204020203" pitchFamily="34" charset="0"/>
                   </a:rPr>
-                  <a:t>The projection directions are determined by the eigenvectors of </a:t>
+                  <a:t>The projection directions are determined by the </a:t>
+                </a:r>
+                <a:r>
+                  <a:rPr lang="en-US" b="1" dirty="0">
+                    <a:cs typeface="Segoe UI" panose="020B0502040204020203" pitchFamily="34" charset="0"/>
+                  </a:rPr>
+                  <a:t>eigenvectors of </a:t>
                 </a:r>
                 <a14:m>
                   <m:oMath xmlns:m="http://schemas.openxmlformats.org/officeDocument/2006/math">
                     <m:r>
-                      <m:rPr>
-                        <m:sty m:val="p"/>
-                      </m:rPr>
-                      <a:rPr lang="en-US" b="0" i="0" smtClean="0">
+                      <a:rPr lang="en-US" b="1" i="0" smtClean="0">
                         <a:latin typeface="Cambria Math" panose="02040503050406030204" pitchFamily="18" charset="0"/>
                         <a:cs typeface="Segoe UI" panose="020B0502040204020203" pitchFamily="34" charset="0"/>
                       </a:rPr>
-                      <m:t>cov</m:t>
+                      <m:t>𝐜𝐨𝐯</m:t>
                     </m:r>
                     <m:r>
-                      <a:rPr lang="en-US" b="0" i="0" smtClean="0">
+                      <a:rPr lang="en-US" b="1" i="0" smtClean="0">
                         <a:latin typeface="Cambria Math" panose="02040503050406030204" pitchFamily="18" charset="0"/>
                         <a:cs typeface="Segoe UI" panose="020B0502040204020203" pitchFamily="34" charset="0"/>
                       </a:rPr>
                       <m:t>(</m:t>
                     </m:r>
                     <m:r>
-                      <a:rPr lang="en-US" b="0" i="1" smtClean="0">
+                      <a:rPr lang="en-US" b="1" i="1" smtClean="0">
                         <a:latin typeface="Cambria Math" panose="02040503050406030204" pitchFamily="18" charset="0"/>
                         <a:cs typeface="Segoe UI" panose="020B0502040204020203" pitchFamily="34" charset="0"/>
                       </a:rPr>
-                      <m:t>𝑋</m:t>
+                      <m:t>𝑿</m:t>
                     </m:r>
                     <m:r>
-                      <a:rPr lang="en-US" b="0" i="1" smtClean="0">
+                      <a:rPr lang="en-US" b="1" i="1" smtClean="0">
                         <a:latin typeface="Cambria Math" panose="02040503050406030204" pitchFamily="18" charset="0"/>
                         <a:cs typeface="Segoe UI" panose="020B0502040204020203" pitchFamily="34" charset="0"/>
                       </a:rPr>
@@ -13196,7 +13782,7 @@
                     </m:r>
                   </m:oMath>
                 </a14:m>
-                <a:endParaRPr lang="en-US" dirty="0">
+                <a:endParaRPr lang="en-US" b="1" dirty="0">
                   <a:cs typeface="Segoe UI" panose="020B0502040204020203" pitchFamily="34" charset="0"/>
                 </a:endParaRPr>
               </a:p>
@@ -13236,7 +13822,19 @@
                   <a:rPr lang="en-US" dirty="0">
                     <a:cs typeface="Segoe UI" panose="020B0502040204020203" pitchFamily="34" charset="0"/>
                   </a:rPr>
-                  <a:t>Each PC ordered by magnitude of eigenvalues of </a:t>
+                  <a:t>PC in decreasing order of </a:t>
+                </a:r>
+                <a:r>
+                  <a:rPr lang="en-US" dirty="0" err="1">
+                    <a:cs typeface="Segoe UI" panose="020B0502040204020203" pitchFamily="34" charset="0"/>
+                  </a:rPr>
+                  <a:t>magnitudea</a:t>
+                </a:r>
+                <a:r>
+                  <a:rPr lang="en-US" dirty="0">
+                    <a:cs typeface="Segoe UI" panose="020B0502040204020203" pitchFamily="34" charset="0"/>
+                  </a:rPr>
+                  <a:t> of eigenvalues of </a:t>
                 </a:r>
                 <a14:m>
                   <m:oMath xmlns:m="http://schemas.openxmlformats.org/officeDocument/2006/math">
@@ -13278,20 +13876,7 @@
                 </a:endParaRPr>
               </a:p>
               <a:p>
-                <a:pPr lvl="1">
-                  <a:tabLst>
-                    <a:tab pos="7543800" algn="l"/>
-                  </a:tabLst>
-                </a:pPr>
-                <a:r>
-                  <a:rPr lang="en-US" dirty="0">
-                    <a:cs typeface="Segoe UI" panose="020B0502040204020203" pitchFamily="34" charset="0"/>
-                  </a:rPr>
-                  <a:t>Ordered by decreasing variance (scale)</a:t>
-                </a:r>
-              </a:p>
-              <a:p>
-                <a:pPr lvl="1">
+                <a:pPr>
                   <a:tabLst>
                     <a:tab pos="7543800" algn="l"/>
                   </a:tabLst>
@@ -13340,7 +13925,7 @@
             </p:txBody>
           </p:sp>
         </mc:Choice>
-        <mc:Fallback xmlns="">
+        <mc:Fallback>
           <p:sp>
             <p:nvSpPr>
               <p:cNvPr id="3" name="Content Placeholder 2">
@@ -13556,39 +14141,26 @@
                                   </p:childTnLst>
                                 </p:cTn>
                               </p:par>
+                            </p:childTnLst>
+                          </p:cTn>
+                        </p:par>
+                      </p:childTnLst>
+                    </p:cTn>
+                  </p:par>
+                  <p:par>
+                    <p:cTn id="15" fill="hold">
+                      <p:stCondLst>
+                        <p:cond delay="indefinite"/>
+                      </p:stCondLst>
+                      <p:childTnLst>
+                        <p:par>
+                          <p:cTn id="16" fill="hold">
+                            <p:stCondLst>
+                              <p:cond delay="0"/>
+                            </p:stCondLst>
+                            <p:childTnLst>
                               <p:par>
-                                <p:cTn id="15" presetID="1" presetClass="entr" presetSubtype="0" fill="hold" nodeType="withEffect">
-                                  <p:stCondLst>
-                                    <p:cond delay="0"/>
-                                  </p:stCondLst>
-                                  <p:childTnLst>
-                                    <p:set>
-                                      <p:cBhvr>
-                                        <p:cTn id="16" dur="1" fill="hold">
-                                          <p:stCondLst>
-                                            <p:cond delay="0"/>
-                                          </p:stCondLst>
-                                        </p:cTn>
-                                        <p:tgtEl>
-                                          <p:spTgt spid="3">
-                                            <p:txEl>
-                                              <p:pRg st="5" end="5"/>
-                                            </p:txEl>
-                                          </p:spTgt>
-                                        </p:tgtEl>
-                                        <p:attrNameLst>
-                                          <p:attrName>style.visibility</p:attrName>
-                                        </p:attrNameLst>
-                                      </p:cBhvr>
-                                      <p:to>
-                                        <p:strVal val="visible"/>
-                                      </p:to>
-                                    </p:set>
-                                  </p:childTnLst>
-                                </p:cTn>
-                              </p:par>
-                              <p:par>
-                                <p:cTn id="17" presetID="1" presetClass="entr" presetSubtype="0" fill="hold" nodeType="withEffect">
+                                <p:cTn id="17" presetID="1" presetClass="entr" presetSubtype="0" fill="hold" nodeType="clickEffect">
                                   <p:stCondLst>
                                     <p:cond delay="0"/>
                                   </p:stCondLst>
@@ -13603,7 +14175,7 @@
                                         <p:tgtEl>
                                           <p:spTgt spid="3">
                                             <p:txEl>
-                                              <p:pRg st="6" end="6"/>
+                                              <p:pRg st="5" end="5"/>
                                             </p:txEl>
                                           </p:spTgt>
                                         </p:tgtEl>
@@ -13649,7 +14221,7 @@
 </p:sld>
 </file>
 
-<file path=ppt/slides/slide22.xml><?xml version="1.0" encoding="utf-8"?>
+<file path=ppt/slides/slide23.xml><?xml version="1.0" encoding="utf-8"?>
 <p:sld xmlns:a="http://schemas.openxmlformats.org/drawingml/2006/main" xmlns:r="http://schemas.openxmlformats.org/officeDocument/2006/relationships" xmlns:p="http://schemas.openxmlformats.org/presentationml/2006/main">
   <p:cSld>
     <p:spTree>
@@ -13704,8 +14276,8 @@
           </a:p>
         </p:txBody>
       </p:sp>
-      <mc:AlternateContent xmlns:mc="http://schemas.openxmlformats.org/markup-compatibility/2006">
-        <mc:Choice xmlns:a14="http://schemas.microsoft.com/office/drawing/2010/main" Requires="a14">
+      <mc:AlternateContent xmlns:mc="http://schemas.openxmlformats.org/markup-compatibility/2006" xmlns:a14="http://schemas.microsoft.com/office/drawing/2010/main">
+        <mc:Choice Requires="a14">
           <p:sp>
             <p:nvSpPr>
               <p:cNvPr id="3" name="Content Placeholder 2">
@@ -14242,7 +14814,7 @@
             </p:txBody>
           </p:sp>
         </mc:Choice>
-        <mc:Fallback>
+        <mc:Fallback xmlns="">
           <p:sp>
             <p:nvSpPr>
               <p:cNvPr id="3" name="Content Placeholder 2">
@@ -14507,7 +15079,7 @@
 </p:sld>
 </file>
 
-<file path=ppt/slides/slide23.xml><?xml version="1.0" encoding="utf-8"?>
+<file path=ppt/slides/slide24.xml><?xml version="1.0" encoding="utf-8"?>
 <p:sld xmlns:a="http://schemas.openxmlformats.org/drawingml/2006/main" xmlns:r="http://schemas.openxmlformats.org/officeDocument/2006/relationships" xmlns:p="http://schemas.openxmlformats.org/presentationml/2006/main">
   <p:cSld>
     <p:spTree>
@@ -14748,8 +15320,8 @@
           </a:p>
         </p:txBody>
       </p:sp>
-      <mc:AlternateContent xmlns:mc="http://schemas.openxmlformats.org/markup-compatibility/2006" xmlns:a14="http://schemas.microsoft.com/office/drawing/2010/main">
-        <mc:Choice Requires="a14">
+      <mc:AlternateContent xmlns:mc="http://schemas.openxmlformats.org/markup-compatibility/2006">
+        <mc:Choice xmlns:a14="http://schemas.microsoft.com/office/drawing/2010/main" Requires="a14">
           <p:sp>
             <p:nvSpPr>
               <p:cNvPr id="7" name="TextBox 6">
@@ -14764,8 +15336,8 @@
             </p:nvSpPr>
             <p:spPr>
               <a:xfrm>
-                <a:off x="2297575" y="5256905"/>
-                <a:ext cx="3018439" cy="830997"/>
+                <a:off x="3016525" y="5256905"/>
+                <a:ext cx="2331787" cy="461665"/>
               </a:xfrm>
               <a:prstGeom prst="rect">
                 <a:avLst/>
@@ -14781,26 +15353,22 @@
                 <a14:m>
                   <m:oMath xmlns:m="http://schemas.openxmlformats.org/officeDocument/2006/math">
                     <m:r>
-                      <a:rPr lang="en-US" sz="2400" b="0" i="1" smtClean="0">
+                      <a:rPr lang="en-US" sz="2400" b="1" i="1" smtClean="0">
                         <a:latin typeface="Cambria Math" panose="02040503050406030204" pitchFamily="18" charset="0"/>
                       </a:rPr>
-                      <m:t>𝑙</m:t>
+                      <m:t>𝒍</m:t>
                     </m:r>
                   </m:oMath>
                 </a14:m>
                 <a:r>
-                  <a:rPr lang="en-US" sz="2400" dirty="0"/>
-                  <a:t> components </a:t>
-                </a:r>
-                <a:r>
                   <a:rPr lang="en-US" sz="2400" b="1" dirty="0"/>
-                  <a:t>explain most variance</a:t>
+                  <a:t> components</a:t>
                 </a:r>
               </a:p>
             </p:txBody>
           </p:sp>
         </mc:Choice>
-        <mc:Fallback xmlns="">
+        <mc:Fallback>
           <p:sp>
             <p:nvSpPr>
               <p:cNvPr id="7" name="TextBox 6">
@@ -14817,8 +15385,8 @@
             </p:nvSpPr>
             <p:spPr>
               <a:xfrm>
-                <a:off x="2297575" y="5256905"/>
-                <a:ext cx="3018439" cy="830997"/>
+                <a:off x="3016525" y="5256905"/>
+                <a:ext cx="2331787" cy="461665"/>
               </a:xfrm>
               <a:prstGeom prst="rect">
                 <a:avLst/>
@@ -14826,7 +15394,7 @@
               <a:blipFill>
                 <a:blip r:embed="rId3"/>
                 <a:stretch>
-                  <a:fillRect l="-3232" t="-5839" r="-808" b="-15328"/>
+                  <a:fillRect l="-1047" t="-10526" b="-28947"/>
                 </a:stretch>
               </a:blipFill>
             </p:spPr>
@@ -14952,8 +15520,8 @@
         </p:nvCxnSpPr>
         <p:spPr>
           <a:xfrm flipH="1">
-            <a:off x="2488557" y="5738199"/>
-            <a:ext cx="2827457" cy="0"/>
+            <a:off x="2346062" y="5738199"/>
+            <a:ext cx="2969952" cy="15143"/>
           </a:xfrm>
           <a:prstGeom prst="straightConnector1">
             <a:avLst/>
@@ -14981,6 +15549,116 @@
           </a:fontRef>
         </p:style>
       </p:cxnSp>
+      <p:sp>
+        <p:nvSpPr>
+          <p:cNvPr id="21" name="TextBox 20">
+            <a:extLst>
+              <a:ext uri="{FF2B5EF4-FFF2-40B4-BE49-F238E27FC236}">
+                <a16:creationId xmlns:a16="http://schemas.microsoft.com/office/drawing/2014/main" id="{CC716DE8-5D4D-960B-401C-721EA202361C}"/>
+              </a:ext>
+            </a:extLst>
+          </p:cNvPr>
+          <p:cNvSpPr txBox="1"/>
+          <p:nvPr/>
+        </p:nvSpPr>
+        <p:spPr>
+          <a:xfrm>
+            <a:off x="3200331" y="3729205"/>
+            <a:ext cx="4613330" cy="461665"/>
+          </a:xfrm>
+          <a:prstGeom prst="rect">
+            <a:avLst/>
+          </a:prstGeom>
+          <a:noFill/>
+        </p:spPr>
+        <p:txBody>
+          <a:bodyPr wrap="square" rtlCol="0">
+            <a:spAutoFit/>
+          </a:bodyPr>
+          <a:lstStyle/>
+          <a:p>
+            <a:r>
+              <a:rPr lang="en-US" sz="2400" b="1" dirty="0">
+                <a:solidFill>
+                  <a:srgbClr val="C00000"/>
+                </a:solidFill>
+              </a:rPr>
+              <a:t>explained variance 2</a:t>
+            </a:r>
+            <a:r>
+              <a:rPr lang="en-US" sz="2400" b="1" baseline="30000" dirty="0">
+                <a:solidFill>
+                  <a:srgbClr val="C00000"/>
+                </a:solidFill>
+              </a:rPr>
+              <a:t>nd</a:t>
+            </a:r>
+            <a:r>
+              <a:rPr lang="en-US" sz="2400" b="1" dirty="0">
+                <a:solidFill>
+                  <a:srgbClr val="C00000"/>
+                </a:solidFill>
+              </a:rPr>
+              <a:t> component</a:t>
+            </a:r>
+          </a:p>
+        </p:txBody>
+      </p:sp>
+      <p:sp>
+        <p:nvSpPr>
+          <p:cNvPr id="23" name="TextBox 22">
+            <a:extLst>
+              <a:ext uri="{FF2B5EF4-FFF2-40B4-BE49-F238E27FC236}">
+                <a16:creationId xmlns:a16="http://schemas.microsoft.com/office/drawing/2014/main" id="{32F8593A-4AA5-BE34-F806-8B449FD88F4A}"/>
+              </a:ext>
+            </a:extLst>
+          </p:cNvPr>
+          <p:cNvSpPr txBox="1"/>
+          <p:nvPr/>
+        </p:nvSpPr>
+        <p:spPr>
+          <a:xfrm>
+            <a:off x="2652858" y="2334585"/>
+            <a:ext cx="4512525" cy="461665"/>
+          </a:xfrm>
+          <a:prstGeom prst="rect">
+            <a:avLst/>
+          </a:prstGeom>
+          <a:noFill/>
+        </p:spPr>
+        <p:txBody>
+          <a:bodyPr wrap="square" rtlCol="0">
+            <a:spAutoFit/>
+          </a:bodyPr>
+          <a:lstStyle/>
+          <a:p>
+            <a:r>
+              <a:rPr lang="en-US" sz="2400" b="1" dirty="0">
+                <a:solidFill>
+                  <a:srgbClr val="C00000"/>
+                </a:solidFill>
+              </a:rPr>
+              <a:t>explained variance 1</a:t>
+            </a:r>
+            <a:r>
+              <a:rPr lang="en-US" sz="2400" b="1" baseline="30000" dirty="0">
+                <a:solidFill>
+                  <a:srgbClr val="C00000"/>
+                </a:solidFill>
+              </a:rPr>
+              <a:t>st</a:t>
+            </a:r>
+            <a:r>
+              <a:rPr lang="en-US" sz="2400" b="1" dirty="0">
+                <a:solidFill>
+                  <a:srgbClr val="C00000"/>
+                </a:solidFill>
+              </a:rPr>
+              <a:t> component</a:t>
+            </a:r>
+          </a:p>
+        </p:txBody>
+      </p:sp>
     </p:spTree>
     <p:extLst>
       <p:ext uri="{BB962C8B-B14F-4D97-AF65-F5344CB8AC3E}">
@@ -14991,10 +15669,309 @@
   <p:clrMapOvr>
     <a:masterClrMapping/>
   </p:clrMapOvr>
+  <p:timing>
+    <p:tnLst>
+      <p:par>
+        <p:cTn id="1" dur="indefinite" restart="never" nodeType="tmRoot">
+          <p:childTnLst>
+            <p:seq concurrent="1" nextAc="seek">
+              <p:cTn id="2" dur="indefinite" nodeType="mainSeq">
+                <p:childTnLst>
+                  <p:par>
+                    <p:cTn id="3" fill="hold">
+                      <p:stCondLst>
+                        <p:cond delay="indefinite"/>
+                      </p:stCondLst>
+                      <p:childTnLst>
+                        <p:par>
+                          <p:cTn id="4" fill="hold">
+                            <p:stCondLst>
+                              <p:cond delay="0"/>
+                            </p:stCondLst>
+                            <p:childTnLst>
+                              <p:par>
+                                <p:cTn id="5" presetID="1" presetClass="entr" presetSubtype="0" fill="hold" grpId="0" nodeType="clickEffect">
+                                  <p:stCondLst>
+                                    <p:cond delay="0"/>
+                                  </p:stCondLst>
+                                  <p:childTnLst>
+                                    <p:set>
+                                      <p:cBhvr>
+                                        <p:cTn id="6" dur="1" fill="hold">
+                                          <p:stCondLst>
+                                            <p:cond delay="0"/>
+                                          </p:stCondLst>
+                                        </p:cTn>
+                                        <p:tgtEl>
+                                          <p:spTgt spid="23"/>
+                                        </p:tgtEl>
+                                        <p:attrNameLst>
+                                          <p:attrName>style.visibility</p:attrName>
+                                        </p:attrNameLst>
+                                      </p:cBhvr>
+                                      <p:to>
+                                        <p:strVal val="visible"/>
+                                      </p:to>
+                                    </p:set>
+                                  </p:childTnLst>
+                                </p:cTn>
+                              </p:par>
+                            </p:childTnLst>
+                          </p:cTn>
+                        </p:par>
+                      </p:childTnLst>
+                    </p:cTn>
+                  </p:par>
+                  <p:par>
+                    <p:cTn id="7" fill="hold">
+                      <p:stCondLst>
+                        <p:cond delay="indefinite"/>
+                      </p:stCondLst>
+                      <p:childTnLst>
+                        <p:par>
+                          <p:cTn id="8" fill="hold">
+                            <p:stCondLst>
+                              <p:cond delay="0"/>
+                            </p:stCondLst>
+                            <p:childTnLst>
+                              <p:par>
+                                <p:cTn id="9" presetID="1" presetClass="entr" presetSubtype="0" fill="hold" grpId="0" nodeType="clickEffect">
+                                  <p:stCondLst>
+                                    <p:cond delay="0"/>
+                                  </p:stCondLst>
+                                  <p:childTnLst>
+                                    <p:set>
+                                      <p:cBhvr>
+                                        <p:cTn id="10" dur="1" fill="hold">
+                                          <p:stCondLst>
+                                            <p:cond delay="0"/>
+                                          </p:stCondLst>
+                                        </p:cTn>
+                                        <p:tgtEl>
+                                          <p:spTgt spid="21"/>
+                                        </p:tgtEl>
+                                        <p:attrNameLst>
+                                          <p:attrName>style.visibility</p:attrName>
+                                        </p:attrNameLst>
+                                      </p:cBhvr>
+                                      <p:to>
+                                        <p:strVal val="visible"/>
+                                      </p:to>
+                                    </p:set>
+                                  </p:childTnLst>
+                                </p:cTn>
+                              </p:par>
+                            </p:childTnLst>
+                          </p:cTn>
+                        </p:par>
+                      </p:childTnLst>
+                    </p:cTn>
+                  </p:par>
+                  <p:par>
+                    <p:cTn id="11" fill="hold">
+                      <p:stCondLst>
+                        <p:cond delay="indefinite"/>
+                      </p:stCondLst>
+                      <p:childTnLst>
+                        <p:par>
+                          <p:cTn id="12" fill="hold">
+                            <p:stCondLst>
+                              <p:cond delay="0"/>
+                            </p:stCondLst>
+                            <p:childTnLst>
+                              <p:par>
+                                <p:cTn id="13" presetID="1" presetClass="entr" presetSubtype="0" fill="hold" grpId="0" nodeType="clickEffect">
+                                  <p:stCondLst>
+                                    <p:cond delay="0"/>
+                                  </p:stCondLst>
+                                  <p:childTnLst>
+                                    <p:set>
+                                      <p:cBhvr>
+                                        <p:cTn id="14" dur="1" fill="hold">
+                                          <p:stCondLst>
+                                            <p:cond delay="0"/>
+                                          </p:stCondLst>
+                                        </p:cTn>
+                                        <p:tgtEl>
+                                          <p:spTgt spid="7"/>
+                                        </p:tgtEl>
+                                        <p:attrNameLst>
+                                          <p:attrName>style.visibility</p:attrName>
+                                        </p:attrNameLst>
+                                      </p:cBhvr>
+                                      <p:to>
+                                        <p:strVal val="visible"/>
+                                      </p:to>
+                                    </p:set>
+                                  </p:childTnLst>
+                                </p:cTn>
+                              </p:par>
+                              <p:par>
+                                <p:cTn id="15" presetID="1" presetClass="entr" presetSubtype="0" fill="hold" grpId="0" nodeType="withEffect">
+                                  <p:stCondLst>
+                                    <p:cond delay="0"/>
+                                  </p:stCondLst>
+                                  <p:childTnLst>
+                                    <p:set>
+                                      <p:cBhvr>
+                                        <p:cTn id="16" dur="1" fill="hold">
+                                          <p:stCondLst>
+                                            <p:cond delay="0"/>
+                                          </p:stCondLst>
+                                        </p:cTn>
+                                        <p:tgtEl>
+                                          <p:spTgt spid="8"/>
+                                        </p:tgtEl>
+                                        <p:attrNameLst>
+                                          <p:attrName>style.visibility</p:attrName>
+                                        </p:attrNameLst>
+                                      </p:cBhvr>
+                                      <p:to>
+                                        <p:strVal val="visible"/>
+                                      </p:to>
+                                    </p:set>
+                                  </p:childTnLst>
+                                </p:cTn>
+                              </p:par>
+                              <p:par>
+                                <p:cTn id="17" presetID="1" presetClass="entr" presetSubtype="0" fill="hold" nodeType="withEffect">
+                                  <p:stCondLst>
+                                    <p:cond delay="0"/>
+                                  </p:stCondLst>
+                                  <p:childTnLst>
+                                    <p:set>
+                                      <p:cBhvr>
+                                        <p:cTn id="18" dur="1" fill="hold">
+                                          <p:stCondLst>
+                                            <p:cond delay="0"/>
+                                          </p:stCondLst>
+                                        </p:cTn>
+                                        <p:tgtEl>
+                                          <p:spTgt spid="11"/>
+                                        </p:tgtEl>
+                                        <p:attrNameLst>
+                                          <p:attrName>style.visibility</p:attrName>
+                                        </p:attrNameLst>
+                                      </p:cBhvr>
+                                      <p:to>
+                                        <p:strVal val="visible"/>
+                                      </p:to>
+                                    </p:set>
+                                  </p:childTnLst>
+                                </p:cTn>
+                              </p:par>
+                            </p:childTnLst>
+                          </p:cTn>
+                        </p:par>
+                      </p:childTnLst>
+                    </p:cTn>
+                  </p:par>
+                  <p:par>
+                    <p:cTn id="19" fill="hold">
+                      <p:stCondLst>
+                        <p:cond delay="indefinite"/>
+                      </p:stCondLst>
+                      <p:childTnLst>
+                        <p:par>
+                          <p:cTn id="20" fill="hold">
+                            <p:stCondLst>
+                              <p:cond delay="0"/>
+                            </p:stCondLst>
+                            <p:childTnLst>
+                              <p:par>
+                                <p:cTn id="21" presetID="1" presetClass="entr" presetSubtype="0" fill="hold" grpId="0" nodeType="clickEffect">
+                                  <p:stCondLst>
+                                    <p:cond delay="0"/>
+                                  </p:stCondLst>
+                                  <p:childTnLst>
+                                    <p:set>
+                                      <p:cBhvr>
+                                        <p:cTn id="22" dur="1" fill="hold">
+                                          <p:stCondLst>
+                                            <p:cond delay="0"/>
+                                          </p:stCondLst>
+                                        </p:cTn>
+                                        <p:tgtEl>
+                                          <p:spTgt spid="6"/>
+                                        </p:tgtEl>
+                                        <p:attrNameLst>
+                                          <p:attrName>style.visibility</p:attrName>
+                                        </p:attrNameLst>
+                                      </p:cBhvr>
+                                      <p:to>
+                                        <p:strVal val="visible"/>
+                                      </p:to>
+                                    </p:set>
+                                  </p:childTnLst>
+                                </p:cTn>
+                              </p:par>
+                              <p:par>
+                                <p:cTn id="23" presetID="1" presetClass="entr" presetSubtype="0" fill="hold" grpId="0" nodeType="withEffect">
+                                  <p:stCondLst>
+                                    <p:cond delay="0"/>
+                                  </p:stCondLst>
+                                  <p:childTnLst>
+                                    <p:set>
+                                      <p:cBhvr>
+                                        <p:cTn id="24" dur="1" fill="hold">
+                                          <p:stCondLst>
+                                            <p:cond delay="0"/>
+                                          </p:stCondLst>
+                                        </p:cTn>
+                                        <p:tgtEl>
+                                          <p:spTgt spid="9"/>
+                                        </p:tgtEl>
+                                        <p:attrNameLst>
+                                          <p:attrName>style.visibility</p:attrName>
+                                        </p:attrNameLst>
+                                      </p:cBhvr>
+                                      <p:to>
+                                        <p:strVal val="visible"/>
+                                      </p:to>
+                                    </p:set>
+                                  </p:childTnLst>
+                                </p:cTn>
+                              </p:par>
+                            </p:childTnLst>
+                          </p:cTn>
+                        </p:par>
+                      </p:childTnLst>
+                    </p:cTn>
+                  </p:par>
+                </p:childTnLst>
+              </p:cTn>
+              <p:prevCondLst>
+                <p:cond evt="onPrev" delay="0">
+                  <p:tgtEl>
+                    <p:sldTgt/>
+                  </p:tgtEl>
+                </p:cond>
+              </p:prevCondLst>
+              <p:nextCondLst>
+                <p:cond evt="onNext" delay="0">
+                  <p:tgtEl>
+                    <p:sldTgt/>
+                  </p:tgtEl>
+                </p:cond>
+              </p:nextCondLst>
+            </p:seq>
+          </p:childTnLst>
+        </p:cTn>
+      </p:par>
+    </p:tnLst>
+    <p:bldLst>
+      <p:bldP spid="6" grpId="0" animBg="1"/>
+      <p:bldP spid="7" grpId="0"/>
+      <p:bldP spid="8" grpId="0" animBg="1"/>
+      <p:bldP spid="9" grpId="0"/>
+      <p:bldP spid="21" grpId="0"/>
+      <p:bldP spid="23" grpId="0"/>
+    </p:bldLst>
+  </p:timing>
 </p:sld>
 </file>
 
-<file path=ppt/slides/slide24.xml><?xml version="1.0" encoding="utf-8"?>
+<file path=ppt/slides/slide25.xml><?xml version="1.0" encoding="utf-8"?>
 <p:sld xmlns:a="http://schemas.openxmlformats.org/drawingml/2006/main" xmlns:r="http://schemas.openxmlformats.org/officeDocument/2006/relationships" xmlns:p="http://schemas.openxmlformats.org/presentationml/2006/main">
   <p:cSld>
     <p:spTree>
@@ -15040,8 +16017,8 @@
           </a:p>
         </p:txBody>
       </p:sp>
-      <mc:AlternateContent xmlns:mc="http://schemas.openxmlformats.org/markup-compatibility/2006" xmlns:a14="http://schemas.microsoft.com/office/drawing/2010/main">
-        <mc:Choice Requires="a14">
+      <mc:AlternateContent xmlns:mc="http://schemas.openxmlformats.org/markup-compatibility/2006">
+        <mc:Choice xmlns:a14="http://schemas.microsoft.com/office/drawing/2010/main" Requires="a14">
           <p:sp>
             <p:nvSpPr>
               <p:cNvPr id="3" name="Content Placeholder 2"/>
@@ -15522,7 +16499,7 @@
                   <a:rPr lang="en-US" dirty="0">
                     <a:latin typeface="+mn-lt"/>
                   </a:rPr>
-                  <a:t>Only need to find largest </a:t>
+                  <a:t>Need only find largest </a:t>
                 </a:r>
                 <a:r>
                   <a:rPr lang="en-US" i="1" dirty="0">
@@ -15534,7 +16511,7 @@
                   <a:rPr lang="en-US" dirty="0">
                     <a:latin typeface="+mn-lt"/>
                   </a:rPr>
-                  <a:t> eigenvalues </a:t>
+                  <a:t> eigenvalues and eigenvectors</a:t>
                 </a:r>
               </a:p>
               <a:p>
@@ -15546,7 +16523,7 @@
             </p:txBody>
           </p:sp>
         </mc:Choice>
-        <mc:Fallback xmlns="">
+        <mc:Fallback>
           <p:sp>
             <p:nvSpPr>
               <p:cNvPr id="3" name="Content Placeholder 2"/>
@@ -16009,7 +16986,7 @@
 </p:sld>
 </file>
 
-<file path=ppt/slides/slide25.xml><?xml version="1.0" encoding="utf-8"?>
+<file path=ppt/slides/slide26.xml><?xml version="1.0" encoding="utf-8"?>
 <p:sld xmlns:a="http://schemas.openxmlformats.org/drawingml/2006/main" xmlns:r="http://schemas.openxmlformats.org/officeDocument/2006/relationships" xmlns:p="http://schemas.openxmlformats.org/presentationml/2006/main">
   <p:cSld>
     <p:spTree>
@@ -16509,7 +17486,7 @@
 </p:sld>
 </file>
 
-<file path=ppt/slides/slide26.xml><?xml version="1.0" encoding="utf-8"?>
+<file path=ppt/slides/slide27.xml><?xml version="1.0" encoding="utf-8"?>
 <p:sld xmlns:a="http://schemas.openxmlformats.org/drawingml/2006/main" xmlns:r="http://schemas.openxmlformats.org/officeDocument/2006/relationships" xmlns:p="http://schemas.openxmlformats.org/presentationml/2006/main">
   <p:cSld>
     <p:spTree>
@@ -16664,7 +17641,7 @@
 </p:sld>
 </file>
 
-<file path=ppt/slides/slide27.xml><?xml version="1.0" encoding="utf-8"?>
+<file path=ppt/slides/slide28.xml><?xml version="1.0" encoding="utf-8"?>
 <p:sld xmlns:a="http://schemas.openxmlformats.org/drawingml/2006/main" xmlns:r="http://schemas.openxmlformats.org/officeDocument/2006/relationships" xmlns:p="http://schemas.openxmlformats.org/presentationml/2006/main">
   <p:cSld>
     <p:spTree>
@@ -17227,7 +18204,7 @@
 </p:sld>
 </file>
 
-<file path=ppt/slides/slide28.xml><?xml version="1.0" encoding="utf-8"?>
+<file path=ppt/slides/slide29.xml><?xml version="1.0" encoding="utf-8"?>
 <p:sld xmlns:a="http://schemas.openxmlformats.org/drawingml/2006/main" xmlns:r="http://schemas.openxmlformats.org/officeDocument/2006/relationships" xmlns:p="http://schemas.openxmlformats.org/presentationml/2006/main">
   <p:cSld>
     <p:spTree>
@@ -17289,7 +18266,72 @@
 </p:sld>
 </file>
 
-<file path=ppt/slides/slide29.xml><?xml version="1.0" encoding="utf-8"?>
+<file path=ppt/slides/slide3.xml><?xml version="1.0" encoding="utf-8"?>
+<p:sld xmlns:a="http://schemas.openxmlformats.org/drawingml/2006/main" xmlns:r="http://schemas.openxmlformats.org/officeDocument/2006/relationships" xmlns:p="http://schemas.openxmlformats.org/presentationml/2006/main">
+  <p:cSld>
+    <p:spTree>
+      <p:nvGrpSpPr>
+        <p:cNvPr id="1" name=""/>
+        <p:cNvGrpSpPr/>
+        <p:nvPr/>
+      </p:nvGrpSpPr>
+      <p:grpSpPr>
+        <a:xfrm>
+          <a:off x="0" y="0"/>
+          <a:ext cx="0" cy="0"/>
+          <a:chOff x="0" y="0"/>
+          <a:chExt cx="0" cy="0"/>
+        </a:xfrm>
+      </p:grpSpPr>
+      <p:sp>
+        <p:nvSpPr>
+          <p:cNvPr id="2" name="Title 1">
+            <a:extLst>
+              <a:ext uri="{FF2B5EF4-FFF2-40B4-BE49-F238E27FC236}">
+                <a16:creationId xmlns:a16="http://schemas.microsoft.com/office/drawing/2014/main" id="{270C7CAC-5294-64ED-E39A-8FF1A1B683B3}"/>
+              </a:ext>
+            </a:extLst>
+          </p:cNvPr>
+          <p:cNvSpPr>
+            <a:spLocks noGrp="1"/>
+          </p:cNvSpPr>
+          <p:nvPr>
+            <p:ph type="ctrTitle"/>
+          </p:nvPr>
+        </p:nvSpPr>
+        <p:spPr/>
+        <p:txBody>
+          <a:bodyPr>
+            <a:normAutofit/>
+          </a:bodyPr>
+          <a:lstStyle/>
+          <a:p>
+            <a:r>
+              <a:rPr lang="en-US" sz="3600" dirty="0">
+                <a:latin typeface="Script MT Bold" panose="03040602040607080904" pitchFamily="66" charset="0"/>
+              </a:rPr>
+              <a:t>Curse of Dimensionality!</a:t>
+            </a:r>
+            <a:endParaRPr lang="en-US" sz="3600" dirty="0">
+              <a:latin typeface="+mn-lt"/>
+            </a:endParaRPr>
+          </a:p>
+        </p:txBody>
+      </p:sp>
+    </p:spTree>
+    <p:extLst>
+      <p:ext uri="{BB962C8B-B14F-4D97-AF65-F5344CB8AC3E}">
+        <p14:creationId xmlns:p14="http://schemas.microsoft.com/office/powerpoint/2010/main" val="1888762132"/>
+      </p:ext>
+    </p:extLst>
+  </p:cSld>
+  <p:clrMapOvr>
+    <a:masterClrMapping/>
+  </p:clrMapOvr>
+</p:sld>
+</file>
+
+<file path=ppt/slides/slide30.xml><?xml version="1.0" encoding="utf-8"?>
 <p:sld xmlns:a="http://schemas.openxmlformats.org/drawingml/2006/main" xmlns:r="http://schemas.openxmlformats.org/officeDocument/2006/relationships" xmlns:p="http://schemas.openxmlformats.org/presentationml/2006/main">
   <p:cSld>
     <p:spTree>
@@ -18444,627 +19486,7 @@
 </p:sld>
 </file>
 
-<file path=ppt/slides/slide3.xml><?xml version="1.0" encoding="utf-8"?>
-<p:sld xmlns:a="http://schemas.openxmlformats.org/drawingml/2006/main" xmlns:r="http://schemas.openxmlformats.org/officeDocument/2006/relationships" xmlns:p="http://schemas.openxmlformats.org/presentationml/2006/main">
-  <p:cSld>
-    <p:spTree>
-      <p:nvGrpSpPr>
-        <p:cNvPr id="1" name=""/>
-        <p:cNvGrpSpPr/>
-        <p:nvPr/>
-      </p:nvGrpSpPr>
-      <p:grpSpPr>
-        <a:xfrm>
-          <a:off x="0" y="0"/>
-          <a:ext cx="0" cy="0"/>
-          <a:chOff x="0" y="0"/>
-          <a:chExt cx="0" cy="0"/>
-        </a:xfrm>
-      </p:grpSpPr>
-      <p:sp>
-        <p:nvSpPr>
-          <p:cNvPr id="2" name="Title 1"/>
-          <p:cNvSpPr>
-            <a:spLocks noGrp="1"/>
-          </p:cNvSpPr>
-          <p:nvPr>
-            <p:ph type="title"/>
-          </p:nvPr>
-        </p:nvSpPr>
-        <p:spPr>
-          <a:xfrm>
-            <a:off x="584200" y="221992"/>
-            <a:ext cx="11404600" cy="530954"/>
-          </a:xfrm>
-        </p:spPr>
-        <p:txBody>
-          <a:bodyPr>
-            <a:noAutofit/>
-          </a:bodyPr>
-          <a:lstStyle/>
-          <a:p>
-            <a:r>
-              <a:rPr lang="en-US" sz="3200" dirty="0"/>
-              <a:t>What Could Possibly Go Wrong? </a:t>
-            </a:r>
-            <a:r>
-              <a:rPr lang="en-US" sz="4000" dirty="0">
-                <a:latin typeface="Script MT Bold" panose="03040602040607080904" pitchFamily="66" charset="0"/>
-              </a:rPr>
-              <a:t>Curse of Dimensionality!</a:t>
-            </a:r>
-          </a:p>
-        </p:txBody>
-      </p:sp>
-      <p:sp>
-        <p:nvSpPr>
-          <p:cNvPr id="3" name="Content Placeholder 2"/>
-          <p:cNvSpPr>
-            <a:spLocks noGrp="1"/>
-          </p:cNvSpPr>
-          <p:nvPr>
-            <p:ph sz="quarter" idx="10"/>
-          </p:nvPr>
-        </p:nvSpPr>
-        <p:spPr>
-          <a:xfrm>
-            <a:off x="537275" y="896079"/>
-            <a:ext cx="11321349" cy="5602877"/>
-          </a:xfrm>
-        </p:spPr>
-        <p:txBody>
-          <a:bodyPr>
-            <a:normAutofit/>
-          </a:bodyPr>
-          <a:lstStyle/>
-          <a:p>
-            <a:pPr marL="0" indent="0">
-              <a:buNone/>
-            </a:pPr>
-            <a:r>
-              <a:rPr lang="en-US" dirty="0">
-                <a:latin typeface="+mn-lt"/>
-              </a:rPr>
-              <a:t>Cluster models scale poorly with dimensionality      </a:t>
-            </a:r>
-          </a:p>
-          <a:p>
-            <a:r>
-              <a:rPr lang="en-US" dirty="0">
-                <a:latin typeface="+mn-lt"/>
-              </a:rPr>
-              <a:t>Consider sampling required to maintain the same uniformly distributed sampling density in a hypercube: </a:t>
-            </a:r>
-          </a:p>
-          <a:p>
-            <a:endParaRPr lang="en-US" dirty="0">
-              <a:latin typeface="+mn-lt"/>
-            </a:endParaRPr>
-          </a:p>
-          <a:p>
-            <a:endParaRPr lang="en-US" dirty="0">
-              <a:latin typeface="+mn-lt"/>
-            </a:endParaRPr>
-          </a:p>
-          <a:p>
-            <a:endParaRPr lang="en-US" dirty="0">
-              <a:latin typeface="+mn-lt"/>
-            </a:endParaRPr>
-          </a:p>
-          <a:p>
-            <a:endParaRPr lang="en-US" dirty="0">
-              <a:latin typeface="+mn-lt"/>
-            </a:endParaRPr>
-          </a:p>
-          <a:p>
-            <a:pPr marL="0" indent="0">
-              <a:buNone/>
-            </a:pPr>
-            <a:endParaRPr lang="en-US" dirty="0">
-              <a:latin typeface="+mn-lt"/>
-            </a:endParaRPr>
-          </a:p>
-          <a:p>
-            <a:r>
-              <a:rPr lang="en-US" dirty="0">
-                <a:latin typeface="+mn-lt"/>
-              </a:rPr>
-              <a:t>An example of the </a:t>
-            </a:r>
-            <a:r>
-              <a:rPr lang="en-US" sz="3200" dirty="0">
-                <a:latin typeface="Script MT Bold" panose="03040602040607080904" pitchFamily="66" charset="0"/>
-              </a:rPr>
-              <a:t>Curse of Dimensionality!</a:t>
-            </a:r>
-          </a:p>
-          <a:p>
-            <a:pPr marL="0" indent="0">
-              <a:buNone/>
-            </a:pPr>
-            <a:endParaRPr lang="en-US" dirty="0">
-              <a:latin typeface="+mn-lt"/>
-            </a:endParaRPr>
-          </a:p>
-        </p:txBody>
-      </p:sp>
-      <p:graphicFrame>
-        <p:nvGraphicFramePr>
-          <p:cNvPr id="5" name="Table 5">
-            <a:extLst>
-              <a:ext uri="{FF2B5EF4-FFF2-40B4-BE49-F238E27FC236}">
-                <a16:creationId xmlns:a16="http://schemas.microsoft.com/office/drawing/2014/main" id="{E1149323-83B4-49D3-B3E7-A6A9431512F5}"/>
-              </a:ext>
-            </a:extLst>
-          </p:cNvPr>
-          <p:cNvGraphicFramePr>
-            <a:graphicFrameLocks noGrp="1"/>
-          </p:cNvGraphicFramePr>
-          <p:nvPr/>
-        </p:nvGraphicFramePr>
-        <p:xfrm>
-          <a:off x="893232" y="2325917"/>
-          <a:ext cx="5202768" cy="2743200"/>
-        </p:xfrm>
-        <a:graphic>
-          <a:graphicData uri="http://schemas.openxmlformats.org/drawingml/2006/table">
-            <a:tbl>
-              <a:tblPr firstRow="1" bandRow="1">
-                <a:tableStyleId>{5C22544A-7EE6-4342-B048-85BDC9FD1C3A}</a:tableStyleId>
-              </a:tblPr>
-              <a:tblGrid>
-                <a:gridCol w="2601384">
-                  <a:extLst>
-                    <a:ext uri="{9D8B030D-6E8A-4147-A177-3AD203B41FA5}">
-                      <a16:colId xmlns:a16="http://schemas.microsoft.com/office/drawing/2014/main" val="1864476824"/>
-                    </a:ext>
-                  </a:extLst>
-                </a:gridCol>
-                <a:gridCol w="2601384">
-                  <a:extLst>
-                    <a:ext uri="{9D8B030D-6E8A-4147-A177-3AD203B41FA5}">
-                      <a16:colId xmlns:a16="http://schemas.microsoft.com/office/drawing/2014/main" val="2999229130"/>
-                    </a:ext>
-                  </a:extLst>
-                </a:gridCol>
-              </a:tblGrid>
-              <a:tr h="370840">
-                <a:tc>
-                  <a:txBody>
-                    <a:bodyPr/>
-                    <a:lstStyle/>
-                    <a:p>
-                      <a:pPr algn="ctr"/>
-                      <a:r>
-                        <a:rPr lang="en-US" sz="2400" dirty="0">
-                          <a:solidFill>
-                            <a:schemeClr val="tx1"/>
-                          </a:solidFill>
-                        </a:rPr>
-                        <a:t>Dimensions</a:t>
-                      </a:r>
-                    </a:p>
-                  </a:txBody>
-                  <a:tcPr/>
-                </a:tc>
-                <a:tc>
-                  <a:txBody>
-                    <a:bodyPr/>
-                    <a:lstStyle/>
-                    <a:p>
-                      <a:pPr algn="ctr"/>
-                      <a:r>
-                        <a:rPr lang="en-US" sz="2400" dirty="0">
-                          <a:solidFill>
-                            <a:schemeClr val="tx1"/>
-                          </a:solidFill>
-                        </a:rPr>
-                        <a:t>Samples</a:t>
-                      </a:r>
-                    </a:p>
-                  </a:txBody>
-                  <a:tcPr/>
-                </a:tc>
-                <a:extLst>
-                  <a:ext uri="{0D108BD9-81ED-4DB2-BD59-A6C34878D82A}">
-                    <a16:rowId xmlns:a16="http://schemas.microsoft.com/office/drawing/2014/main" val="2305802520"/>
-                  </a:ext>
-                </a:extLst>
-              </a:tr>
-              <a:tr h="370840">
-                <a:tc>
-                  <a:txBody>
-                    <a:bodyPr/>
-                    <a:lstStyle/>
-                    <a:p>
-                      <a:r>
-                        <a:rPr lang="en-US" sz="2400" dirty="0">
-                          <a:solidFill>
-                            <a:schemeClr val="tx1"/>
-                          </a:solidFill>
-                        </a:rPr>
-                        <a:t>1</a:t>
-                      </a:r>
-                    </a:p>
-                  </a:txBody>
-                  <a:tcPr/>
-                </a:tc>
-                <a:tc>
-                  <a:txBody>
-                    <a:bodyPr/>
-                    <a:lstStyle/>
-                    <a:p>
-                      <a:r>
-                        <a:rPr lang="en-US" sz="2400" dirty="0">
-                          <a:solidFill>
-                            <a:schemeClr val="tx1"/>
-                          </a:solidFill>
-                        </a:rPr>
-                        <a:t>10</a:t>
-                      </a:r>
-                    </a:p>
-                  </a:txBody>
-                  <a:tcPr/>
-                </a:tc>
-                <a:extLst>
-                  <a:ext uri="{0D108BD9-81ED-4DB2-BD59-A6C34878D82A}">
-                    <a16:rowId xmlns:a16="http://schemas.microsoft.com/office/drawing/2014/main" val="2644108556"/>
-                  </a:ext>
-                </a:extLst>
-              </a:tr>
-              <a:tr h="370840">
-                <a:tc>
-                  <a:txBody>
-                    <a:bodyPr/>
-                    <a:lstStyle/>
-                    <a:p>
-                      <a:r>
-                        <a:rPr lang="en-US" sz="2400" dirty="0">
-                          <a:solidFill>
-                            <a:schemeClr val="tx1"/>
-                          </a:solidFill>
-                        </a:rPr>
-                        <a:t>2</a:t>
-                      </a:r>
-                    </a:p>
-                  </a:txBody>
-                  <a:tcPr/>
-                </a:tc>
-                <a:tc>
-                  <a:txBody>
-                    <a:bodyPr/>
-                    <a:lstStyle/>
-                    <a:p>
-                      <a:r>
-                        <a:rPr lang="en-US" sz="2400" dirty="0">
-                          <a:solidFill>
-                            <a:schemeClr val="tx1"/>
-                          </a:solidFill>
-                        </a:rPr>
-                        <a:t>100</a:t>
-                      </a:r>
-                    </a:p>
-                  </a:txBody>
-                  <a:tcPr/>
-                </a:tc>
-                <a:extLst>
-                  <a:ext uri="{0D108BD9-81ED-4DB2-BD59-A6C34878D82A}">
-                    <a16:rowId xmlns:a16="http://schemas.microsoft.com/office/drawing/2014/main" val="2270536685"/>
-                  </a:ext>
-                </a:extLst>
-              </a:tr>
-              <a:tr h="370840">
-                <a:tc>
-                  <a:txBody>
-                    <a:bodyPr/>
-                    <a:lstStyle/>
-                    <a:p>
-                      <a:r>
-                        <a:rPr lang="en-US" sz="2400" dirty="0">
-                          <a:solidFill>
-                            <a:schemeClr val="tx1"/>
-                          </a:solidFill>
-                        </a:rPr>
-                        <a:t>3</a:t>
-                      </a:r>
-                    </a:p>
-                  </a:txBody>
-                  <a:tcPr/>
-                </a:tc>
-                <a:tc>
-                  <a:txBody>
-                    <a:bodyPr/>
-                    <a:lstStyle/>
-                    <a:p>
-                      <a:r>
-                        <a:rPr lang="en-US" sz="2400" dirty="0">
-                          <a:solidFill>
-                            <a:schemeClr val="tx1"/>
-                          </a:solidFill>
-                        </a:rPr>
-                        <a:t>1,000</a:t>
-                      </a:r>
-                    </a:p>
-                  </a:txBody>
-                  <a:tcPr/>
-                </a:tc>
-                <a:extLst>
-                  <a:ext uri="{0D108BD9-81ED-4DB2-BD59-A6C34878D82A}">
-                    <a16:rowId xmlns:a16="http://schemas.microsoft.com/office/drawing/2014/main" val="1540888841"/>
-                  </a:ext>
-                </a:extLst>
-              </a:tr>
-              <a:tr h="370840">
-                <a:tc>
-                  <a:txBody>
-                    <a:bodyPr/>
-                    <a:lstStyle/>
-                    <a:p>
-                      <a:r>
-                        <a:rPr lang="en-US" sz="2400" dirty="0">
-                          <a:solidFill>
-                            <a:schemeClr val="tx1"/>
-                          </a:solidFill>
-                        </a:rPr>
-                        <a:t>5</a:t>
-                      </a:r>
-                    </a:p>
-                  </a:txBody>
-                  <a:tcPr/>
-                </a:tc>
-                <a:tc>
-                  <a:txBody>
-                    <a:bodyPr/>
-                    <a:lstStyle/>
-                    <a:p>
-                      <a:r>
-                        <a:rPr lang="en-US" sz="2400" dirty="0">
-                          <a:solidFill>
-                            <a:schemeClr val="tx1"/>
-                          </a:solidFill>
-                        </a:rPr>
-                        <a:t>10</a:t>
-                      </a:r>
-                      <a:r>
-                        <a:rPr lang="en-US" sz="2400" baseline="30000" dirty="0">
-                          <a:solidFill>
-                            <a:schemeClr val="tx1"/>
-                          </a:solidFill>
-                        </a:rPr>
-                        <a:t>5</a:t>
-                      </a:r>
-                    </a:p>
-                  </a:txBody>
-                  <a:tcPr/>
-                </a:tc>
-                <a:extLst>
-                  <a:ext uri="{0D108BD9-81ED-4DB2-BD59-A6C34878D82A}">
-                    <a16:rowId xmlns:a16="http://schemas.microsoft.com/office/drawing/2014/main" val="750654716"/>
-                  </a:ext>
-                </a:extLst>
-              </a:tr>
-              <a:tr h="370840">
-                <a:tc>
-                  <a:txBody>
-                    <a:bodyPr/>
-                    <a:lstStyle/>
-                    <a:p>
-                      <a:r>
-                        <a:rPr lang="en-US" sz="2400" dirty="0">
-                          <a:solidFill>
-                            <a:schemeClr val="tx1"/>
-                          </a:solidFill>
-                        </a:rPr>
-                        <a:t>10</a:t>
-                      </a:r>
-                    </a:p>
-                  </a:txBody>
-                  <a:tcPr/>
-                </a:tc>
-                <a:tc>
-                  <a:txBody>
-                    <a:bodyPr/>
-                    <a:lstStyle/>
-                    <a:p>
-                      <a:r>
-                        <a:rPr lang="en-US" sz="2400" dirty="0">
-                          <a:solidFill>
-                            <a:schemeClr val="tx1"/>
-                          </a:solidFill>
-                        </a:rPr>
-                        <a:t>10</a:t>
-                      </a:r>
-                      <a:r>
-                        <a:rPr lang="en-US" sz="2400" baseline="30000" dirty="0">
-                          <a:solidFill>
-                            <a:schemeClr val="tx1"/>
-                          </a:solidFill>
-                        </a:rPr>
-                        <a:t>10</a:t>
-                      </a:r>
-                    </a:p>
-                  </a:txBody>
-                  <a:tcPr/>
-                </a:tc>
-                <a:extLst>
-                  <a:ext uri="{0D108BD9-81ED-4DB2-BD59-A6C34878D82A}">
-                    <a16:rowId xmlns:a16="http://schemas.microsoft.com/office/drawing/2014/main" val="1171463778"/>
-                  </a:ext>
-                </a:extLst>
-              </a:tr>
-            </a:tbl>
-          </a:graphicData>
-        </a:graphic>
-      </p:graphicFrame>
-    </p:spTree>
-    <p:extLst>
-      <p:ext uri="{BB962C8B-B14F-4D97-AF65-F5344CB8AC3E}">
-        <p14:creationId xmlns:p14="http://schemas.microsoft.com/office/powerpoint/2010/main" val="3759852168"/>
-      </p:ext>
-    </p:extLst>
-  </p:cSld>
-  <p:clrMapOvr>
-    <a:masterClrMapping/>
-  </p:clrMapOvr>
-  <p:timing>
-    <p:tnLst>
-      <p:par>
-        <p:cTn id="1" dur="indefinite" restart="never" nodeType="tmRoot">
-          <p:childTnLst>
-            <p:seq concurrent="1" nextAc="seek">
-              <p:cTn id="2" dur="indefinite" nodeType="mainSeq">
-                <p:childTnLst>
-                  <p:par>
-                    <p:cTn id="3" fill="hold">
-                      <p:stCondLst>
-                        <p:cond delay="indefinite"/>
-                      </p:stCondLst>
-                      <p:childTnLst>
-                        <p:par>
-                          <p:cTn id="4" fill="hold">
-                            <p:stCondLst>
-                              <p:cond delay="0"/>
-                            </p:stCondLst>
-                            <p:childTnLst>
-                              <p:par>
-                                <p:cTn id="5" presetID="1" presetClass="entr" presetSubtype="0" fill="hold" nodeType="clickEffect">
-                                  <p:stCondLst>
-                                    <p:cond delay="0"/>
-                                  </p:stCondLst>
-                                  <p:childTnLst>
-                                    <p:set>
-                                      <p:cBhvr>
-                                        <p:cTn id="6" dur="1" fill="hold">
-                                          <p:stCondLst>
-                                            <p:cond delay="0"/>
-                                          </p:stCondLst>
-                                        </p:cTn>
-                                        <p:tgtEl>
-                                          <p:spTgt spid="3">
-                                            <p:txEl>
-                                              <p:pRg st="1" end="1"/>
-                                            </p:txEl>
-                                          </p:spTgt>
-                                        </p:tgtEl>
-                                        <p:attrNameLst>
-                                          <p:attrName>style.visibility</p:attrName>
-                                        </p:attrNameLst>
-                                      </p:cBhvr>
-                                      <p:to>
-                                        <p:strVal val="visible"/>
-                                      </p:to>
-                                    </p:set>
-                                  </p:childTnLst>
-                                </p:cTn>
-                              </p:par>
-                              <p:par>
-                                <p:cTn id="7" presetID="1" presetClass="entr" presetSubtype="0" fill="hold" nodeType="withEffect">
-                                  <p:stCondLst>
-                                    <p:cond delay="0"/>
-                                  </p:stCondLst>
-                                  <p:childTnLst>
-                                    <p:set>
-                                      <p:cBhvr>
-                                        <p:cTn id="8" dur="1" fill="hold">
-                                          <p:stCondLst>
-                                            <p:cond delay="0"/>
-                                          </p:stCondLst>
-                                        </p:cTn>
-                                        <p:tgtEl>
-                                          <p:spTgt spid="5"/>
-                                        </p:tgtEl>
-                                        <p:attrNameLst>
-                                          <p:attrName>style.visibility</p:attrName>
-                                        </p:attrNameLst>
-                                      </p:cBhvr>
-                                      <p:to>
-                                        <p:strVal val="visible"/>
-                                      </p:to>
-                                    </p:set>
-                                  </p:childTnLst>
-                                </p:cTn>
-                              </p:par>
-                            </p:childTnLst>
-                          </p:cTn>
-                        </p:par>
-                      </p:childTnLst>
-                    </p:cTn>
-                  </p:par>
-                  <p:par>
-                    <p:cTn id="9" fill="hold">
-                      <p:stCondLst>
-                        <p:cond delay="indefinite"/>
-                      </p:stCondLst>
-                      <p:childTnLst>
-                        <p:par>
-                          <p:cTn id="10" fill="hold">
-                            <p:stCondLst>
-                              <p:cond delay="0"/>
-                            </p:stCondLst>
-                            <p:childTnLst>
-                              <p:par>
-                                <p:cTn id="11" presetID="1" presetClass="entr" presetSubtype="0" fill="hold" nodeType="clickEffect">
-                                  <p:stCondLst>
-                                    <p:cond delay="0"/>
-                                  </p:stCondLst>
-                                  <p:childTnLst>
-                                    <p:set>
-                                      <p:cBhvr>
-                                        <p:cTn id="12" dur="1" fill="hold">
-                                          <p:stCondLst>
-                                            <p:cond delay="0"/>
-                                          </p:stCondLst>
-                                        </p:cTn>
-                                        <p:tgtEl>
-                                          <p:spTgt spid="3">
-                                            <p:txEl>
-                                              <p:pRg st="7" end="7"/>
-                                            </p:txEl>
-                                          </p:spTgt>
-                                        </p:tgtEl>
-                                        <p:attrNameLst>
-                                          <p:attrName>style.visibility</p:attrName>
-                                        </p:attrNameLst>
-                                      </p:cBhvr>
-                                      <p:to>
-                                        <p:strVal val="visible"/>
-                                      </p:to>
-                                    </p:set>
-                                  </p:childTnLst>
-                                </p:cTn>
-                              </p:par>
-                            </p:childTnLst>
-                          </p:cTn>
-                        </p:par>
-                      </p:childTnLst>
-                    </p:cTn>
-                  </p:par>
-                </p:childTnLst>
-              </p:cTn>
-              <p:prevCondLst>
-                <p:cond evt="onPrev" delay="0">
-                  <p:tgtEl>
-                    <p:sldTgt/>
-                  </p:tgtEl>
-                </p:cond>
-              </p:prevCondLst>
-              <p:nextCondLst>
-                <p:cond evt="onNext" delay="0">
-                  <p:tgtEl>
-                    <p:sldTgt/>
-                  </p:tgtEl>
-                </p:cond>
-              </p:nextCondLst>
-            </p:seq>
-          </p:childTnLst>
-        </p:cTn>
-      </p:par>
-    </p:tnLst>
-  </p:timing>
-</p:sld>
-</file>
-
-<file path=ppt/slides/slide30.xml><?xml version="1.0" encoding="utf-8"?>
+<file path=ppt/slides/slide31.xml><?xml version="1.0" encoding="utf-8"?>
 <p:sld xmlns:a="http://schemas.openxmlformats.org/drawingml/2006/main" xmlns:r="http://schemas.openxmlformats.org/officeDocument/2006/relationships" xmlns:p="http://schemas.openxmlformats.org/presentationml/2006/main">
   <p:cSld>
     <p:spTree>
@@ -20212,7 +20634,7 @@
 </p:sld>
 </file>
 
-<file path=ppt/slides/slide31.xml><?xml version="1.0" encoding="utf-8"?>
+<file path=ppt/slides/slide32.xml><?xml version="1.0" encoding="utf-8"?>
 <p:sld xmlns:a="http://schemas.openxmlformats.org/drawingml/2006/main" xmlns:r="http://schemas.openxmlformats.org/officeDocument/2006/relationships" xmlns:p="http://schemas.openxmlformats.org/presentationml/2006/main">
   <p:cSld>
     <p:spTree>
@@ -20274,7 +20696,7 @@
 </p:sld>
 </file>
 
-<file path=ppt/slides/slide32.xml><?xml version="1.0" encoding="utf-8"?>
+<file path=ppt/slides/slide33.xml><?xml version="1.0" encoding="utf-8"?>
 <p:sld xmlns:a="http://schemas.openxmlformats.org/drawingml/2006/main" xmlns:r="http://schemas.openxmlformats.org/officeDocument/2006/relationships" xmlns:p="http://schemas.openxmlformats.org/presentationml/2006/main">
   <p:cSld>
     <p:spTree>
@@ -20660,7 +21082,7 @@
 </p:sld>
 </file>
 
-<file path=ppt/slides/slide33.xml><?xml version="1.0" encoding="utf-8"?>
+<file path=ppt/slides/slide34.xml><?xml version="1.0" encoding="utf-8"?>
 <p:sld xmlns:a="http://schemas.openxmlformats.org/drawingml/2006/main" xmlns:r="http://schemas.openxmlformats.org/officeDocument/2006/relationships" xmlns:p="http://schemas.openxmlformats.org/presentationml/2006/main">
   <p:cSld>
     <p:spTree>
@@ -23097,7 +23519,7 @@
 </p:sld>
 </file>
 
-<file path=ppt/slides/slide34.xml><?xml version="1.0" encoding="utf-8"?>
+<file path=ppt/slides/slide35.xml><?xml version="1.0" encoding="utf-8"?>
 <p:sld xmlns:a="http://schemas.openxmlformats.org/drawingml/2006/main" xmlns:r="http://schemas.openxmlformats.org/officeDocument/2006/relationships" xmlns:p="http://schemas.openxmlformats.org/presentationml/2006/main">
   <p:cSld>
     <p:spTree>
@@ -27861,7 +28283,7 @@
 </p:sld>
 </file>
 
-<file path=ppt/slides/slide35.xml><?xml version="1.0" encoding="utf-8"?>
+<file path=ppt/slides/slide36.xml><?xml version="1.0" encoding="utf-8"?>
 <p:sld xmlns:a="http://schemas.openxmlformats.org/drawingml/2006/main" xmlns:r="http://schemas.openxmlformats.org/officeDocument/2006/relationships" xmlns:p="http://schemas.openxmlformats.org/presentationml/2006/main">
   <p:cSld>
     <p:spTree>
@@ -28385,7 +28807,7 @@
 </p:sld>
 </file>
 
-<file path=ppt/slides/slide36.xml><?xml version="1.0" encoding="utf-8"?>
+<file path=ppt/slides/slide37.xml><?xml version="1.0" encoding="utf-8"?>
 <p:sld xmlns:a="http://schemas.openxmlformats.org/drawingml/2006/main" xmlns:r="http://schemas.openxmlformats.org/officeDocument/2006/relationships" xmlns:p="http://schemas.openxmlformats.org/presentationml/2006/main">
   <p:cSld>
     <p:spTree>
@@ -29135,7 +29557,7 @@
 </p:sld>
 </file>
 
-<file path=ppt/slides/slide37.xml><?xml version="1.0" encoding="utf-8"?>
+<file path=ppt/slides/slide38.xml><?xml version="1.0" encoding="utf-8"?>
 <p:sld xmlns:a="http://schemas.openxmlformats.org/drawingml/2006/main" xmlns:r="http://schemas.openxmlformats.org/officeDocument/2006/relationships" xmlns:p="http://schemas.openxmlformats.org/presentationml/2006/main">
   <p:cSld>
     <p:spTree>
@@ -30057,7 +30479,7 @@
 </p:sld>
 </file>
 
-<file path=ppt/slides/slide38.xml><?xml version="1.0" encoding="utf-8"?>
+<file path=ppt/slides/slide39.xml><?xml version="1.0" encoding="utf-8"?>
 <p:sld xmlns:a="http://schemas.openxmlformats.org/drawingml/2006/main" xmlns:r="http://schemas.openxmlformats.org/officeDocument/2006/relationships" xmlns:p="http://schemas.openxmlformats.org/presentationml/2006/main">
   <p:cSld>
     <p:spTree>
@@ -31893,7 +32315,627 @@
 </p:sld>
 </file>
 
-<file path=ppt/slides/slide39.xml><?xml version="1.0" encoding="utf-8"?>
+<file path=ppt/slides/slide4.xml><?xml version="1.0" encoding="utf-8"?>
+<p:sld xmlns:a="http://schemas.openxmlformats.org/drawingml/2006/main" xmlns:r="http://schemas.openxmlformats.org/officeDocument/2006/relationships" xmlns:p="http://schemas.openxmlformats.org/presentationml/2006/main">
+  <p:cSld>
+    <p:spTree>
+      <p:nvGrpSpPr>
+        <p:cNvPr id="1" name=""/>
+        <p:cNvGrpSpPr/>
+        <p:nvPr/>
+      </p:nvGrpSpPr>
+      <p:grpSpPr>
+        <a:xfrm>
+          <a:off x="0" y="0"/>
+          <a:ext cx="0" cy="0"/>
+          <a:chOff x="0" y="0"/>
+          <a:chExt cx="0" cy="0"/>
+        </a:xfrm>
+      </p:grpSpPr>
+      <p:sp>
+        <p:nvSpPr>
+          <p:cNvPr id="2" name="Title 1"/>
+          <p:cNvSpPr>
+            <a:spLocks noGrp="1"/>
+          </p:cNvSpPr>
+          <p:nvPr>
+            <p:ph type="title"/>
+          </p:nvPr>
+        </p:nvSpPr>
+        <p:spPr>
+          <a:xfrm>
+            <a:off x="584200" y="221992"/>
+            <a:ext cx="11404600" cy="530954"/>
+          </a:xfrm>
+        </p:spPr>
+        <p:txBody>
+          <a:bodyPr>
+            <a:noAutofit/>
+          </a:bodyPr>
+          <a:lstStyle/>
+          <a:p>
+            <a:r>
+              <a:rPr lang="en-US" sz="3200" dirty="0"/>
+              <a:t>What Could Possibly Go Wrong? </a:t>
+            </a:r>
+            <a:r>
+              <a:rPr lang="en-US" sz="4000" dirty="0">
+                <a:latin typeface="Script MT Bold" panose="03040602040607080904" pitchFamily="66" charset="0"/>
+              </a:rPr>
+              <a:t>Curse of Dimensionality!</a:t>
+            </a:r>
+          </a:p>
+        </p:txBody>
+      </p:sp>
+      <p:sp>
+        <p:nvSpPr>
+          <p:cNvPr id="3" name="Content Placeholder 2"/>
+          <p:cNvSpPr>
+            <a:spLocks noGrp="1"/>
+          </p:cNvSpPr>
+          <p:nvPr>
+            <p:ph sz="quarter" idx="10"/>
+          </p:nvPr>
+        </p:nvSpPr>
+        <p:spPr>
+          <a:xfrm>
+            <a:off x="537275" y="896079"/>
+            <a:ext cx="11321349" cy="5602877"/>
+          </a:xfrm>
+        </p:spPr>
+        <p:txBody>
+          <a:bodyPr>
+            <a:normAutofit/>
+          </a:bodyPr>
+          <a:lstStyle/>
+          <a:p>
+            <a:pPr marL="0" indent="0">
+              <a:buNone/>
+            </a:pPr>
+            <a:r>
+              <a:rPr lang="en-US" dirty="0">
+                <a:latin typeface="+mn-lt"/>
+              </a:rPr>
+              <a:t>Cluster models scale poorly with dimensionality      </a:t>
+            </a:r>
+          </a:p>
+          <a:p>
+            <a:r>
+              <a:rPr lang="en-US" dirty="0">
+                <a:latin typeface="+mn-lt"/>
+              </a:rPr>
+              <a:t>Consider sampling required to maintain the same uniformly distributed sampling density in a hypercube: </a:t>
+            </a:r>
+          </a:p>
+          <a:p>
+            <a:endParaRPr lang="en-US" dirty="0">
+              <a:latin typeface="+mn-lt"/>
+            </a:endParaRPr>
+          </a:p>
+          <a:p>
+            <a:endParaRPr lang="en-US" dirty="0">
+              <a:latin typeface="+mn-lt"/>
+            </a:endParaRPr>
+          </a:p>
+          <a:p>
+            <a:endParaRPr lang="en-US" dirty="0">
+              <a:latin typeface="+mn-lt"/>
+            </a:endParaRPr>
+          </a:p>
+          <a:p>
+            <a:endParaRPr lang="en-US" dirty="0">
+              <a:latin typeface="+mn-lt"/>
+            </a:endParaRPr>
+          </a:p>
+          <a:p>
+            <a:pPr marL="0" indent="0">
+              <a:buNone/>
+            </a:pPr>
+            <a:endParaRPr lang="en-US" dirty="0">
+              <a:latin typeface="+mn-lt"/>
+            </a:endParaRPr>
+          </a:p>
+          <a:p>
+            <a:r>
+              <a:rPr lang="en-US" dirty="0">
+                <a:latin typeface="+mn-lt"/>
+              </a:rPr>
+              <a:t>An example of the </a:t>
+            </a:r>
+            <a:r>
+              <a:rPr lang="en-US" sz="3200" dirty="0">
+                <a:latin typeface="Script MT Bold" panose="03040602040607080904" pitchFamily="66" charset="0"/>
+              </a:rPr>
+              <a:t>Curse of Dimensionality!</a:t>
+            </a:r>
+          </a:p>
+          <a:p>
+            <a:pPr marL="0" indent="0">
+              <a:buNone/>
+            </a:pPr>
+            <a:endParaRPr lang="en-US" dirty="0">
+              <a:latin typeface="+mn-lt"/>
+            </a:endParaRPr>
+          </a:p>
+        </p:txBody>
+      </p:sp>
+      <p:graphicFrame>
+        <p:nvGraphicFramePr>
+          <p:cNvPr id="5" name="Table 5">
+            <a:extLst>
+              <a:ext uri="{FF2B5EF4-FFF2-40B4-BE49-F238E27FC236}">
+                <a16:creationId xmlns:a16="http://schemas.microsoft.com/office/drawing/2014/main" id="{E1149323-83B4-49D3-B3E7-A6A9431512F5}"/>
+              </a:ext>
+            </a:extLst>
+          </p:cNvPr>
+          <p:cNvGraphicFramePr>
+            <a:graphicFrameLocks noGrp="1"/>
+          </p:cNvGraphicFramePr>
+          <p:nvPr/>
+        </p:nvGraphicFramePr>
+        <p:xfrm>
+          <a:off x="893232" y="2325917"/>
+          <a:ext cx="5202768" cy="2743200"/>
+        </p:xfrm>
+        <a:graphic>
+          <a:graphicData uri="http://schemas.openxmlformats.org/drawingml/2006/table">
+            <a:tbl>
+              <a:tblPr firstRow="1" bandRow="1">
+                <a:tableStyleId>{5C22544A-7EE6-4342-B048-85BDC9FD1C3A}</a:tableStyleId>
+              </a:tblPr>
+              <a:tblGrid>
+                <a:gridCol w="2601384">
+                  <a:extLst>
+                    <a:ext uri="{9D8B030D-6E8A-4147-A177-3AD203B41FA5}">
+                      <a16:colId xmlns:a16="http://schemas.microsoft.com/office/drawing/2014/main" val="1864476824"/>
+                    </a:ext>
+                  </a:extLst>
+                </a:gridCol>
+                <a:gridCol w="2601384">
+                  <a:extLst>
+                    <a:ext uri="{9D8B030D-6E8A-4147-A177-3AD203B41FA5}">
+                      <a16:colId xmlns:a16="http://schemas.microsoft.com/office/drawing/2014/main" val="2999229130"/>
+                    </a:ext>
+                  </a:extLst>
+                </a:gridCol>
+              </a:tblGrid>
+              <a:tr h="370840">
+                <a:tc>
+                  <a:txBody>
+                    <a:bodyPr/>
+                    <a:lstStyle/>
+                    <a:p>
+                      <a:pPr algn="ctr"/>
+                      <a:r>
+                        <a:rPr lang="en-US" sz="2400" dirty="0">
+                          <a:solidFill>
+                            <a:schemeClr val="tx1"/>
+                          </a:solidFill>
+                        </a:rPr>
+                        <a:t>Dimensions</a:t>
+                      </a:r>
+                    </a:p>
+                  </a:txBody>
+                  <a:tcPr/>
+                </a:tc>
+                <a:tc>
+                  <a:txBody>
+                    <a:bodyPr/>
+                    <a:lstStyle/>
+                    <a:p>
+                      <a:pPr algn="ctr"/>
+                      <a:r>
+                        <a:rPr lang="en-US" sz="2400" dirty="0">
+                          <a:solidFill>
+                            <a:schemeClr val="tx1"/>
+                          </a:solidFill>
+                        </a:rPr>
+                        <a:t>Samples</a:t>
+                      </a:r>
+                    </a:p>
+                  </a:txBody>
+                  <a:tcPr/>
+                </a:tc>
+                <a:extLst>
+                  <a:ext uri="{0D108BD9-81ED-4DB2-BD59-A6C34878D82A}">
+                    <a16:rowId xmlns:a16="http://schemas.microsoft.com/office/drawing/2014/main" val="2305802520"/>
+                  </a:ext>
+                </a:extLst>
+              </a:tr>
+              <a:tr h="370840">
+                <a:tc>
+                  <a:txBody>
+                    <a:bodyPr/>
+                    <a:lstStyle/>
+                    <a:p>
+                      <a:r>
+                        <a:rPr lang="en-US" sz="2400" dirty="0">
+                          <a:solidFill>
+                            <a:schemeClr val="tx1"/>
+                          </a:solidFill>
+                        </a:rPr>
+                        <a:t>1</a:t>
+                      </a:r>
+                    </a:p>
+                  </a:txBody>
+                  <a:tcPr/>
+                </a:tc>
+                <a:tc>
+                  <a:txBody>
+                    <a:bodyPr/>
+                    <a:lstStyle/>
+                    <a:p>
+                      <a:r>
+                        <a:rPr lang="en-US" sz="2400" dirty="0">
+                          <a:solidFill>
+                            <a:schemeClr val="tx1"/>
+                          </a:solidFill>
+                        </a:rPr>
+                        <a:t>10</a:t>
+                      </a:r>
+                    </a:p>
+                  </a:txBody>
+                  <a:tcPr/>
+                </a:tc>
+                <a:extLst>
+                  <a:ext uri="{0D108BD9-81ED-4DB2-BD59-A6C34878D82A}">
+                    <a16:rowId xmlns:a16="http://schemas.microsoft.com/office/drawing/2014/main" val="2644108556"/>
+                  </a:ext>
+                </a:extLst>
+              </a:tr>
+              <a:tr h="370840">
+                <a:tc>
+                  <a:txBody>
+                    <a:bodyPr/>
+                    <a:lstStyle/>
+                    <a:p>
+                      <a:r>
+                        <a:rPr lang="en-US" sz="2400" dirty="0">
+                          <a:solidFill>
+                            <a:schemeClr val="tx1"/>
+                          </a:solidFill>
+                        </a:rPr>
+                        <a:t>2</a:t>
+                      </a:r>
+                    </a:p>
+                  </a:txBody>
+                  <a:tcPr/>
+                </a:tc>
+                <a:tc>
+                  <a:txBody>
+                    <a:bodyPr/>
+                    <a:lstStyle/>
+                    <a:p>
+                      <a:r>
+                        <a:rPr lang="en-US" sz="2400" dirty="0">
+                          <a:solidFill>
+                            <a:schemeClr val="tx1"/>
+                          </a:solidFill>
+                        </a:rPr>
+                        <a:t>100</a:t>
+                      </a:r>
+                    </a:p>
+                  </a:txBody>
+                  <a:tcPr/>
+                </a:tc>
+                <a:extLst>
+                  <a:ext uri="{0D108BD9-81ED-4DB2-BD59-A6C34878D82A}">
+                    <a16:rowId xmlns:a16="http://schemas.microsoft.com/office/drawing/2014/main" val="2270536685"/>
+                  </a:ext>
+                </a:extLst>
+              </a:tr>
+              <a:tr h="370840">
+                <a:tc>
+                  <a:txBody>
+                    <a:bodyPr/>
+                    <a:lstStyle/>
+                    <a:p>
+                      <a:r>
+                        <a:rPr lang="en-US" sz="2400" dirty="0">
+                          <a:solidFill>
+                            <a:schemeClr val="tx1"/>
+                          </a:solidFill>
+                        </a:rPr>
+                        <a:t>3</a:t>
+                      </a:r>
+                    </a:p>
+                  </a:txBody>
+                  <a:tcPr/>
+                </a:tc>
+                <a:tc>
+                  <a:txBody>
+                    <a:bodyPr/>
+                    <a:lstStyle/>
+                    <a:p>
+                      <a:r>
+                        <a:rPr lang="en-US" sz="2400" dirty="0">
+                          <a:solidFill>
+                            <a:schemeClr val="tx1"/>
+                          </a:solidFill>
+                        </a:rPr>
+                        <a:t>1,000</a:t>
+                      </a:r>
+                    </a:p>
+                  </a:txBody>
+                  <a:tcPr/>
+                </a:tc>
+                <a:extLst>
+                  <a:ext uri="{0D108BD9-81ED-4DB2-BD59-A6C34878D82A}">
+                    <a16:rowId xmlns:a16="http://schemas.microsoft.com/office/drawing/2014/main" val="1540888841"/>
+                  </a:ext>
+                </a:extLst>
+              </a:tr>
+              <a:tr h="370840">
+                <a:tc>
+                  <a:txBody>
+                    <a:bodyPr/>
+                    <a:lstStyle/>
+                    <a:p>
+                      <a:r>
+                        <a:rPr lang="en-US" sz="2400" dirty="0">
+                          <a:solidFill>
+                            <a:schemeClr val="tx1"/>
+                          </a:solidFill>
+                        </a:rPr>
+                        <a:t>5</a:t>
+                      </a:r>
+                    </a:p>
+                  </a:txBody>
+                  <a:tcPr/>
+                </a:tc>
+                <a:tc>
+                  <a:txBody>
+                    <a:bodyPr/>
+                    <a:lstStyle/>
+                    <a:p>
+                      <a:r>
+                        <a:rPr lang="en-US" sz="2400" dirty="0">
+                          <a:solidFill>
+                            <a:schemeClr val="tx1"/>
+                          </a:solidFill>
+                        </a:rPr>
+                        <a:t>10</a:t>
+                      </a:r>
+                      <a:r>
+                        <a:rPr lang="en-US" sz="2400" baseline="30000" dirty="0">
+                          <a:solidFill>
+                            <a:schemeClr val="tx1"/>
+                          </a:solidFill>
+                        </a:rPr>
+                        <a:t>5</a:t>
+                      </a:r>
+                    </a:p>
+                  </a:txBody>
+                  <a:tcPr/>
+                </a:tc>
+                <a:extLst>
+                  <a:ext uri="{0D108BD9-81ED-4DB2-BD59-A6C34878D82A}">
+                    <a16:rowId xmlns:a16="http://schemas.microsoft.com/office/drawing/2014/main" val="750654716"/>
+                  </a:ext>
+                </a:extLst>
+              </a:tr>
+              <a:tr h="370840">
+                <a:tc>
+                  <a:txBody>
+                    <a:bodyPr/>
+                    <a:lstStyle/>
+                    <a:p>
+                      <a:r>
+                        <a:rPr lang="en-US" sz="2400" dirty="0">
+                          <a:solidFill>
+                            <a:schemeClr val="tx1"/>
+                          </a:solidFill>
+                        </a:rPr>
+                        <a:t>10</a:t>
+                      </a:r>
+                    </a:p>
+                  </a:txBody>
+                  <a:tcPr/>
+                </a:tc>
+                <a:tc>
+                  <a:txBody>
+                    <a:bodyPr/>
+                    <a:lstStyle/>
+                    <a:p>
+                      <a:r>
+                        <a:rPr lang="en-US" sz="2400" dirty="0">
+                          <a:solidFill>
+                            <a:schemeClr val="tx1"/>
+                          </a:solidFill>
+                        </a:rPr>
+                        <a:t>10</a:t>
+                      </a:r>
+                      <a:r>
+                        <a:rPr lang="en-US" sz="2400" baseline="30000" dirty="0">
+                          <a:solidFill>
+                            <a:schemeClr val="tx1"/>
+                          </a:solidFill>
+                        </a:rPr>
+                        <a:t>10</a:t>
+                      </a:r>
+                    </a:p>
+                  </a:txBody>
+                  <a:tcPr/>
+                </a:tc>
+                <a:extLst>
+                  <a:ext uri="{0D108BD9-81ED-4DB2-BD59-A6C34878D82A}">
+                    <a16:rowId xmlns:a16="http://schemas.microsoft.com/office/drawing/2014/main" val="1171463778"/>
+                  </a:ext>
+                </a:extLst>
+              </a:tr>
+            </a:tbl>
+          </a:graphicData>
+        </a:graphic>
+      </p:graphicFrame>
+    </p:spTree>
+    <p:extLst>
+      <p:ext uri="{BB962C8B-B14F-4D97-AF65-F5344CB8AC3E}">
+        <p14:creationId xmlns:p14="http://schemas.microsoft.com/office/powerpoint/2010/main" val="3759852168"/>
+      </p:ext>
+    </p:extLst>
+  </p:cSld>
+  <p:clrMapOvr>
+    <a:masterClrMapping/>
+  </p:clrMapOvr>
+  <p:timing>
+    <p:tnLst>
+      <p:par>
+        <p:cTn id="1" dur="indefinite" restart="never" nodeType="tmRoot">
+          <p:childTnLst>
+            <p:seq concurrent="1" nextAc="seek">
+              <p:cTn id="2" dur="indefinite" nodeType="mainSeq">
+                <p:childTnLst>
+                  <p:par>
+                    <p:cTn id="3" fill="hold">
+                      <p:stCondLst>
+                        <p:cond delay="indefinite"/>
+                      </p:stCondLst>
+                      <p:childTnLst>
+                        <p:par>
+                          <p:cTn id="4" fill="hold">
+                            <p:stCondLst>
+                              <p:cond delay="0"/>
+                            </p:stCondLst>
+                            <p:childTnLst>
+                              <p:par>
+                                <p:cTn id="5" presetID="1" presetClass="entr" presetSubtype="0" fill="hold" nodeType="clickEffect">
+                                  <p:stCondLst>
+                                    <p:cond delay="0"/>
+                                  </p:stCondLst>
+                                  <p:childTnLst>
+                                    <p:set>
+                                      <p:cBhvr>
+                                        <p:cTn id="6" dur="1" fill="hold">
+                                          <p:stCondLst>
+                                            <p:cond delay="0"/>
+                                          </p:stCondLst>
+                                        </p:cTn>
+                                        <p:tgtEl>
+                                          <p:spTgt spid="3">
+                                            <p:txEl>
+                                              <p:pRg st="1" end="1"/>
+                                            </p:txEl>
+                                          </p:spTgt>
+                                        </p:tgtEl>
+                                        <p:attrNameLst>
+                                          <p:attrName>style.visibility</p:attrName>
+                                        </p:attrNameLst>
+                                      </p:cBhvr>
+                                      <p:to>
+                                        <p:strVal val="visible"/>
+                                      </p:to>
+                                    </p:set>
+                                  </p:childTnLst>
+                                </p:cTn>
+                              </p:par>
+                              <p:par>
+                                <p:cTn id="7" presetID="1" presetClass="entr" presetSubtype="0" fill="hold" nodeType="withEffect">
+                                  <p:stCondLst>
+                                    <p:cond delay="0"/>
+                                  </p:stCondLst>
+                                  <p:childTnLst>
+                                    <p:set>
+                                      <p:cBhvr>
+                                        <p:cTn id="8" dur="1" fill="hold">
+                                          <p:stCondLst>
+                                            <p:cond delay="0"/>
+                                          </p:stCondLst>
+                                        </p:cTn>
+                                        <p:tgtEl>
+                                          <p:spTgt spid="5"/>
+                                        </p:tgtEl>
+                                        <p:attrNameLst>
+                                          <p:attrName>style.visibility</p:attrName>
+                                        </p:attrNameLst>
+                                      </p:cBhvr>
+                                      <p:to>
+                                        <p:strVal val="visible"/>
+                                      </p:to>
+                                    </p:set>
+                                  </p:childTnLst>
+                                </p:cTn>
+                              </p:par>
+                            </p:childTnLst>
+                          </p:cTn>
+                        </p:par>
+                      </p:childTnLst>
+                    </p:cTn>
+                  </p:par>
+                  <p:par>
+                    <p:cTn id="9" fill="hold">
+                      <p:stCondLst>
+                        <p:cond delay="indefinite"/>
+                      </p:stCondLst>
+                      <p:childTnLst>
+                        <p:par>
+                          <p:cTn id="10" fill="hold">
+                            <p:stCondLst>
+                              <p:cond delay="0"/>
+                            </p:stCondLst>
+                            <p:childTnLst>
+                              <p:par>
+                                <p:cTn id="11" presetID="1" presetClass="entr" presetSubtype="0" fill="hold" nodeType="clickEffect">
+                                  <p:stCondLst>
+                                    <p:cond delay="0"/>
+                                  </p:stCondLst>
+                                  <p:childTnLst>
+                                    <p:set>
+                                      <p:cBhvr>
+                                        <p:cTn id="12" dur="1" fill="hold">
+                                          <p:stCondLst>
+                                            <p:cond delay="0"/>
+                                          </p:stCondLst>
+                                        </p:cTn>
+                                        <p:tgtEl>
+                                          <p:spTgt spid="3">
+                                            <p:txEl>
+                                              <p:pRg st="7" end="7"/>
+                                            </p:txEl>
+                                          </p:spTgt>
+                                        </p:tgtEl>
+                                        <p:attrNameLst>
+                                          <p:attrName>style.visibility</p:attrName>
+                                        </p:attrNameLst>
+                                      </p:cBhvr>
+                                      <p:to>
+                                        <p:strVal val="visible"/>
+                                      </p:to>
+                                    </p:set>
+                                  </p:childTnLst>
+                                </p:cTn>
+                              </p:par>
+                            </p:childTnLst>
+                          </p:cTn>
+                        </p:par>
+                      </p:childTnLst>
+                    </p:cTn>
+                  </p:par>
+                </p:childTnLst>
+              </p:cTn>
+              <p:prevCondLst>
+                <p:cond evt="onPrev" delay="0">
+                  <p:tgtEl>
+                    <p:sldTgt/>
+                  </p:tgtEl>
+                </p:cond>
+              </p:prevCondLst>
+              <p:nextCondLst>
+                <p:cond evt="onNext" delay="0">
+                  <p:tgtEl>
+                    <p:sldTgt/>
+                  </p:tgtEl>
+                </p:cond>
+              </p:nextCondLst>
+            </p:seq>
+          </p:childTnLst>
+        </p:cTn>
+      </p:par>
+    </p:tnLst>
+  </p:timing>
+</p:sld>
+</file>
+
+<file path=ppt/slides/slide40.xml><?xml version="1.0" encoding="utf-8"?>
 <p:sld xmlns:a="http://schemas.openxmlformats.org/drawingml/2006/main" xmlns:r="http://schemas.openxmlformats.org/officeDocument/2006/relationships" xmlns:p="http://schemas.openxmlformats.org/presentationml/2006/main">
   <p:cSld>
     <p:spTree>
@@ -33012,7 +34054,696 @@
 </p:sld>
 </file>
 
-<file path=ppt/slides/slide4.xml><?xml version="1.0" encoding="utf-8"?>
+<file path=ppt/slides/slide41.xml><?xml version="1.0" encoding="utf-8"?>
+<p:sld xmlns:a="http://schemas.openxmlformats.org/drawingml/2006/main" xmlns:r="http://schemas.openxmlformats.org/officeDocument/2006/relationships" xmlns:p="http://schemas.openxmlformats.org/presentationml/2006/main">
+  <p:cSld>
+    <p:spTree>
+      <p:nvGrpSpPr>
+        <p:cNvPr id="1" name=""/>
+        <p:cNvGrpSpPr/>
+        <p:nvPr/>
+      </p:nvGrpSpPr>
+      <p:grpSpPr>
+        <a:xfrm>
+          <a:off x="0" y="0"/>
+          <a:ext cx="0" cy="0"/>
+          <a:chOff x="0" y="0"/>
+          <a:chExt cx="0" cy="0"/>
+        </a:xfrm>
+      </p:grpSpPr>
+      <p:sp>
+        <p:nvSpPr>
+          <p:cNvPr id="2" name="Title 1"/>
+          <p:cNvSpPr>
+            <a:spLocks noGrp="1"/>
+          </p:cNvSpPr>
+          <p:nvPr>
+            <p:ph type="title"/>
+          </p:nvPr>
+        </p:nvSpPr>
+        <p:spPr>
+          <a:xfrm>
+            <a:off x="584200" y="221992"/>
+            <a:ext cx="10515600" cy="530954"/>
+          </a:xfrm>
+        </p:spPr>
+        <p:txBody>
+          <a:bodyPr>
+            <a:noAutofit/>
+          </a:bodyPr>
+          <a:lstStyle/>
+          <a:p>
+            <a:r>
+              <a:rPr lang="en-US" sz="3600" dirty="0"/>
+              <a:t>Kernel Principle Component Decomposition</a:t>
+            </a:r>
+          </a:p>
+        </p:txBody>
+      </p:sp>
+      <p:sp>
+        <p:nvSpPr>
+          <p:cNvPr id="3" name="Content Placeholder 2"/>
+          <p:cNvSpPr>
+            <a:spLocks noGrp="1"/>
+          </p:cNvSpPr>
+          <p:nvPr>
+            <p:ph sz="quarter" idx="10"/>
+          </p:nvPr>
+        </p:nvSpPr>
+        <p:spPr>
+          <a:xfrm>
+            <a:off x="333375" y="1004777"/>
+            <a:ext cx="11525250" cy="656818"/>
+          </a:xfrm>
+        </p:spPr>
+        <p:txBody>
+          <a:bodyPr>
+            <a:normAutofit/>
+          </a:bodyPr>
+          <a:lstStyle/>
+          <a:p>
+            <a:pPr marL="0" indent="0">
+              <a:buNone/>
+            </a:pPr>
+            <a:r>
+              <a:rPr lang="en-US" dirty="0">
+                <a:latin typeface="+mn-lt"/>
+              </a:rPr>
+              <a:t>Kernel PCA creates a nonlinear projection</a:t>
+            </a:r>
+          </a:p>
+        </p:txBody>
+      </p:sp>
+      <p:pic>
+        <p:nvPicPr>
+          <p:cNvPr id="5" name="Picture 4">
+            <a:extLst>
+              <a:ext uri="{FF2B5EF4-FFF2-40B4-BE49-F238E27FC236}">
+                <a16:creationId xmlns:a16="http://schemas.microsoft.com/office/drawing/2014/main" id="{646DE1DB-2FB0-1A8C-8607-228E8DAA66E5}"/>
+              </a:ext>
+            </a:extLst>
+          </p:cNvPr>
+          <p:cNvPicPr>
+            <a:picLocks noChangeAspect="1"/>
+          </p:cNvPicPr>
+          <p:nvPr/>
+        </p:nvPicPr>
+        <p:blipFill>
+          <a:blip r:embed="rId3"/>
+          <a:stretch>
+            <a:fillRect/>
+          </a:stretch>
+        </p:blipFill>
+        <p:spPr>
+          <a:xfrm>
+            <a:off x="172298" y="1661596"/>
+            <a:ext cx="5820027" cy="4357770"/>
+          </a:xfrm>
+          <a:prstGeom prst="rect">
+            <a:avLst/>
+          </a:prstGeom>
+        </p:spPr>
+      </p:pic>
+      <p:pic>
+        <p:nvPicPr>
+          <p:cNvPr id="7" name="Picture 6">
+            <a:extLst>
+              <a:ext uri="{FF2B5EF4-FFF2-40B4-BE49-F238E27FC236}">
+                <a16:creationId xmlns:a16="http://schemas.microsoft.com/office/drawing/2014/main" id="{872C90DC-8F53-FDD5-583E-B8B527695ED4}"/>
+              </a:ext>
+            </a:extLst>
+          </p:cNvPr>
+          <p:cNvPicPr>
+            <a:picLocks noChangeAspect="1"/>
+          </p:cNvPicPr>
+          <p:nvPr/>
+        </p:nvPicPr>
+        <p:blipFill>
+          <a:blip r:embed="rId4"/>
+          <a:stretch>
+            <a:fillRect/>
+          </a:stretch>
+        </p:blipFill>
+        <p:spPr>
+          <a:xfrm>
+            <a:off x="6086588" y="1661595"/>
+            <a:ext cx="5933114" cy="4357770"/>
+          </a:xfrm>
+          <a:prstGeom prst="rect">
+            <a:avLst/>
+          </a:prstGeom>
+        </p:spPr>
+      </p:pic>
+      <p:sp>
+        <p:nvSpPr>
+          <p:cNvPr id="8" name="Content Placeholder 2">
+            <a:extLst>
+              <a:ext uri="{FF2B5EF4-FFF2-40B4-BE49-F238E27FC236}">
+                <a16:creationId xmlns:a16="http://schemas.microsoft.com/office/drawing/2014/main" id="{88D4ECA6-FB06-1A0D-A537-1F116D7AEED0}"/>
+              </a:ext>
+            </a:extLst>
+          </p:cNvPr>
+          <p:cNvSpPr txBox="1">
+            <a:spLocks/>
+          </p:cNvSpPr>
+          <p:nvPr/>
+        </p:nvSpPr>
+        <p:spPr>
+          <a:xfrm>
+            <a:off x="741807" y="6115838"/>
+            <a:ext cx="5178280" cy="656818"/>
+          </a:xfrm>
+          <a:prstGeom prst="rect">
+            <a:avLst/>
+          </a:prstGeom>
+        </p:spPr>
+        <p:txBody>
+          <a:bodyPr vert="horz" lIns="91440" tIns="45720" rIns="91440" bIns="45720" rtlCol="0">
+            <a:normAutofit/>
+          </a:bodyPr>
+          <a:lstStyle>
+            <a:lvl1pPr marL="228600" indent="-228600" algn="l" defTabSz="914400" rtl="0" eaLnBrk="1" latinLnBrk="0" hangingPunct="1">
+              <a:lnSpc>
+                <a:spcPct val="90000"/>
+              </a:lnSpc>
+              <a:spcBef>
+                <a:spcPts val="1400"/>
+              </a:spcBef>
+              <a:buFont typeface="Arial" panose="020B0604020202020204" pitchFamily="34" charset="0"/>
+              <a:buChar char="•"/>
+              <a:defRPr sz="2800" b="0" kern="1200">
+                <a:solidFill>
+                  <a:schemeClr val="tx1"/>
+                </a:solidFill>
+                <a:latin typeface="Segoe UI Light" panose="020B0502040204020203" pitchFamily="34" charset="0"/>
+                <a:ea typeface="Segoe UI Light" panose="020B0502040204020203" pitchFamily="34" charset="0"/>
+                <a:cs typeface="Segoe UI Light" panose="020B0502040204020203" pitchFamily="34" charset="0"/>
+              </a:defRPr>
+            </a:lvl1pPr>
+            <a:lvl2pPr marL="685800" indent="-228600" algn="l" defTabSz="914400" rtl="0" eaLnBrk="1" latinLnBrk="0" hangingPunct="1">
+              <a:lnSpc>
+                <a:spcPct val="90000"/>
+              </a:lnSpc>
+              <a:spcBef>
+                <a:spcPts val="500"/>
+              </a:spcBef>
+              <a:buFont typeface="Arial" panose="020B0604020202020204" pitchFamily="34" charset="0"/>
+              <a:buChar char="•"/>
+              <a:defRPr sz="2400" kern="1200">
+                <a:solidFill>
+                  <a:schemeClr val="tx1"/>
+                </a:solidFill>
+                <a:latin typeface="Segoe UI Light" panose="020B0502040204020203" pitchFamily="34" charset="0"/>
+                <a:ea typeface="Segoe UI Light" panose="020B0502040204020203" pitchFamily="34" charset="0"/>
+                <a:cs typeface="Segoe UI Light" panose="020B0502040204020203" pitchFamily="34" charset="0"/>
+              </a:defRPr>
+            </a:lvl2pPr>
+            <a:lvl3pPr marL="1143000" indent="-228600" algn="l" defTabSz="914400" rtl="0" eaLnBrk="1" latinLnBrk="0" hangingPunct="1">
+              <a:lnSpc>
+                <a:spcPct val="90000"/>
+              </a:lnSpc>
+              <a:spcBef>
+                <a:spcPts val="500"/>
+              </a:spcBef>
+              <a:buFont typeface="Arial" panose="020B0604020202020204" pitchFamily="34" charset="0"/>
+              <a:buChar char="•"/>
+              <a:defRPr sz="2000" kern="1200">
+                <a:solidFill>
+                  <a:schemeClr val="tx1"/>
+                </a:solidFill>
+                <a:latin typeface="Segoe UI Light" panose="020B0502040204020203" pitchFamily="34" charset="0"/>
+                <a:ea typeface="Segoe UI Light" panose="020B0502040204020203" pitchFamily="34" charset="0"/>
+                <a:cs typeface="Segoe UI Light" panose="020B0502040204020203" pitchFamily="34" charset="0"/>
+              </a:defRPr>
+            </a:lvl3pPr>
+            <a:lvl4pPr marL="1600200" indent="-228600" algn="l" defTabSz="914400" rtl="0" eaLnBrk="1" latinLnBrk="0" hangingPunct="1">
+              <a:lnSpc>
+                <a:spcPct val="90000"/>
+              </a:lnSpc>
+              <a:spcBef>
+                <a:spcPts val="500"/>
+              </a:spcBef>
+              <a:buFont typeface="Arial" panose="020B0604020202020204" pitchFamily="34" charset="0"/>
+              <a:buChar char="•"/>
+              <a:defRPr sz="1800" kern="1200">
+                <a:solidFill>
+                  <a:schemeClr val="tx1"/>
+                </a:solidFill>
+                <a:latin typeface="Segoe UI Light" panose="020B0502040204020203" pitchFamily="34" charset="0"/>
+                <a:ea typeface="Segoe UI Light" panose="020B0502040204020203" pitchFamily="34" charset="0"/>
+                <a:cs typeface="Segoe UI Light" panose="020B0502040204020203" pitchFamily="34" charset="0"/>
+              </a:defRPr>
+            </a:lvl4pPr>
+            <a:lvl5pPr marL="2057400" indent="-228600" algn="l" defTabSz="914400" rtl="0" eaLnBrk="1" latinLnBrk="0" hangingPunct="1">
+              <a:lnSpc>
+                <a:spcPct val="90000"/>
+              </a:lnSpc>
+              <a:spcBef>
+                <a:spcPts val="500"/>
+              </a:spcBef>
+              <a:buFont typeface="Arial" panose="020B0604020202020204" pitchFamily="34" charset="0"/>
+              <a:buChar char="•"/>
+              <a:defRPr sz="1800" kern="1200">
+                <a:solidFill>
+                  <a:schemeClr val="tx1"/>
+                </a:solidFill>
+                <a:latin typeface="Segoe UI Light" panose="020B0502040204020203" pitchFamily="34" charset="0"/>
+                <a:ea typeface="Segoe UI Light" panose="020B0502040204020203" pitchFamily="34" charset="0"/>
+                <a:cs typeface="Segoe UI Light" panose="020B0502040204020203" pitchFamily="34" charset="0"/>
+              </a:defRPr>
+            </a:lvl5pPr>
+            <a:lvl6pPr marL="2514600" indent="-228600" algn="l" defTabSz="914400" rtl="0" eaLnBrk="1" latinLnBrk="0" hangingPunct="1">
+              <a:lnSpc>
+                <a:spcPct val="90000"/>
+              </a:lnSpc>
+              <a:spcBef>
+                <a:spcPts val="500"/>
+              </a:spcBef>
+              <a:buFont typeface="Arial" panose="020B0604020202020204" pitchFamily="34" charset="0"/>
+              <a:buChar char="•"/>
+              <a:defRPr sz="1800" kern="1200">
+                <a:solidFill>
+                  <a:schemeClr val="tx1"/>
+                </a:solidFill>
+                <a:latin typeface="+mn-lt"/>
+                <a:ea typeface="+mn-ea"/>
+                <a:cs typeface="+mn-cs"/>
+              </a:defRPr>
+            </a:lvl6pPr>
+            <a:lvl7pPr marL="2971800" indent="-228600" algn="l" defTabSz="914400" rtl="0" eaLnBrk="1" latinLnBrk="0" hangingPunct="1">
+              <a:lnSpc>
+                <a:spcPct val="90000"/>
+              </a:lnSpc>
+              <a:spcBef>
+                <a:spcPts val="500"/>
+              </a:spcBef>
+              <a:buFont typeface="Arial" panose="020B0604020202020204" pitchFamily="34" charset="0"/>
+              <a:buChar char="•"/>
+              <a:defRPr sz="1800" kern="1200">
+                <a:solidFill>
+                  <a:schemeClr val="tx1"/>
+                </a:solidFill>
+                <a:latin typeface="+mn-lt"/>
+                <a:ea typeface="+mn-ea"/>
+                <a:cs typeface="+mn-cs"/>
+              </a:defRPr>
+            </a:lvl7pPr>
+            <a:lvl8pPr marL="3429000" indent="-228600" algn="l" defTabSz="914400" rtl="0" eaLnBrk="1" latinLnBrk="0" hangingPunct="1">
+              <a:lnSpc>
+                <a:spcPct val="90000"/>
+              </a:lnSpc>
+              <a:spcBef>
+                <a:spcPts val="500"/>
+              </a:spcBef>
+              <a:buFont typeface="Arial" panose="020B0604020202020204" pitchFamily="34" charset="0"/>
+              <a:buChar char="•"/>
+              <a:defRPr sz="1800" kern="1200">
+                <a:solidFill>
+                  <a:schemeClr val="tx1"/>
+                </a:solidFill>
+                <a:latin typeface="+mn-lt"/>
+                <a:ea typeface="+mn-ea"/>
+                <a:cs typeface="+mn-cs"/>
+              </a:defRPr>
+            </a:lvl8pPr>
+            <a:lvl9pPr marL="3886200" indent="-228600" algn="l" defTabSz="914400" rtl="0" eaLnBrk="1" latinLnBrk="0" hangingPunct="1">
+              <a:lnSpc>
+                <a:spcPct val="90000"/>
+              </a:lnSpc>
+              <a:spcBef>
+                <a:spcPts val="500"/>
+              </a:spcBef>
+              <a:buFont typeface="Arial" panose="020B0604020202020204" pitchFamily="34" charset="0"/>
+              <a:buChar char="•"/>
+              <a:defRPr sz="1800" kern="1200">
+                <a:solidFill>
+                  <a:schemeClr val="tx1"/>
+                </a:solidFill>
+                <a:latin typeface="+mn-lt"/>
+                <a:ea typeface="+mn-ea"/>
+                <a:cs typeface="+mn-cs"/>
+              </a:defRPr>
+            </a:lvl9pPr>
+          </a:lstStyle>
+          <a:p>
+            <a:pPr marL="0" indent="0" algn="ctr">
+              <a:buFont typeface="Arial" panose="020B0604020202020204" pitchFamily="34" charset="0"/>
+              <a:buNone/>
+            </a:pPr>
+            <a:r>
+              <a:rPr lang="en-US" dirty="0">
+                <a:latin typeface="+mn-lt"/>
+              </a:rPr>
+              <a:t>Linear PCA</a:t>
+            </a:r>
+          </a:p>
+        </p:txBody>
+      </p:sp>
+      <p:sp>
+        <p:nvSpPr>
+          <p:cNvPr id="9" name="Content Placeholder 2">
+            <a:extLst>
+              <a:ext uri="{FF2B5EF4-FFF2-40B4-BE49-F238E27FC236}">
+                <a16:creationId xmlns:a16="http://schemas.microsoft.com/office/drawing/2014/main" id="{8E059E98-3214-D7B9-EB2F-42169D15862A}"/>
+              </a:ext>
+            </a:extLst>
+          </p:cNvPr>
+          <p:cNvSpPr txBox="1">
+            <a:spLocks/>
+          </p:cNvSpPr>
+          <p:nvPr/>
+        </p:nvSpPr>
+        <p:spPr>
+          <a:xfrm>
+            <a:off x="6680345" y="6115838"/>
+            <a:ext cx="5178280" cy="656818"/>
+          </a:xfrm>
+          <a:prstGeom prst="rect">
+            <a:avLst/>
+          </a:prstGeom>
+        </p:spPr>
+        <p:txBody>
+          <a:bodyPr vert="horz" lIns="91440" tIns="45720" rIns="91440" bIns="45720" rtlCol="0">
+            <a:normAutofit/>
+          </a:bodyPr>
+          <a:lstStyle>
+            <a:lvl1pPr marL="228600" indent="-228600" algn="l" defTabSz="914400" rtl="0" eaLnBrk="1" latinLnBrk="0" hangingPunct="1">
+              <a:lnSpc>
+                <a:spcPct val="90000"/>
+              </a:lnSpc>
+              <a:spcBef>
+                <a:spcPts val="1400"/>
+              </a:spcBef>
+              <a:buFont typeface="Arial" panose="020B0604020202020204" pitchFamily="34" charset="0"/>
+              <a:buChar char="•"/>
+              <a:defRPr sz="2800" b="0" kern="1200">
+                <a:solidFill>
+                  <a:schemeClr val="tx1"/>
+                </a:solidFill>
+                <a:latin typeface="Segoe UI Light" panose="020B0502040204020203" pitchFamily="34" charset="0"/>
+                <a:ea typeface="Segoe UI Light" panose="020B0502040204020203" pitchFamily="34" charset="0"/>
+                <a:cs typeface="Segoe UI Light" panose="020B0502040204020203" pitchFamily="34" charset="0"/>
+              </a:defRPr>
+            </a:lvl1pPr>
+            <a:lvl2pPr marL="685800" indent="-228600" algn="l" defTabSz="914400" rtl="0" eaLnBrk="1" latinLnBrk="0" hangingPunct="1">
+              <a:lnSpc>
+                <a:spcPct val="90000"/>
+              </a:lnSpc>
+              <a:spcBef>
+                <a:spcPts val="500"/>
+              </a:spcBef>
+              <a:buFont typeface="Arial" panose="020B0604020202020204" pitchFamily="34" charset="0"/>
+              <a:buChar char="•"/>
+              <a:defRPr sz="2400" kern="1200">
+                <a:solidFill>
+                  <a:schemeClr val="tx1"/>
+                </a:solidFill>
+                <a:latin typeface="Segoe UI Light" panose="020B0502040204020203" pitchFamily="34" charset="0"/>
+                <a:ea typeface="Segoe UI Light" panose="020B0502040204020203" pitchFamily="34" charset="0"/>
+                <a:cs typeface="Segoe UI Light" panose="020B0502040204020203" pitchFamily="34" charset="0"/>
+              </a:defRPr>
+            </a:lvl2pPr>
+            <a:lvl3pPr marL="1143000" indent="-228600" algn="l" defTabSz="914400" rtl="0" eaLnBrk="1" latinLnBrk="0" hangingPunct="1">
+              <a:lnSpc>
+                <a:spcPct val="90000"/>
+              </a:lnSpc>
+              <a:spcBef>
+                <a:spcPts val="500"/>
+              </a:spcBef>
+              <a:buFont typeface="Arial" panose="020B0604020202020204" pitchFamily="34" charset="0"/>
+              <a:buChar char="•"/>
+              <a:defRPr sz="2000" kern="1200">
+                <a:solidFill>
+                  <a:schemeClr val="tx1"/>
+                </a:solidFill>
+                <a:latin typeface="Segoe UI Light" panose="020B0502040204020203" pitchFamily="34" charset="0"/>
+                <a:ea typeface="Segoe UI Light" panose="020B0502040204020203" pitchFamily="34" charset="0"/>
+                <a:cs typeface="Segoe UI Light" panose="020B0502040204020203" pitchFamily="34" charset="0"/>
+              </a:defRPr>
+            </a:lvl3pPr>
+            <a:lvl4pPr marL="1600200" indent="-228600" algn="l" defTabSz="914400" rtl="0" eaLnBrk="1" latinLnBrk="0" hangingPunct="1">
+              <a:lnSpc>
+                <a:spcPct val="90000"/>
+              </a:lnSpc>
+              <a:spcBef>
+                <a:spcPts val="500"/>
+              </a:spcBef>
+              <a:buFont typeface="Arial" panose="020B0604020202020204" pitchFamily="34" charset="0"/>
+              <a:buChar char="•"/>
+              <a:defRPr sz="1800" kern="1200">
+                <a:solidFill>
+                  <a:schemeClr val="tx1"/>
+                </a:solidFill>
+                <a:latin typeface="Segoe UI Light" panose="020B0502040204020203" pitchFamily="34" charset="0"/>
+                <a:ea typeface="Segoe UI Light" panose="020B0502040204020203" pitchFamily="34" charset="0"/>
+                <a:cs typeface="Segoe UI Light" panose="020B0502040204020203" pitchFamily="34" charset="0"/>
+              </a:defRPr>
+            </a:lvl4pPr>
+            <a:lvl5pPr marL="2057400" indent="-228600" algn="l" defTabSz="914400" rtl="0" eaLnBrk="1" latinLnBrk="0" hangingPunct="1">
+              <a:lnSpc>
+                <a:spcPct val="90000"/>
+              </a:lnSpc>
+              <a:spcBef>
+                <a:spcPts val="500"/>
+              </a:spcBef>
+              <a:buFont typeface="Arial" panose="020B0604020202020204" pitchFamily="34" charset="0"/>
+              <a:buChar char="•"/>
+              <a:defRPr sz="1800" kern="1200">
+                <a:solidFill>
+                  <a:schemeClr val="tx1"/>
+                </a:solidFill>
+                <a:latin typeface="Segoe UI Light" panose="020B0502040204020203" pitchFamily="34" charset="0"/>
+                <a:ea typeface="Segoe UI Light" panose="020B0502040204020203" pitchFamily="34" charset="0"/>
+                <a:cs typeface="Segoe UI Light" panose="020B0502040204020203" pitchFamily="34" charset="0"/>
+              </a:defRPr>
+            </a:lvl5pPr>
+            <a:lvl6pPr marL="2514600" indent="-228600" algn="l" defTabSz="914400" rtl="0" eaLnBrk="1" latinLnBrk="0" hangingPunct="1">
+              <a:lnSpc>
+                <a:spcPct val="90000"/>
+              </a:lnSpc>
+              <a:spcBef>
+                <a:spcPts val="500"/>
+              </a:spcBef>
+              <a:buFont typeface="Arial" panose="020B0604020202020204" pitchFamily="34" charset="0"/>
+              <a:buChar char="•"/>
+              <a:defRPr sz="1800" kern="1200">
+                <a:solidFill>
+                  <a:schemeClr val="tx1"/>
+                </a:solidFill>
+                <a:latin typeface="+mn-lt"/>
+                <a:ea typeface="+mn-ea"/>
+                <a:cs typeface="+mn-cs"/>
+              </a:defRPr>
+            </a:lvl6pPr>
+            <a:lvl7pPr marL="2971800" indent="-228600" algn="l" defTabSz="914400" rtl="0" eaLnBrk="1" latinLnBrk="0" hangingPunct="1">
+              <a:lnSpc>
+                <a:spcPct val="90000"/>
+              </a:lnSpc>
+              <a:spcBef>
+                <a:spcPts val="500"/>
+              </a:spcBef>
+              <a:buFont typeface="Arial" panose="020B0604020202020204" pitchFamily="34" charset="0"/>
+              <a:buChar char="•"/>
+              <a:defRPr sz="1800" kern="1200">
+                <a:solidFill>
+                  <a:schemeClr val="tx1"/>
+                </a:solidFill>
+                <a:latin typeface="+mn-lt"/>
+                <a:ea typeface="+mn-ea"/>
+                <a:cs typeface="+mn-cs"/>
+              </a:defRPr>
+            </a:lvl7pPr>
+            <a:lvl8pPr marL="3429000" indent="-228600" algn="l" defTabSz="914400" rtl="0" eaLnBrk="1" latinLnBrk="0" hangingPunct="1">
+              <a:lnSpc>
+                <a:spcPct val="90000"/>
+              </a:lnSpc>
+              <a:spcBef>
+                <a:spcPts val="500"/>
+              </a:spcBef>
+              <a:buFont typeface="Arial" panose="020B0604020202020204" pitchFamily="34" charset="0"/>
+              <a:buChar char="•"/>
+              <a:defRPr sz="1800" kern="1200">
+                <a:solidFill>
+                  <a:schemeClr val="tx1"/>
+                </a:solidFill>
+                <a:latin typeface="+mn-lt"/>
+                <a:ea typeface="+mn-ea"/>
+                <a:cs typeface="+mn-cs"/>
+              </a:defRPr>
+            </a:lvl8pPr>
+            <a:lvl9pPr marL="3886200" indent="-228600" algn="l" defTabSz="914400" rtl="0" eaLnBrk="1" latinLnBrk="0" hangingPunct="1">
+              <a:lnSpc>
+                <a:spcPct val="90000"/>
+              </a:lnSpc>
+              <a:spcBef>
+                <a:spcPts val="500"/>
+              </a:spcBef>
+              <a:buFont typeface="Arial" panose="020B0604020202020204" pitchFamily="34" charset="0"/>
+              <a:buChar char="•"/>
+              <a:defRPr sz="1800" kern="1200">
+                <a:solidFill>
+                  <a:schemeClr val="tx1"/>
+                </a:solidFill>
+                <a:latin typeface="+mn-lt"/>
+                <a:ea typeface="+mn-ea"/>
+                <a:cs typeface="+mn-cs"/>
+              </a:defRPr>
+            </a:lvl9pPr>
+          </a:lstStyle>
+          <a:p>
+            <a:pPr marL="0" indent="0" algn="ctr">
+              <a:buFont typeface="Arial" panose="020B0604020202020204" pitchFamily="34" charset="0"/>
+              <a:buNone/>
+            </a:pPr>
+            <a:r>
+              <a:rPr lang="en-US" dirty="0">
+                <a:latin typeface="+mn-lt"/>
+              </a:rPr>
+              <a:t>Kernel PCA, cosine kernel</a:t>
+            </a:r>
+          </a:p>
+        </p:txBody>
+      </p:sp>
+    </p:spTree>
+    <p:extLst>
+      <p:ext uri="{BB962C8B-B14F-4D97-AF65-F5344CB8AC3E}">
+        <p14:creationId xmlns:p14="http://schemas.microsoft.com/office/powerpoint/2010/main" val="2525699211"/>
+      </p:ext>
+    </p:extLst>
+  </p:cSld>
+  <p:clrMapOvr>
+    <a:masterClrMapping/>
+  </p:clrMapOvr>
+</p:sld>
+</file>
+
+<file path=ppt/slides/slide42.xml><?xml version="1.0" encoding="utf-8"?>
+<p:sld xmlns:a="http://schemas.openxmlformats.org/drawingml/2006/main" xmlns:r="http://schemas.openxmlformats.org/officeDocument/2006/relationships" xmlns:p="http://schemas.openxmlformats.org/presentationml/2006/main">
+  <p:cSld>
+    <p:spTree>
+      <p:nvGrpSpPr>
+        <p:cNvPr id="1" name=""/>
+        <p:cNvGrpSpPr/>
+        <p:nvPr/>
+      </p:nvGrpSpPr>
+      <p:grpSpPr>
+        <a:xfrm>
+          <a:off x="0" y="0"/>
+          <a:ext cx="0" cy="0"/>
+          <a:chOff x="0" y="0"/>
+          <a:chExt cx="0" cy="0"/>
+        </a:xfrm>
+      </p:grpSpPr>
+      <p:sp>
+        <p:nvSpPr>
+          <p:cNvPr id="2" name="Title 1"/>
+          <p:cNvSpPr>
+            <a:spLocks noGrp="1"/>
+          </p:cNvSpPr>
+          <p:nvPr>
+            <p:ph type="title"/>
+          </p:nvPr>
+        </p:nvSpPr>
+        <p:spPr>
+          <a:xfrm>
+            <a:off x="584200" y="221992"/>
+            <a:ext cx="10515600" cy="530954"/>
+          </a:xfrm>
+        </p:spPr>
+        <p:txBody>
+          <a:bodyPr>
+            <a:normAutofit fontScale="90000"/>
+          </a:bodyPr>
+          <a:lstStyle/>
+          <a:p>
+            <a:r>
+              <a:rPr lang="en-US"/>
+              <a:t>Summary</a:t>
+            </a:r>
+            <a:endParaRPr lang="en-US" dirty="0"/>
+          </a:p>
+        </p:txBody>
+      </p:sp>
+      <p:sp>
+        <p:nvSpPr>
+          <p:cNvPr id="3" name="Content Placeholder 2"/>
+          <p:cNvSpPr>
+            <a:spLocks noGrp="1"/>
+          </p:cNvSpPr>
+          <p:nvPr>
+            <p:ph sz="quarter" idx="10"/>
+          </p:nvPr>
+        </p:nvSpPr>
+        <p:spPr>
+          <a:xfrm>
+            <a:off x="333375" y="1031357"/>
+            <a:ext cx="11525250" cy="5155109"/>
+          </a:xfrm>
+        </p:spPr>
+        <p:txBody>
+          <a:bodyPr>
+            <a:normAutofit/>
+          </a:bodyPr>
+          <a:lstStyle/>
+          <a:p>
+            <a:pPr marL="0" indent="0">
+              <a:buNone/>
+            </a:pPr>
+            <a:r>
+              <a:rPr lang="en-US" dirty="0">
+                <a:latin typeface="+mn-lt"/>
+              </a:rPr>
+              <a:t>Dimensionality reduction is widely used in data mining</a:t>
+            </a:r>
+          </a:p>
+          <a:p>
+            <a:r>
+              <a:rPr lang="en-US" dirty="0">
+                <a:latin typeface="+mn-lt"/>
+              </a:rPr>
+              <a:t>Introduction to dimensionality reduction </a:t>
+            </a:r>
+          </a:p>
+          <a:p>
+            <a:r>
+              <a:rPr lang="en-US" dirty="0">
+                <a:latin typeface="+mn-lt"/>
+              </a:rPr>
+              <a:t>Principle component analysis (PCA)</a:t>
+            </a:r>
+          </a:p>
+          <a:p>
+            <a:r>
+              <a:rPr lang="en-US" dirty="0">
+                <a:latin typeface="+mn-lt"/>
+              </a:rPr>
+              <a:t>Singular value decomposition (SVD)</a:t>
+            </a:r>
+          </a:p>
+          <a:p>
+            <a:r>
+              <a:rPr lang="en-US" dirty="0">
+                <a:latin typeface="+mn-lt"/>
+              </a:rPr>
+              <a:t>Kernel principle component analysis for non-linear projection    </a:t>
+            </a:r>
+          </a:p>
+        </p:txBody>
+      </p:sp>
+    </p:spTree>
+    <p:extLst>
+      <p:ext uri="{BB962C8B-B14F-4D97-AF65-F5344CB8AC3E}">
+        <p14:creationId xmlns:p14="http://schemas.microsoft.com/office/powerpoint/2010/main" val="1650401116"/>
+      </p:ext>
+    </p:extLst>
+  </p:cSld>
+  <p:clrMapOvr>
+    <a:masterClrMapping/>
+  </p:clrMapOvr>
+</p:sld>
+</file>
+
+<file path=ppt/slides/slide5.xml><?xml version="1.0" encoding="utf-8"?>
 <p:sld xmlns:a="http://schemas.openxmlformats.org/drawingml/2006/main" xmlns:r="http://schemas.openxmlformats.org/officeDocument/2006/relationships" xmlns:p="http://schemas.openxmlformats.org/presentationml/2006/main">
   <p:cSld>
     <p:spTree>
@@ -33409,696 +35140,7 @@
 </p:sld>
 </file>
 
-<file path=ppt/slides/slide40.xml><?xml version="1.0" encoding="utf-8"?>
-<p:sld xmlns:a="http://schemas.openxmlformats.org/drawingml/2006/main" xmlns:r="http://schemas.openxmlformats.org/officeDocument/2006/relationships" xmlns:p="http://schemas.openxmlformats.org/presentationml/2006/main">
-  <p:cSld>
-    <p:spTree>
-      <p:nvGrpSpPr>
-        <p:cNvPr id="1" name=""/>
-        <p:cNvGrpSpPr/>
-        <p:nvPr/>
-      </p:nvGrpSpPr>
-      <p:grpSpPr>
-        <a:xfrm>
-          <a:off x="0" y="0"/>
-          <a:ext cx="0" cy="0"/>
-          <a:chOff x="0" y="0"/>
-          <a:chExt cx="0" cy="0"/>
-        </a:xfrm>
-      </p:grpSpPr>
-      <p:sp>
-        <p:nvSpPr>
-          <p:cNvPr id="2" name="Title 1"/>
-          <p:cNvSpPr>
-            <a:spLocks noGrp="1"/>
-          </p:cNvSpPr>
-          <p:nvPr>
-            <p:ph type="title"/>
-          </p:nvPr>
-        </p:nvSpPr>
-        <p:spPr>
-          <a:xfrm>
-            <a:off x="584200" y="221992"/>
-            <a:ext cx="10515600" cy="530954"/>
-          </a:xfrm>
-        </p:spPr>
-        <p:txBody>
-          <a:bodyPr>
-            <a:noAutofit/>
-          </a:bodyPr>
-          <a:lstStyle/>
-          <a:p>
-            <a:r>
-              <a:rPr lang="en-US" sz="3600" dirty="0"/>
-              <a:t>Kernel Principle Component Decomposition</a:t>
-            </a:r>
-          </a:p>
-        </p:txBody>
-      </p:sp>
-      <p:sp>
-        <p:nvSpPr>
-          <p:cNvPr id="3" name="Content Placeholder 2"/>
-          <p:cNvSpPr>
-            <a:spLocks noGrp="1"/>
-          </p:cNvSpPr>
-          <p:nvPr>
-            <p:ph sz="quarter" idx="10"/>
-          </p:nvPr>
-        </p:nvSpPr>
-        <p:spPr>
-          <a:xfrm>
-            <a:off x="333375" y="1004777"/>
-            <a:ext cx="11525250" cy="656818"/>
-          </a:xfrm>
-        </p:spPr>
-        <p:txBody>
-          <a:bodyPr>
-            <a:normAutofit/>
-          </a:bodyPr>
-          <a:lstStyle/>
-          <a:p>
-            <a:pPr marL="0" indent="0">
-              <a:buNone/>
-            </a:pPr>
-            <a:r>
-              <a:rPr lang="en-US" dirty="0">
-                <a:latin typeface="+mn-lt"/>
-              </a:rPr>
-              <a:t>Kernel PCA creates a nonlinear projection</a:t>
-            </a:r>
-          </a:p>
-        </p:txBody>
-      </p:sp>
-      <p:pic>
-        <p:nvPicPr>
-          <p:cNvPr id="5" name="Picture 4">
-            <a:extLst>
-              <a:ext uri="{FF2B5EF4-FFF2-40B4-BE49-F238E27FC236}">
-                <a16:creationId xmlns:a16="http://schemas.microsoft.com/office/drawing/2014/main" id="{646DE1DB-2FB0-1A8C-8607-228E8DAA66E5}"/>
-              </a:ext>
-            </a:extLst>
-          </p:cNvPr>
-          <p:cNvPicPr>
-            <a:picLocks noChangeAspect="1"/>
-          </p:cNvPicPr>
-          <p:nvPr/>
-        </p:nvPicPr>
-        <p:blipFill>
-          <a:blip r:embed="rId3"/>
-          <a:stretch>
-            <a:fillRect/>
-          </a:stretch>
-        </p:blipFill>
-        <p:spPr>
-          <a:xfrm>
-            <a:off x="172298" y="1661596"/>
-            <a:ext cx="5820027" cy="4357770"/>
-          </a:xfrm>
-          <a:prstGeom prst="rect">
-            <a:avLst/>
-          </a:prstGeom>
-        </p:spPr>
-      </p:pic>
-      <p:pic>
-        <p:nvPicPr>
-          <p:cNvPr id="7" name="Picture 6">
-            <a:extLst>
-              <a:ext uri="{FF2B5EF4-FFF2-40B4-BE49-F238E27FC236}">
-                <a16:creationId xmlns:a16="http://schemas.microsoft.com/office/drawing/2014/main" id="{872C90DC-8F53-FDD5-583E-B8B527695ED4}"/>
-              </a:ext>
-            </a:extLst>
-          </p:cNvPr>
-          <p:cNvPicPr>
-            <a:picLocks noChangeAspect="1"/>
-          </p:cNvPicPr>
-          <p:nvPr/>
-        </p:nvPicPr>
-        <p:blipFill>
-          <a:blip r:embed="rId4"/>
-          <a:stretch>
-            <a:fillRect/>
-          </a:stretch>
-        </p:blipFill>
-        <p:spPr>
-          <a:xfrm>
-            <a:off x="6086588" y="1661595"/>
-            <a:ext cx="5933114" cy="4357770"/>
-          </a:xfrm>
-          <a:prstGeom prst="rect">
-            <a:avLst/>
-          </a:prstGeom>
-        </p:spPr>
-      </p:pic>
-      <p:sp>
-        <p:nvSpPr>
-          <p:cNvPr id="8" name="Content Placeholder 2">
-            <a:extLst>
-              <a:ext uri="{FF2B5EF4-FFF2-40B4-BE49-F238E27FC236}">
-                <a16:creationId xmlns:a16="http://schemas.microsoft.com/office/drawing/2014/main" id="{88D4ECA6-FB06-1A0D-A537-1F116D7AEED0}"/>
-              </a:ext>
-            </a:extLst>
-          </p:cNvPr>
-          <p:cNvSpPr txBox="1">
-            <a:spLocks/>
-          </p:cNvSpPr>
-          <p:nvPr/>
-        </p:nvSpPr>
-        <p:spPr>
-          <a:xfrm>
-            <a:off x="741807" y="6115838"/>
-            <a:ext cx="5178280" cy="656818"/>
-          </a:xfrm>
-          <a:prstGeom prst="rect">
-            <a:avLst/>
-          </a:prstGeom>
-        </p:spPr>
-        <p:txBody>
-          <a:bodyPr vert="horz" lIns="91440" tIns="45720" rIns="91440" bIns="45720" rtlCol="0">
-            <a:normAutofit/>
-          </a:bodyPr>
-          <a:lstStyle>
-            <a:lvl1pPr marL="228600" indent="-228600" algn="l" defTabSz="914400" rtl="0" eaLnBrk="1" latinLnBrk="0" hangingPunct="1">
-              <a:lnSpc>
-                <a:spcPct val="90000"/>
-              </a:lnSpc>
-              <a:spcBef>
-                <a:spcPts val="1400"/>
-              </a:spcBef>
-              <a:buFont typeface="Arial" panose="020B0604020202020204" pitchFamily="34" charset="0"/>
-              <a:buChar char="•"/>
-              <a:defRPr sz="2800" b="0" kern="1200">
-                <a:solidFill>
-                  <a:schemeClr val="tx1"/>
-                </a:solidFill>
-                <a:latin typeface="Segoe UI Light" panose="020B0502040204020203" pitchFamily="34" charset="0"/>
-                <a:ea typeface="Segoe UI Light" panose="020B0502040204020203" pitchFamily="34" charset="0"/>
-                <a:cs typeface="Segoe UI Light" panose="020B0502040204020203" pitchFamily="34" charset="0"/>
-              </a:defRPr>
-            </a:lvl1pPr>
-            <a:lvl2pPr marL="685800" indent="-228600" algn="l" defTabSz="914400" rtl="0" eaLnBrk="1" latinLnBrk="0" hangingPunct="1">
-              <a:lnSpc>
-                <a:spcPct val="90000"/>
-              </a:lnSpc>
-              <a:spcBef>
-                <a:spcPts val="500"/>
-              </a:spcBef>
-              <a:buFont typeface="Arial" panose="020B0604020202020204" pitchFamily="34" charset="0"/>
-              <a:buChar char="•"/>
-              <a:defRPr sz="2400" kern="1200">
-                <a:solidFill>
-                  <a:schemeClr val="tx1"/>
-                </a:solidFill>
-                <a:latin typeface="Segoe UI Light" panose="020B0502040204020203" pitchFamily="34" charset="0"/>
-                <a:ea typeface="Segoe UI Light" panose="020B0502040204020203" pitchFamily="34" charset="0"/>
-                <a:cs typeface="Segoe UI Light" panose="020B0502040204020203" pitchFamily="34" charset="0"/>
-              </a:defRPr>
-            </a:lvl2pPr>
-            <a:lvl3pPr marL="1143000" indent="-228600" algn="l" defTabSz="914400" rtl="0" eaLnBrk="1" latinLnBrk="0" hangingPunct="1">
-              <a:lnSpc>
-                <a:spcPct val="90000"/>
-              </a:lnSpc>
-              <a:spcBef>
-                <a:spcPts val="500"/>
-              </a:spcBef>
-              <a:buFont typeface="Arial" panose="020B0604020202020204" pitchFamily="34" charset="0"/>
-              <a:buChar char="•"/>
-              <a:defRPr sz="2000" kern="1200">
-                <a:solidFill>
-                  <a:schemeClr val="tx1"/>
-                </a:solidFill>
-                <a:latin typeface="Segoe UI Light" panose="020B0502040204020203" pitchFamily="34" charset="0"/>
-                <a:ea typeface="Segoe UI Light" panose="020B0502040204020203" pitchFamily="34" charset="0"/>
-                <a:cs typeface="Segoe UI Light" panose="020B0502040204020203" pitchFamily="34" charset="0"/>
-              </a:defRPr>
-            </a:lvl3pPr>
-            <a:lvl4pPr marL="1600200" indent="-228600" algn="l" defTabSz="914400" rtl="0" eaLnBrk="1" latinLnBrk="0" hangingPunct="1">
-              <a:lnSpc>
-                <a:spcPct val="90000"/>
-              </a:lnSpc>
-              <a:spcBef>
-                <a:spcPts val="500"/>
-              </a:spcBef>
-              <a:buFont typeface="Arial" panose="020B0604020202020204" pitchFamily="34" charset="0"/>
-              <a:buChar char="•"/>
-              <a:defRPr sz="1800" kern="1200">
-                <a:solidFill>
-                  <a:schemeClr val="tx1"/>
-                </a:solidFill>
-                <a:latin typeface="Segoe UI Light" panose="020B0502040204020203" pitchFamily="34" charset="0"/>
-                <a:ea typeface="Segoe UI Light" panose="020B0502040204020203" pitchFamily="34" charset="0"/>
-                <a:cs typeface="Segoe UI Light" panose="020B0502040204020203" pitchFamily="34" charset="0"/>
-              </a:defRPr>
-            </a:lvl4pPr>
-            <a:lvl5pPr marL="2057400" indent="-228600" algn="l" defTabSz="914400" rtl="0" eaLnBrk="1" latinLnBrk="0" hangingPunct="1">
-              <a:lnSpc>
-                <a:spcPct val="90000"/>
-              </a:lnSpc>
-              <a:spcBef>
-                <a:spcPts val="500"/>
-              </a:spcBef>
-              <a:buFont typeface="Arial" panose="020B0604020202020204" pitchFamily="34" charset="0"/>
-              <a:buChar char="•"/>
-              <a:defRPr sz="1800" kern="1200">
-                <a:solidFill>
-                  <a:schemeClr val="tx1"/>
-                </a:solidFill>
-                <a:latin typeface="Segoe UI Light" panose="020B0502040204020203" pitchFamily="34" charset="0"/>
-                <a:ea typeface="Segoe UI Light" panose="020B0502040204020203" pitchFamily="34" charset="0"/>
-                <a:cs typeface="Segoe UI Light" panose="020B0502040204020203" pitchFamily="34" charset="0"/>
-              </a:defRPr>
-            </a:lvl5pPr>
-            <a:lvl6pPr marL="2514600" indent="-228600" algn="l" defTabSz="914400" rtl="0" eaLnBrk="1" latinLnBrk="0" hangingPunct="1">
-              <a:lnSpc>
-                <a:spcPct val="90000"/>
-              </a:lnSpc>
-              <a:spcBef>
-                <a:spcPts val="500"/>
-              </a:spcBef>
-              <a:buFont typeface="Arial" panose="020B0604020202020204" pitchFamily="34" charset="0"/>
-              <a:buChar char="•"/>
-              <a:defRPr sz="1800" kern="1200">
-                <a:solidFill>
-                  <a:schemeClr val="tx1"/>
-                </a:solidFill>
-                <a:latin typeface="+mn-lt"/>
-                <a:ea typeface="+mn-ea"/>
-                <a:cs typeface="+mn-cs"/>
-              </a:defRPr>
-            </a:lvl6pPr>
-            <a:lvl7pPr marL="2971800" indent="-228600" algn="l" defTabSz="914400" rtl="0" eaLnBrk="1" latinLnBrk="0" hangingPunct="1">
-              <a:lnSpc>
-                <a:spcPct val="90000"/>
-              </a:lnSpc>
-              <a:spcBef>
-                <a:spcPts val="500"/>
-              </a:spcBef>
-              <a:buFont typeface="Arial" panose="020B0604020202020204" pitchFamily="34" charset="0"/>
-              <a:buChar char="•"/>
-              <a:defRPr sz="1800" kern="1200">
-                <a:solidFill>
-                  <a:schemeClr val="tx1"/>
-                </a:solidFill>
-                <a:latin typeface="+mn-lt"/>
-                <a:ea typeface="+mn-ea"/>
-                <a:cs typeface="+mn-cs"/>
-              </a:defRPr>
-            </a:lvl7pPr>
-            <a:lvl8pPr marL="3429000" indent="-228600" algn="l" defTabSz="914400" rtl="0" eaLnBrk="1" latinLnBrk="0" hangingPunct="1">
-              <a:lnSpc>
-                <a:spcPct val="90000"/>
-              </a:lnSpc>
-              <a:spcBef>
-                <a:spcPts val="500"/>
-              </a:spcBef>
-              <a:buFont typeface="Arial" panose="020B0604020202020204" pitchFamily="34" charset="0"/>
-              <a:buChar char="•"/>
-              <a:defRPr sz="1800" kern="1200">
-                <a:solidFill>
-                  <a:schemeClr val="tx1"/>
-                </a:solidFill>
-                <a:latin typeface="+mn-lt"/>
-                <a:ea typeface="+mn-ea"/>
-                <a:cs typeface="+mn-cs"/>
-              </a:defRPr>
-            </a:lvl8pPr>
-            <a:lvl9pPr marL="3886200" indent="-228600" algn="l" defTabSz="914400" rtl="0" eaLnBrk="1" latinLnBrk="0" hangingPunct="1">
-              <a:lnSpc>
-                <a:spcPct val="90000"/>
-              </a:lnSpc>
-              <a:spcBef>
-                <a:spcPts val="500"/>
-              </a:spcBef>
-              <a:buFont typeface="Arial" panose="020B0604020202020204" pitchFamily="34" charset="0"/>
-              <a:buChar char="•"/>
-              <a:defRPr sz="1800" kern="1200">
-                <a:solidFill>
-                  <a:schemeClr val="tx1"/>
-                </a:solidFill>
-                <a:latin typeface="+mn-lt"/>
-                <a:ea typeface="+mn-ea"/>
-                <a:cs typeface="+mn-cs"/>
-              </a:defRPr>
-            </a:lvl9pPr>
-          </a:lstStyle>
-          <a:p>
-            <a:pPr marL="0" indent="0" algn="ctr">
-              <a:buFont typeface="Arial" panose="020B0604020202020204" pitchFamily="34" charset="0"/>
-              <a:buNone/>
-            </a:pPr>
-            <a:r>
-              <a:rPr lang="en-US" dirty="0">
-                <a:latin typeface="+mn-lt"/>
-              </a:rPr>
-              <a:t>Linear PCA</a:t>
-            </a:r>
-          </a:p>
-        </p:txBody>
-      </p:sp>
-      <p:sp>
-        <p:nvSpPr>
-          <p:cNvPr id="9" name="Content Placeholder 2">
-            <a:extLst>
-              <a:ext uri="{FF2B5EF4-FFF2-40B4-BE49-F238E27FC236}">
-                <a16:creationId xmlns:a16="http://schemas.microsoft.com/office/drawing/2014/main" id="{8E059E98-3214-D7B9-EB2F-42169D15862A}"/>
-              </a:ext>
-            </a:extLst>
-          </p:cNvPr>
-          <p:cNvSpPr txBox="1">
-            <a:spLocks/>
-          </p:cNvSpPr>
-          <p:nvPr/>
-        </p:nvSpPr>
-        <p:spPr>
-          <a:xfrm>
-            <a:off x="6680345" y="6115838"/>
-            <a:ext cx="5178280" cy="656818"/>
-          </a:xfrm>
-          <a:prstGeom prst="rect">
-            <a:avLst/>
-          </a:prstGeom>
-        </p:spPr>
-        <p:txBody>
-          <a:bodyPr vert="horz" lIns="91440" tIns="45720" rIns="91440" bIns="45720" rtlCol="0">
-            <a:normAutofit/>
-          </a:bodyPr>
-          <a:lstStyle>
-            <a:lvl1pPr marL="228600" indent="-228600" algn="l" defTabSz="914400" rtl="0" eaLnBrk="1" latinLnBrk="0" hangingPunct="1">
-              <a:lnSpc>
-                <a:spcPct val="90000"/>
-              </a:lnSpc>
-              <a:spcBef>
-                <a:spcPts val="1400"/>
-              </a:spcBef>
-              <a:buFont typeface="Arial" panose="020B0604020202020204" pitchFamily="34" charset="0"/>
-              <a:buChar char="•"/>
-              <a:defRPr sz="2800" b="0" kern="1200">
-                <a:solidFill>
-                  <a:schemeClr val="tx1"/>
-                </a:solidFill>
-                <a:latin typeface="Segoe UI Light" panose="020B0502040204020203" pitchFamily="34" charset="0"/>
-                <a:ea typeface="Segoe UI Light" panose="020B0502040204020203" pitchFamily="34" charset="0"/>
-                <a:cs typeface="Segoe UI Light" panose="020B0502040204020203" pitchFamily="34" charset="0"/>
-              </a:defRPr>
-            </a:lvl1pPr>
-            <a:lvl2pPr marL="685800" indent="-228600" algn="l" defTabSz="914400" rtl="0" eaLnBrk="1" latinLnBrk="0" hangingPunct="1">
-              <a:lnSpc>
-                <a:spcPct val="90000"/>
-              </a:lnSpc>
-              <a:spcBef>
-                <a:spcPts val="500"/>
-              </a:spcBef>
-              <a:buFont typeface="Arial" panose="020B0604020202020204" pitchFamily="34" charset="0"/>
-              <a:buChar char="•"/>
-              <a:defRPr sz="2400" kern="1200">
-                <a:solidFill>
-                  <a:schemeClr val="tx1"/>
-                </a:solidFill>
-                <a:latin typeface="Segoe UI Light" panose="020B0502040204020203" pitchFamily="34" charset="0"/>
-                <a:ea typeface="Segoe UI Light" panose="020B0502040204020203" pitchFamily="34" charset="0"/>
-                <a:cs typeface="Segoe UI Light" panose="020B0502040204020203" pitchFamily="34" charset="0"/>
-              </a:defRPr>
-            </a:lvl2pPr>
-            <a:lvl3pPr marL="1143000" indent="-228600" algn="l" defTabSz="914400" rtl="0" eaLnBrk="1" latinLnBrk="0" hangingPunct="1">
-              <a:lnSpc>
-                <a:spcPct val="90000"/>
-              </a:lnSpc>
-              <a:spcBef>
-                <a:spcPts val="500"/>
-              </a:spcBef>
-              <a:buFont typeface="Arial" panose="020B0604020202020204" pitchFamily="34" charset="0"/>
-              <a:buChar char="•"/>
-              <a:defRPr sz="2000" kern="1200">
-                <a:solidFill>
-                  <a:schemeClr val="tx1"/>
-                </a:solidFill>
-                <a:latin typeface="Segoe UI Light" panose="020B0502040204020203" pitchFamily="34" charset="0"/>
-                <a:ea typeface="Segoe UI Light" panose="020B0502040204020203" pitchFamily="34" charset="0"/>
-                <a:cs typeface="Segoe UI Light" panose="020B0502040204020203" pitchFamily="34" charset="0"/>
-              </a:defRPr>
-            </a:lvl3pPr>
-            <a:lvl4pPr marL="1600200" indent="-228600" algn="l" defTabSz="914400" rtl="0" eaLnBrk="1" latinLnBrk="0" hangingPunct="1">
-              <a:lnSpc>
-                <a:spcPct val="90000"/>
-              </a:lnSpc>
-              <a:spcBef>
-                <a:spcPts val="500"/>
-              </a:spcBef>
-              <a:buFont typeface="Arial" panose="020B0604020202020204" pitchFamily="34" charset="0"/>
-              <a:buChar char="•"/>
-              <a:defRPr sz="1800" kern="1200">
-                <a:solidFill>
-                  <a:schemeClr val="tx1"/>
-                </a:solidFill>
-                <a:latin typeface="Segoe UI Light" panose="020B0502040204020203" pitchFamily="34" charset="0"/>
-                <a:ea typeface="Segoe UI Light" panose="020B0502040204020203" pitchFamily="34" charset="0"/>
-                <a:cs typeface="Segoe UI Light" panose="020B0502040204020203" pitchFamily="34" charset="0"/>
-              </a:defRPr>
-            </a:lvl4pPr>
-            <a:lvl5pPr marL="2057400" indent="-228600" algn="l" defTabSz="914400" rtl="0" eaLnBrk="1" latinLnBrk="0" hangingPunct="1">
-              <a:lnSpc>
-                <a:spcPct val="90000"/>
-              </a:lnSpc>
-              <a:spcBef>
-                <a:spcPts val="500"/>
-              </a:spcBef>
-              <a:buFont typeface="Arial" panose="020B0604020202020204" pitchFamily="34" charset="0"/>
-              <a:buChar char="•"/>
-              <a:defRPr sz="1800" kern="1200">
-                <a:solidFill>
-                  <a:schemeClr val="tx1"/>
-                </a:solidFill>
-                <a:latin typeface="Segoe UI Light" panose="020B0502040204020203" pitchFamily="34" charset="0"/>
-                <a:ea typeface="Segoe UI Light" panose="020B0502040204020203" pitchFamily="34" charset="0"/>
-                <a:cs typeface="Segoe UI Light" panose="020B0502040204020203" pitchFamily="34" charset="0"/>
-              </a:defRPr>
-            </a:lvl5pPr>
-            <a:lvl6pPr marL="2514600" indent="-228600" algn="l" defTabSz="914400" rtl="0" eaLnBrk="1" latinLnBrk="0" hangingPunct="1">
-              <a:lnSpc>
-                <a:spcPct val="90000"/>
-              </a:lnSpc>
-              <a:spcBef>
-                <a:spcPts val="500"/>
-              </a:spcBef>
-              <a:buFont typeface="Arial" panose="020B0604020202020204" pitchFamily="34" charset="0"/>
-              <a:buChar char="•"/>
-              <a:defRPr sz="1800" kern="1200">
-                <a:solidFill>
-                  <a:schemeClr val="tx1"/>
-                </a:solidFill>
-                <a:latin typeface="+mn-lt"/>
-                <a:ea typeface="+mn-ea"/>
-                <a:cs typeface="+mn-cs"/>
-              </a:defRPr>
-            </a:lvl6pPr>
-            <a:lvl7pPr marL="2971800" indent="-228600" algn="l" defTabSz="914400" rtl="0" eaLnBrk="1" latinLnBrk="0" hangingPunct="1">
-              <a:lnSpc>
-                <a:spcPct val="90000"/>
-              </a:lnSpc>
-              <a:spcBef>
-                <a:spcPts val="500"/>
-              </a:spcBef>
-              <a:buFont typeface="Arial" panose="020B0604020202020204" pitchFamily="34" charset="0"/>
-              <a:buChar char="•"/>
-              <a:defRPr sz="1800" kern="1200">
-                <a:solidFill>
-                  <a:schemeClr val="tx1"/>
-                </a:solidFill>
-                <a:latin typeface="+mn-lt"/>
-                <a:ea typeface="+mn-ea"/>
-                <a:cs typeface="+mn-cs"/>
-              </a:defRPr>
-            </a:lvl7pPr>
-            <a:lvl8pPr marL="3429000" indent="-228600" algn="l" defTabSz="914400" rtl="0" eaLnBrk="1" latinLnBrk="0" hangingPunct="1">
-              <a:lnSpc>
-                <a:spcPct val="90000"/>
-              </a:lnSpc>
-              <a:spcBef>
-                <a:spcPts val="500"/>
-              </a:spcBef>
-              <a:buFont typeface="Arial" panose="020B0604020202020204" pitchFamily="34" charset="0"/>
-              <a:buChar char="•"/>
-              <a:defRPr sz="1800" kern="1200">
-                <a:solidFill>
-                  <a:schemeClr val="tx1"/>
-                </a:solidFill>
-                <a:latin typeface="+mn-lt"/>
-                <a:ea typeface="+mn-ea"/>
-                <a:cs typeface="+mn-cs"/>
-              </a:defRPr>
-            </a:lvl8pPr>
-            <a:lvl9pPr marL="3886200" indent="-228600" algn="l" defTabSz="914400" rtl="0" eaLnBrk="1" latinLnBrk="0" hangingPunct="1">
-              <a:lnSpc>
-                <a:spcPct val="90000"/>
-              </a:lnSpc>
-              <a:spcBef>
-                <a:spcPts val="500"/>
-              </a:spcBef>
-              <a:buFont typeface="Arial" panose="020B0604020202020204" pitchFamily="34" charset="0"/>
-              <a:buChar char="•"/>
-              <a:defRPr sz="1800" kern="1200">
-                <a:solidFill>
-                  <a:schemeClr val="tx1"/>
-                </a:solidFill>
-                <a:latin typeface="+mn-lt"/>
-                <a:ea typeface="+mn-ea"/>
-                <a:cs typeface="+mn-cs"/>
-              </a:defRPr>
-            </a:lvl9pPr>
-          </a:lstStyle>
-          <a:p>
-            <a:pPr marL="0" indent="0" algn="ctr">
-              <a:buFont typeface="Arial" panose="020B0604020202020204" pitchFamily="34" charset="0"/>
-              <a:buNone/>
-            </a:pPr>
-            <a:r>
-              <a:rPr lang="en-US" dirty="0">
-                <a:latin typeface="+mn-lt"/>
-              </a:rPr>
-              <a:t>Kernel PCA, cosine kernel</a:t>
-            </a:r>
-          </a:p>
-        </p:txBody>
-      </p:sp>
-    </p:spTree>
-    <p:extLst>
-      <p:ext uri="{BB962C8B-B14F-4D97-AF65-F5344CB8AC3E}">
-        <p14:creationId xmlns:p14="http://schemas.microsoft.com/office/powerpoint/2010/main" val="2525699211"/>
-      </p:ext>
-    </p:extLst>
-  </p:cSld>
-  <p:clrMapOvr>
-    <a:masterClrMapping/>
-  </p:clrMapOvr>
-</p:sld>
-</file>
-
-<file path=ppt/slides/slide41.xml><?xml version="1.0" encoding="utf-8"?>
-<p:sld xmlns:a="http://schemas.openxmlformats.org/drawingml/2006/main" xmlns:r="http://schemas.openxmlformats.org/officeDocument/2006/relationships" xmlns:p="http://schemas.openxmlformats.org/presentationml/2006/main">
-  <p:cSld>
-    <p:spTree>
-      <p:nvGrpSpPr>
-        <p:cNvPr id="1" name=""/>
-        <p:cNvGrpSpPr/>
-        <p:nvPr/>
-      </p:nvGrpSpPr>
-      <p:grpSpPr>
-        <a:xfrm>
-          <a:off x="0" y="0"/>
-          <a:ext cx="0" cy="0"/>
-          <a:chOff x="0" y="0"/>
-          <a:chExt cx="0" cy="0"/>
-        </a:xfrm>
-      </p:grpSpPr>
-      <p:sp>
-        <p:nvSpPr>
-          <p:cNvPr id="2" name="Title 1"/>
-          <p:cNvSpPr>
-            <a:spLocks noGrp="1"/>
-          </p:cNvSpPr>
-          <p:nvPr>
-            <p:ph type="title"/>
-          </p:nvPr>
-        </p:nvSpPr>
-        <p:spPr>
-          <a:xfrm>
-            <a:off x="584200" y="221992"/>
-            <a:ext cx="10515600" cy="530954"/>
-          </a:xfrm>
-        </p:spPr>
-        <p:txBody>
-          <a:bodyPr>
-            <a:normAutofit fontScale="90000"/>
-          </a:bodyPr>
-          <a:lstStyle/>
-          <a:p>
-            <a:r>
-              <a:rPr lang="en-US"/>
-              <a:t>Summary</a:t>
-            </a:r>
-            <a:endParaRPr lang="en-US" dirty="0"/>
-          </a:p>
-        </p:txBody>
-      </p:sp>
-      <p:sp>
-        <p:nvSpPr>
-          <p:cNvPr id="3" name="Content Placeholder 2"/>
-          <p:cNvSpPr>
-            <a:spLocks noGrp="1"/>
-          </p:cNvSpPr>
-          <p:nvPr>
-            <p:ph sz="quarter" idx="10"/>
-          </p:nvPr>
-        </p:nvSpPr>
-        <p:spPr>
-          <a:xfrm>
-            <a:off x="333375" y="1031357"/>
-            <a:ext cx="11525250" cy="5155109"/>
-          </a:xfrm>
-        </p:spPr>
-        <p:txBody>
-          <a:bodyPr>
-            <a:normAutofit/>
-          </a:bodyPr>
-          <a:lstStyle/>
-          <a:p>
-            <a:pPr marL="0" indent="0">
-              <a:buNone/>
-            </a:pPr>
-            <a:r>
-              <a:rPr lang="en-US" dirty="0">
-                <a:latin typeface="+mn-lt"/>
-              </a:rPr>
-              <a:t>Dimensionality reduction is widely used in data mining</a:t>
-            </a:r>
-          </a:p>
-          <a:p>
-            <a:r>
-              <a:rPr lang="en-US" dirty="0">
-                <a:latin typeface="+mn-lt"/>
-              </a:rPr>
-              <a:t>Introduction to dimensionality reduction </a:t>
-            </a:r>
-          </a:p>
-          <a:p>
-            <a:r>
-              <a:rPr lang="en-US" dirty="0">
-                <a:latin typeface="+mn-lt"/>
-              </a:rPr>
-              <a:t>Principle component analysis (PCA)</a:t>
-            </a:r>
-          </a:p>
-          <a:p>
-            <a:r>
-              <a:rPr lang="en-US" dirty="0">
-                <a:latin typeface="+mn-lt"/>
-              </a:rPr>
-              <a:t>Singular value decomposition (SVD)</a:t>
-            </a:r>
-          </a:p>
-          <a:p>
-            <a:r>
-              <a:rPr lang="en-US" dirty="0">
-                <a:latin typeface="+mn-lt"/>
-              </a:rPr>
-              <a:t>Kernel principle component analysis for non-linear projection    </a:t>
-            </a:r>
-          </a:p>
-        </p:txBody>
-      </p:sp>
-    </p:spTree>
-    <p:extLst>
-      <p:ext uri="{BB962C8B-B14F-4D97-AF65-F5344CB8AC3E}">
-        <p14:creationId xmlns:p14="http://schemas.microsoft.com/office/powerpoint/2010/main" val="1650401116"/>
-      </p:ext>
-    </p:extLst>
-  </p:cSld>
-  <p:clrMapOvr>
-    <a:masterClrMapping/>
-  </p:clrMapOvr>
-</p:sld>
-</file>
-
-<file path=ppt/slides/slide5.xml><?xml version="1.0" encoding="utf-8"?>
+<file path=ppt/slides/slide6.xml><?xml version="1.0" encoding="utf-8"?>
 <p:sld xmlns:a="http://schemas.openxmlformats.org/drawingml/2006/main" xmlns:r="http://schemas.openxmlformats.org/officeDocument/2006/relationships" xmlns:p="http://schemas.openxmlformats.org/presentationml/2006/main">
   <p:cSld>
     <p:spTree>
@@ -34150,8 +35192,8 @@
           </a:p>
         </p:txBody>
       </p:sp>
-      <mc:AlternateContent xmlns:mc="http://schemas.openxmlformats.org/markup-compatibility/2006" xmlns:a14="http://schemas.microsoft.com/office/drawing/2010/main">
-        <mc:Choice Requires="a14">
+      <mc:AlternateContent xmlns:mc="http://schemas.openxmlformats.org/markup-compatibility/2006">
+        <mc:Choice xmlns:a14="http://schemas.microsoft.com/office/drawing/2010/main" Requires="a14">
           <p:sp>
             <p:nvSpPr>
               <p:cNvPr id="3" name="Content Placeholder 2"/>
@@ -34202,7 +35244,7 @@
                   <a:rPr lang="en-US" dirty="0">
                     <a:latin typeface="+mn-lt"/>
                   </a:rPr>
-                  <a:t>, consider the expected value of a zero-centered vector in high-dimensional space, </a:t>
+                  <a:t>, consider the expected value of a zero-centered vector random variable in high-dimensional space, </a:t>
                 </a:r>
                 <a14:m>
                   <m:oMath xmlns:m="http://schemas.openxmlformats.org/officeDocument/2006/math">
@@ -34598,14 +35640,14 @@
                         <m:sSup>
                           <m:sSupPr>
                             <m:ctrlPr>
-                              <a:rPr lang="en-US" b="0" i="1" smtClean="0">
+                              <a:rPr lang="en-US" i="1">
                                 <a:latin typeface="Cambria Math" panose="02040503050406030204" pitchFamily="18" charset="0"/>
                               </a:rPr>
                             </m:ctrlPr>
                           </m:sSupPr>
                           <m:e>
                             <m:r>
-                              <a:rPr lang="en-US" b="0" i="1" smtClean="0">
+                              <a:rPr lang="en-US" i="1">
                                 <a:latin typeface="Cambria Math" panose="02040503050406030204" pitchFamily="18" charset="0"/>
                                 <a:ea typeface="Cambria Math" panose="02040503050406030204" pitchFamily="18" charset="0"/>
                               </a:rPr>
@@ -34614,7 +35656,7 @@
                           </m:e>
                           <m:sup>
                             <m:r>
-                              <a:rPr lang="en-US" b="0" i="1" smtClean="0">
+                              <a:rPr lang="en-US" i="1">
                                 <a:latin typeface="Cambria Math" panose="02040503050406030204" pitchFamily="18" charset="0"/>
                               </a:rPr>
                               <m:t>2</m:t>
@@ -34697,25 +35739,12 @@
                 </a:r>
                 <a14:m>
                   <m:oMath xmlns:m="http://schemas.openxmlformats.org/officeDocument/2006/math">
-                    <m:rad>
-                      <m:radPr>
-                        <m:degHide m:val="on"/>
-                        <m:ctrlPr>
-                          <a:rPr lang="en-US" i="1" smtClean="0">
-                            <a:latin typeface="Cambria Math" panose="02040503050406030204" pitchFamily="18" charset="0"/>
-                          </a:rPr>
-                        </m:ctrlPr>
-                      </m:radPr>
-                      <m:deg/>
-                      <m:e>
-                        <m:r>
-                          <a:rPr lang="en-US" b="0" i="1" smtClean="0">
-                            <a:latin typeface="Cambria Math" panose="02040503050406030204" pitchFamily="18" charset="0"/>
-                          </a:rPr>
-                          <m:t>𝑁</m:t>
-                        </m:r>
-                      </m:e>
-                    </m:rad>
+                    <m:r>
+                      <a:rPr lang="en-US" b="0" i="1" smtClean="0">
+                        <a:latin typeface="Cambria Math" panose="02040503050406030204" pitchFamily="18" charset="0"/>
+                      </a:rPr>
+                      <m:t>1</m:t>
+                    </m:r>
                   </m:oMath>
                 </a14:m>
                 <a:endParaRPr lang="en-US" dirty="0">
@@ -34733,7 +35762,7 @@
             </p:txBody>
           </p:sp>
         </mc:Choice>
-        <mc:Fallback xmlns="">
+        <mc:Fallback>
           <p:sp>
             <p:nvSpPr>
               <p:cNvPr id="3" name="Content Placeholder 2"/>
@@ -35134,7 +36163,7 @@
 </p:sld>
 </file>
 
-<file path=ppt/slides/slide6.xml><?xml version="1.0" encoding="utf-8"?>
+<file path=ppt/slides/slide7.xml><?xml version="1.0" encoding="utf-8"?>
 <p:sld xmlns:a="http://schemas.openxmlformats.org/drawingml/2006/main" xmlns:r="http://schemas.openxmlformats.org/officeDocument/2006/relationships" xmlns:p="http://schemas.openxmlformats.org/presentationml/2006/main">
   <p:cSld>
     <p:spTree>
@@ -35186,8 +36215,8 @@
           </a:p>
         </p:txBody>
       </p:sp>
-      <mc:AlternateContent xmlns:mc="http://schemas.openxmlformats.org/markup-compatibility/2006" xmlns:a14="http://schemas.microsoft.com/office/drawing/2010/main">
-        <mc:Choice Requires="a14">
+      <mc:AlternateContent xmlns:mc="http://schemas.openxmlformats.org/markup-compatibility/2006">
+        <mc:Choice xmlns:a14="http://schemas.microsoft.com/office/drawing/2010/main" Requires="a14">
           <p:sp>
             <p:nvSpPr>
               <p:cNvPr id="3" name="Content Placeholder 2"/>
@@ -35266,10 +36295,11 @@
                       <m:deg/>
                       <m:e>
                         <m:r>
-                          <a:rPr lang="en-US" b="0" i="1" smtClean="0">
+                          <a:rPr lang="en-US" i="1">
                             <a:latin typeface="Cambria Math" panose="02040503050406030204" pitchFamily="18" charset="0"/>
+                            <a:ea typeface="Cambria Math" panose="02040503050406030204" pitchFamily="18" charset="0"/>
                           </a:rPr>
-                          <m:t>𝑁</m:t>
+                          <m:t>𝜌</m:t>
                         </m:r>
                       </m:e>
                     </m:rad>
@@ -35306,7 +36336,7 @@
             </p:txBody>
           </p:sp>
         </mc:Choice>
-        <mc:Fallback xmlns="">
+        <mc:Fallback>
           <p:sp>
             <p:nvSpPr>
               <p:cNvPr id="3" name="Content Placeholder 2"/>
@@ -35387,7 +36417,7 @@
 </p:sld>
 </file>
 
-<file path=ppt/slides/slide7.xml><?xml version="1.0" encoding="utf-8"?>
+<file path=ppt/slides/slide8.xml><?xml version="1.0" encoding="utf-8"?>
 <p:sld xmlns:a="http://schemas.openxmlformats.org/drawingml/2006/main" xmlns:r="http://schemas.openxmlformats.org/officeDocument/2006/relationships" xmlns:p="http://schemas.openxmlformats.org/presentationml/2006/main">
   <p:cSld>
     <p:spTree>
@@ -36047,12 +37077,18 @@
 </p:sld>
 </file>
 
-<file path=ppt/slides/slide8.xml><?xml version="1.0" encoding="utf-8"?>
+<file path=ppt/slides/slide9.xml><?xml version="1.0" encoding="utf-8"?>
 <p:sld xmlns:a="http://schemas.openxmlformats.org/drawingml/2006/main" xmlns:r="http://schemas.openxmlformats.org/officeDocument/2006/relationships" xmlns:p="http://schemas.openxmlformats.org/presentationml/2006/main">
   <p:cSld>
     <p:spTree>
       <p:nvGrpSpPr>
-        <p:cNvPr id="1" name=""/>
+        <p:cNvPr id="1" name="">
+          <a:extLst>
+            <a:ext uri="{FF2B5EF4-FFF2-40B4-BE49-F238E27FC236}">
+              <a16:creationId xmlns:a16="http://schemas.microsoft.com/office/drawing/2014/main" id="{A7F30B8A-5891-0280-B0A3-C36731DEA6E9}"/>
+            </a:ext>
+          </a:extLst>
+        </p:cNvPr>
         <p:cNvGrpSpPr/>
         <p:nvPr/>
       </p:nvGrpSpPr>
@@ -36069,7 +37105,7 @@
           <p:cNvPr id="2" name="Title 1">
             <a:extLst>
               <a:ext uri="{FF2B5EF4-FFF2-40B4-BE49-F238E27FC236}">
-                <a16:creationId xmlns:a16="http://schemas.microsoft.com/office/drawing/2014/main" id="{270C7CAC-5294-64ED-E39A-8FF1A1B683B3}"/>
+                <a16:creationId xmlns:a16="http://schemas.microsoft.com/office/drawing/2014/main" id="{9F6A40B2-FCEF-213D-AE59-616CB2AAE74D}"/>
               </a:ext>
             </a:extLst>
           </p:cNvPr>
@@ -36099,494 +37135,13 @@
     </p:spTree>
     <p:extLst>
       <p:ext uri="{BB962C8B-B14F-4D97-AF65-F5344CB8AC3E}">
-        <p14:creationId xmlns:p14="http://schemas.microsoft.com/office/powerpoint/2010/main" val="1888762132"/>
+        <p14:creationId xmlns:p14="http://schemas.microsoft.com/office/powerpoint/2010/main" val="1099458492"/>
       </p:ext>
     </p:extLst>
   </p:cSld>
   <p:clrMapOvr>
     <a:masterClrMapping/>
   </p:clrMapOvr>
-</p:sld>
-</file>
-
-<file path=ppt/slides/slide9.xml><?xml version="1.0" encoding="utf-8"?>
-<p:sld xmlns:a="http://schemas.openxmlformats.org/drawingml/2006/main" xmlns:r="http://schemas.openxmlformats.org/officeDocument/2006/relationships" xmlns:p="http://schemas.openxmlformats.org/presentationml/2006/main">
-  <p:cSld>
-    <p:spTree>
-      <p:nvGrpSpPr>
-        <p:cNvPr id="1" name=""/>
-        <p:cNvGrpSpPr/>
-        <p:nvPr/>
-      </p:nvGrpSpPr>
-      <p:grpSpPr>
-        <a:xfrm>
-          <a:off x="0" y="0"/>
-          <a:ext cx="0" cy="0"/>
-          <a:chOff x="0" y="0"/>
-          <a:chExt cx="0" cy="0"/>
-        </a:xfrm>
-      </p:grpSpPr>
-      <p:sp>
-        <p:nvSpPr>
-          <p:cNvPr id="2" name="Title 1"/>
-          <p:cNvSpPr>
-            <a:spLocks noGrp="1"/>
-          </p:cNvSpPr>
-          <p:nvPr>
-            <p:ph type="title"/>
-          </p:nvPr>
-        </p:nvSpPr>
-        <p:spPr>
-          <a:xfrm>
-            <a:off x="584200" y="221992"/>
-            <a:ext cx="10515600" cy="530954"/>
-          </a:xfrm>
-        </p:spPr>
-        <p:txBody>
-          <a:bodyPr>
-            <a:normAutofit fontScale="90000"/>
-          </a:bodyPr>
-          <a:lstStyle/>
-          <a:p>
-            <a:r>
-              <a:rPr lang="en-US" dirty="0"/>
-              <a:t>Introduction to Dimensionality Reduction</a:t>
-            </a:r>
-          </a:p>
-        </p:txBody>
-      </p:sp>
-      <p:sp>
-        <p:nvSpPr>
-          <p:cNvPr id="3" name="Content Placeholder 2"/>
-          <p:cNvSpPr>
-            <a:spLocks noGrp="1"/>
-          </p:cNvSpPr>
-          <p:nvPr>
-            <p:ph sz="quarter" idx="10"/>
-          </p:nvPr>
-        </p:nvSpPr>
-        <p:spPr>
-          <a:xfrm>
-            <a:off x="333375" y="1031357"/>
-            <a:ext cx="11525250" cy="5155109"/>
-          </a:xfrm>
-        </p:spPr>
-        <p:txBody>
-          <a:bodyPr>
-            <a:normAutofit/>
-          </a:bodyPr>
-          <a:lstStyle/>
-          <a:p>
-            <a:pPr marL="0" indent="0">
-              <a:buNone/>
-            </a:pPr>
-            <a:r>
-              <a:rPr lang="en-US" dirty="0">
-                <a:latin typeface="+mn-lt"/>
-              </a:rPr>
-              <a:t>Dimensionality reduction is widely used in data mining</a:t>
-            </a:r>
-          </a:p>
-          <a:p>
-            <a:r>
-              <a:rPr lang="en-US" dirty="0">
-                <a:latin typeface="+mn-lt"/>
-              </a:rPr>
-              <a:t>Human understanding of high dimensional spaces is difficult at best  </a:t>
-            </a:r>
-          </a:p>
-          <a:p>
-            <a:pPr lvl="1"/>
-            <a:r>
-              <a:rPr lang="en-US" dirty="0">
-                <a:latin typeface="+mn-lt"/>
-              </a:rPr>
-              <a:t>For most people, perception of data relationships starts to diminish beyond about four or five dimensions  </a:t>
-            </a:r>
-          </a:p>
-          <a:p>
-            <a:pPr lvl="1"/>
-            <a:r>
-              <a:rPr lang="en-US" dirty="0">
-                <a:latin typeface="+mn-lt"/>
-              </a:rPr>
-              <a:t>Exploration of complex spaces can be aided by projection into lower dimensional space  </a:t>
-            </a:r>
-          </a:p>
-          <a:p>
-            <a:r>
-              <a:rPr lang="en-US" sz="2800" dirty="0">
-                <a:latin typeface="+mn-lt"/>
-              </a:rPr>
-              <a:t>Most algorithms converge better in lower dimensional spaces </a:t>
-            </a:r>
-          </a:p>
-          <a:p>
-            <a:pPr lvl="1"/>
-            <a:r>
-              <a:rPr lang="en-US" dirty="0">
-                <a:latin typeface="+mn-lt"/>
-              </a:rPr>
-              <a:t>High dimensional spaces can lead to over-fitting of data mining algorithms </a:t>
-            </a:r>
-          </a:p>
-          <a:p>
-            <a:pPr lvl="1"/>
-            <a:r>
-              <a:rPr lang="en-US" dirty="0">
-                <a:latin typeface="+mn-lt"/>
-              </a:rPr>
-              <a:t>Example: clustering in high dimensional spaces can lead to fragmentation</a:t>
-            </a:r>
-          </a:p>
-          <a:p>
-            <a:pPr lvl="1"/>
-            <a:r>
-              <a:rPr lang="en-US" dirty="0">
-                <a:latin typeface="+mn-lt"/>
-              </a:rPr>
-              <a:t>Dimensionality reduction can improve results   </a:t>
-            </a:r>
-          </a:p>
-          <a:p>
-            <a:pPr lvl="1"/>
-            <a:r>
-              <a:rPr lang="en-US" dirty="0">
-                <a:latin typeface="+mn-lt"/>
-              </a:rPr>
-              <a:t>Example; spectral clustering uses projection to lower dimensional space  </a:t>
-            </a:r>
-          </a:p>
-          <a:p>
-            <a:pPr lvl="1"/>
-            <a:endParaRPr lang="en-US" dirty="0"/>
-          </a:p>
-        </p:txBody>
-      </p:sp>
-    </p:spTree>
-    <p:extLst>
-      <p:ext uri="{BB962C8B-B14F-4D97-AF65-F5344CB8AC3E}">
-        <p14:creationId xmlns:p14="http://schemas.microsoft.com/office/powerpoint/2010/main" val="3582821850"/>
-      </p:ext>
-    </p:extLst>
-  </p:cSld>
-  <p:clrMapOvr>
-    <a:masterClrMapping/>
-  </p:clrMapOvr>
-  <p:timing>
-    <p:tnLst>
-      <p:par>
-        <p:cTn id="1" dur="indefinite" restart="never" nodeType="tmRoot">
-          <p:childTnLst>
-            <p:seq concurrent="1" nextAc="seek">
-              <p:cTn id="2" dur="indefinite" nodeType="mainSeq">
-                <p:childTnLst>
-                  <p:par>
-                    <p:cTn id="3" fill="hold">
-                      <p:stCondLst>
-                        <p:cond delay="indefinite"/>
-                      </p:stCondLst>
-                      <p:childTnLst>
-                        <p:par>
-                          <p:cTn id="4" fill="hold">
-                            <p:stCondLst>
-                              <p:cond delay="0"/>
-                            </p:stCondLst>
-                            <p:childTnLst>
-                              <p:par>
-                                <p:cTn id="5" presetID="1" presetClass="entr" presetSubtype="0" fill="hold" nodeType="clickEffect">
-                                  <p:stCondLst>
-                                    <p:cond delay="0"/>
-                                  </p:stCondLst>
-                                  <p:childTnLst>
-                                    <p:set>
-                                      <p:cBhvr>
-                                        <p:cTn id="6" dur="1" fill="hold">
-                                          <p:stCondLst>
-                                            <p:cond delay="0"/>
-                                          </p:stCondLst>
-                                        </p:cTn>
-                                        <p:tgtEl>
-                                          <p:spTgt spid="3">
-                                            <p:txEl>
-                                              <p:pRg st="1" end="1"/>
-                                            </p:txEl>
-                                          </p:spTgt>
-                                        </p:tgtEl>
-                                        <p:attrNameLst>
-                                          <p:attrName>style.visibility</p:attrName>
-                                        </p:attrNameLst>
-                                      </p:cBhvr>
-                                      <p:to>
-                                        <p:strVal val="visible"/>
-                                      </p:to>
-                                    </p:set>
-                                  </p:childTnLst>
-                                </p:cTn>
-                              </p:par>
-                              <p:par>
-                                <p:cTn id="7" presetID="1" presetClass="entr" presetSubtype="0" fill="hold" nodeType="withEffect">
-                                  <p:stCondLst>
-                                    <p:cond delay="0"/>
-                                  </p:stCondLst>
-                                  <p:childTnLst>
-                                    <p:set>
-                                      <p:cBhvr>
-                                        <p:cTn id="8" dur="1" fill="hold">
-                                          <p:stCondLst>
-                                            <p:cond delay="0"/>
-                                          </p:stCondLst>
-                                        </p:cTn>
-                                        <p:tgtEl>
-                                          <p:spTgt spid="3">
-                                            <p:txEl>
-                                              <p:pRg st="2" end="2"/>
-                                            </p:txEl>
-                                          </p:spTgt>
-                                        </p:tgtEl>
-                                        <p:attrNameLst>
-                                          <p:attrName>style.visibility</p:attrName>
-                                        </p:attrNameLst>
-                                      </p:cBhvr>
-                                      <p:to>
-                                        <p:strVal val="visible"/>
-                                      </p:to>
-                                    </p:set>
-                                  </p:childTnLst>
-                                </p:cTn>
-                              </p:par>
-                              <p:par>
-                                <p:cTn id="9" presetID="1" presetClass="entr" presetSubtype="0" fill="hold" nodeType="withEffect">
-                                  <p:stCondLst>
-                                    <p:cond delay="0"/>
-                                  </p:stCondLst>
-                                  <p:childTnLst>
-                                    <p:set>
-                                      <p:cBhvr>
-                                        <p:cTn id="10" dur="1" fill="hold">
-                                          <p:stCondLst>
-                                            <p:cond delay="0"/>
-                                          </p:stCondLst>
-                                        </p:cTn>
-                                        <p:tgtEl>
-                                          <p:spTgt spid="3">
-                                            <p:txEl>
-                                              <p:pRg st="3" end="3"/>
-                                            </p:txEl>
-                                          </p:spTgt>
-                                        </p:tgtEl>
-                                        <p:attrNameLst>
-                                          <p:attrName>style.visibility</p:attrName>
-                                        </p:attrNameLst>
-                                      </p:cBhvr>
-                                      <p:to>
-                                        <p:strVal val="visible"/>
-                                      </p:to>
-                                    </p:set>
-                                  </p:childTnLst>
-                                </p:cTn>
-                              </p:par>
-                            </p:childTnLst>
-                          </p:cTn>
-                        </p:par>
-                      </p:childTnLst>
-                    </p:cTn>
-                  </p:par>
-                  <p:par>
-                    <p:cTn id="11" fill="hold">
-                      <p:stCondLst>
-                        <p:cond delay="indefinite"/>
-                      </p:stCondLst>
-                      <p:childTnLst>
-                        <p:par>
-                          <p:cTn id="12" fill="hold">
-                            <p:stCondLst>
-                              <p:cond delay="0"/>
-                            </p:stCondLst>
-                            <p:childTnLst>
-                              <p:par>
-                                <p:cTn id="13" presetID="1" presetClass="entr" presetSubtype="0" fill="hold" nodeType="clickEffect">
-                                  <p:stCondLst>
-                                    <p:cond delay="0"/>
-                                  </p:stCondLst>
-                                  <p:childTnLst>
-                                    <p:set>
-                                      <p:cBhvr>
-                                        <p:cTn id="14" dur="1" fill="hold">
-                                          <p:stCondLst>
-                                            <p:cond delay="0"/>
-                                          </p:stCondLst>
-                                        </p:cTn>
-                                        <p:tgtEl>
-                                          <p:spTgt spid="3">
-                                            <p:txEl>
-                                              <p:pRg st="4" end="4"/>
-                                            </p:txEl>
-                                          </p:spTgt>
-                                        </p:tgtEl>
-                                        <p:attrNameLst>
-                                          <p:attrName>style.visibility</p:attrName>
-                                        </p:attrNameLst>
-                                      </p:cBhvr>
-                                      <p:to>
-                                        <p:strVal val="visible"/>
-                                      </p:to>
-                                    </p:set>
-                                  </p:childTnLst>
-                                </p:cTn>
-                              </p:par>
-                              <p:par>
-                                <p:cTn id="15" presetID="1" presetClass="entr" presetSubtype="0" fill="hold" nodeType="withEffect">
-                                  <p:stCondLst>
-                                    <p:cond delay="0"/>
-                                  </p:stCondLst>
-                                  <p:childTnLst>
-                                    <p:set>
-                                      <p:cBhvr>
-                                        <p:cTn id="16" dur="1" fill="hold">
-                                          <p:stCondLst>
-                                            <p:cond delay="0"/>
-                                          </p:stCondLst>
-                                        </p:cTn>
-                                        <p:tgtEl>
-                                          <p:spTgt spid="3">
-                                            <p:txEl>
-                                              <p:pRg st="5" end="5"/>
-                                            </p:txEl>
-                                          </p:spTgt>
-                                        </p:tgtEl>
-                                        <p:attrNameLst>
-                                          <p:attrName>style.visibility</p:attrName>
-                                        </p:attrNameLst>
-                                      </p:cBhvr>
-                                      <p:to>
-                                        <p:strVal val="visible"/>
-                                      </p:to>
-                                    </p:set>
-                                  </p:childTnLst>
-                                </p:cTn>
-                              </p:par>
-                              <p:par>
-                                <p:cTn id="17" presetID="1" presetClass="entr" presetSubtype="0" fill="hold" nodeType="withEffect">
-                                  <p:stCondLst>
-                                    <p:cond delay="0"/>
-                                  </p:stCondLst>
-                                  <p:childTnLst>
-                                    <p:set>
-                                      <p:cBhvr>
-                                        <p:cTn id="18" dur="1" fill="hold">
-                                          <p:stCondLst>
-                                            <p:cond delay="0"/>
-                                          </p:stCondLst>
-                                        </p:cTn>
-                                        <p:tgtEl>
-                                          <p:spTgt spid="3">
-                                            <p:txEl>
-                                              <p:pRg st="6" end="6"/>
-                                            </p:txEl>
-                                          </p:spTgt>
-                                        </p:tgtEl>
-                                        <p:attrNameLst>
-                                          <p:attrName>style.visibility</p:attrName>
-                                        </p:attrNameLst>
-                                      </p:cBhvr>
-                                      <p:to>
-                                        <p:strVal val="visible"/>
-                                      </p:to>
-                                    </p:set>
-                                  </p:childTnLst>
-                                </p:cTn>
-                              </p:par>
-                              <p:par>
-                                <p:cTn id="19" presetID="1" presetClass="entr" presetSubtype="0" fill="hold" nodeType="withEffect">
-                                  <p:stCondLst>
-                                    <p:cond delay="0"/>
-                                  </p:stCondLst>
-                                  <p:childTnLst>
-                                    <p:set>
-                                      <p:cBhvr>
-                                        <p:cTn id="20" dur="1" fill="hold">
-                                          <p:stCondLst>
-                                            <p:cond delay="0"/>
-                                          </p:stCondLst>
-                                        </p:cTn>
-                                        <p:tgtEl>
-                                          <p:spTgt spid="3">
-                                            <p:txEl>
-                                              <p:pRg st="7" end="7"/>
-                                            </p:txEl>
-                                          </p:spTgt>
-                                        </p:tgtEl>
-                                        <p:attrNameLst>
-                                          <p:attrName>style.visibility</p:attrName>
-                                        </p:attrNameLst>
-                                      </p:cBhvr>
-                                      <p:to>
-                                        <p:strVal val="visible"/>
-                                      </p:to>
-                                    </p:set>
-                                  </p:childTnLst>
-                                </p:cTn>
-                              </p:par>
-                              <p:par>
-                                <p:cTn id="21" presetID="1" presetClass="entr" presetSubtype="0" fill="hold" nodeType="withEffect">
-                                  <p:stCondLst>
-                                    <p:cond delay="0"/>
-                                  </p:stCondLst>
-                                  <p:childTnLst>
-                                    <p:set>
-                                      <p:cBhvr>
-                                        <p:cTn id="22" dur="1" fill="hold">
-                                          <p:stCondLst>
-                                            <p:cond delay="0"/>
-                                          </p:stCondLst>
-                                        </p:cTn>
-                                        <p:tgtEl>
-                                          <p:spTgt spid="3">
-                                            <p:txEl>
-                                              <p:pRg st="8" end="8"/>
-                                            </p:txEl>
-                                          </p:spTgt>
-                                        </p:tgtEl>
-                                        <p:attrNameLst>
-                                          <p:attrName>style.visibility</p:attrName>
-                                        </p:attrNameLst>
-                                      </p:cBhvr>
-                                      <p:to>
-                                        <p:strVal val="visible"/>
-                                      </p:to>
-                                    </p:set>
-                                  </p:childTnLst>
-                                </p:cTn>
-                              </p:par>
-                            </p:childTnLst>
-                          </p:cTn>
-                        </p:par>
-                      </p:childTnLst>
-                    </p:cTn>
-                  </p:par>
-                </p:childTnLst>
-              </p:cTn>
-              <p:prevCondLst>
-                <p:cond evt="onPrev" delay="0">
-                  <p:tgtEl>
-                    <p:sldTgt/>
-                  </p:tgtEl>
-                </p:cond>
-              </p:prevCondLst>
-              <p:nextCondLst>
-                <p:cond evt="onNext" delay="0">
-                  <p:tgtEl>
-                    <p:sldTgt/>
-                  </p:tgtEl>
-                </p:cond>
-              </p:nextCondLst>
-            </p:seq>
-          </p:childTnLst>
-        </p:cTn>
-      </p:par>
-    </p:tnLst>
-  </p:timing>
 </p:sld>
 </file>
 

--- a/slides/11_DimensionalityReduction_Part1.pptx
+++ b/slides/11_DimensionalityReduction_Part1.pptx
@@ -13,9 +13,9 @@
     <p:sldId id="603" r:id="rId4"/>
     <p:sldId id="757" r:id="rId5"/>
     <p:sldId id="634" r:id="rId6"/>
-    <p:sldId id="746" r:id="rId7"/>
-    <p:sldId id="677" r:id="rId8"/>
-    <p:sldId id="755" r:id="rId9"/>
+    <p:sldId id="677" r:id="rId7"/>
+    <p:sldId id="755" r:id="rId8"/>
+    <p:sldId id="746" r:id="rId9"/>
     <p:sldId id="756" r:id="rId10"/>
     <p:sldId id="758" r:id="rId11"/>
     <p:sldId id="723" r:id="rId12"/>
@@ -239,7 +239,7 @@
           <a:p>
             <a:fld id="{ED460DB7-3564-4028-881B-4A225B453265}" type="datetimeFigureOut">
               <a:rPr lang="en-US" smtClean="0"/>
-              <a:t>4/15/2025</a:t>
+              <a:t>4/16/2025</a:t>
             </a:fld>
             <a:endParaRPr lang="en-US"/>
           </a:p>
@@ -2451,7 +2451,7 @@
     </p:spTree>
     <p:extLst>
       <p:ext uri="{BB962C8B-B14F-4D97-AF65-F5344CB8AC3E}">
-        <p14:creationId xmlns:p14="http://schemas.microsoft.com/office/powerpoint/2010/main" val="1665830831"/>
+        <p14:creationId xmlns:p14="http://schemas.microsoft.com/office/powerpoint/2010/main" val="2976857061"/>
       </p:ext>
     </p:extLst>
   </p:cSld>
@@ -2536,7 +2536,7 @@
     </p:spTree>
     <p:extLst>
       <p:ext uri="{BB962C8B-B14F-4D97-AF65-F5344CB8AC3E}">
-        <p14:creationId xmlns:p14="http://schemas.microsoft.com/office/powerpoint/2010/main" val="2976857061"/>
+        <p14:creationId xmlns:p14="http://schemas.microsoft.com/office/powerpoint/2010/main" val="2230216842"/>
       </p:ext>
     </p:extLst>
   </p:cSld>
@@ -2621,7 +2621,7 @@
     </p:spTree>
     <p:extLst>
       <p:ext uri="{BB962C8B-B14F-4D97-AF65-F5344CB8AC3E}">
-        <p14:creationId xmlns:p14="http://schemas.microsoft.com/office/powerpoint/2010/main" val="2230216842"/>
+        <p14:creationId xmlns:p14="http://schemas.microsoft.com/office/powerpoint/2010/main" val="1665830831"/>
       </p:ext>
     </p:extLst>
   </p:cSld>
@@ -3118,7 +3118,7 @@
           <a:p>
             <a:fld id="{C62B3463-61C8-4819-BC9A-C94FD847F060}" type="datetimeFigureOut">
               <a:rPr lang="en-US" smtClean="0"/>
-              <a:t>4/15/2025</a:t>
+              <a:t>4/16/2025</a:t>
             </a:fld>
             <a:endParaRPr lang="en-US"/>
           </a:p>
@@ -3316,7 +3316,7 @@
           <a:p>
             <a:fld id="{C62B3463-61C8-4819-BC9A-C94FD847F060}" type="datetimeFigureOut">
               <a:rPr lang="en-US" smtClean="0"/>
-              <a:t>4/15/2025</a:t>
+              <a:t>4/16/2025</a:t>
             </a:fld>
             <a:endParaRPr lang="en-US"/>
           </a:p>
@@ -3524,7 +3524,7 @@
           <a:p>
             <a:fld id="{C62B3463-61C8-4819-BC9A-C94FD847F060}" type="datetimeFigureOut">
               <a:rPr lang="en-US" smtClean="0"/>
-              <a:t>4/15/2025</a:t>
+              <a:t>4/16/2025</a:t>
             </a:fld>
             <a:endParaRPr lang="en-US"/>
           </a:p>
@@ -4287,7 +4287,7 @@
           <a:p>
             <a:fld id="{4ACD6B4E-9726-48B7-95FC-86DC5068328F}" type="datetimeFigureOut">
               <a:rPr lang="en-US" smtClean="0"/>
-              <a:t>4/15/2025</a:t>
+              <a:t>4/16/2025</a:t>
             </a:fld>
             <a:endParaRPr lang="en-US"/>
           </a:p>
@@ -4485,7 +4485,7 @@
           <a:p>
             <a:fld id="{C62B3463-61C8-4819-BC9A-C94FD847F060}" type="datetimeFigureOut">
               <a:rPr lang="en-US" smtClean="0"/>
-              <a:t>4/15/2025</a:t>
+              <a:t>4/16/2025</a:t>
             </a:fld>
             <a:endParaRPr lang="en-US"/>
           </a:p>
@@ -4760,7 +4760,7 @@
           <a:p>
             <a:fld id="{C62B3463-61C8-4819-BC9A-C94FD847F060}" type="datetimeFigureOut">
               <a:rPr lang="en-US" smtClean="0"/>
-              <a:t>4/15/2025</a:t>
+              <a:t>4/16/2025</a:t>
             </a:fld>
             <a:endParaRPr lang="en-US"/>
           </a:p>
@@ -5025,7 +5025,7 @@
           <a:p>
             <a:fld id="{C62B3463-61C8-4819-BC9A-C94FD847F060}" type="datetimeFigureOut">
               <a:rPr lang="en-US" smtClean="0"/>
-              <a:t>4/15/2025</a:t>
+              <a:t>4/16/2025</a:t>
             </a:fld>
             <a:endParaRPr lang="en-US"/>
           </a:p>
@@ -5437,7 +5437,7 @@
           <a:p>
             <a:fld id="{C62B3463-61C8-4819-BC9A-C94FD847F060}" type="datetimeFigureOut">
               <a:rPr lang="en-US" smtClean="0"/>
-              <a:t>4/15/2025</a:t>
+              <a:t>4/16/2025</a:t>
             </a:fld>
             <a:endParaRPr lang="en-US"/>
           </a:p>
@@ -5578,7 +5578,7 @@
           <a:p>
             <a:fld id="{C62B3463-61C8-4819-BC9A-C94FD847F060}" type="datetimeFigureOut">
               <a:rPr lang="en-US" smtClean="0"/>
-              <a:t>4/15/2025</a:t>
+              <a:t>4/16/2025</a:t>
             </a:fld>
             <a:endParaRPr lang="en-US"/>
           </a:p>
@@ -5691,7 +5691,7 @@
           <a:p>
             <a:fld id="{C62B3463-61C8-4819-BC9A-C94FD847F060}" type="datetimeFigureOut">
               <a:rPr lang="en-US" smtClean="0"/>
-              <a:t>4/15/2025</a:t>
+              <a:t>4/16/2025</a:t>
             </a:fld>
             <a:endParaRPr lang="en-US"/>
           </a:p>
@@ -6002,7 +6002,7 @@
           <a:p>
             <a:fld id="{C62B3463-61C8-4819-BC9A-C94FD847F060}" type="datetimeFigureOut">
               <a:rPr lang="en-US" smtClean="0"/>
-              <a:t>4/15/2025</a:t>
+              <a:t>4/16/2025</a:t>
             </a:fld>
             <a:endParaRPr lang="en-US"/>
           </a:p>
@@ -6290,7 +6290,7 @@
           <a:p>
             <a:fld id="{C62B3463-61C8-4819-BC9A-C94FD847F060}" type="datetimeFigureOut">
               <a:rPr lang="en-US" smtClean="0"/>
-              <a:t>4/15/2025</a:t>
+              <a:t>4/16/2025</a:t>
             </a:fld>
             <a:endParaRPr lang="en-US"/>
           </a:p>
@@ -6531,7 +6531,7 @@
           <a:p>
             <a:fld id="{C62B3463-61C8-4819-BC9A-C94FD847F060}" type="datetimeFigureOut">
               <a:rPr lang="en-US" smtClean="0"/>
-              <a:t>4/15/2025</a:t>
+              <a:t>4/16/2025</a:t>
             </a:fld>
             <a:endParaRPr lang="en-US"/>
           </a:p>
@@ -9133,8 +9133,8 @@
           </a:p>
         </p:txBody>
       </p:sp>
-      <mc:AlternateContent xmlns:mc="http://schemas.openxmlformats.org/markup-compatibility/2006">
-        <mc:Choice xmlns:a14="http://schemas.microsoft.com/office/drawing/2010/main" Requires="a14">
+      <mc:AlternateContent xmlns:mc="http://schemas.openxmlformats.org/markup-compatibility/2006" xmlns:a14="http://schemas.microsoft.com/office/drawing/2010/main">
+        <mc:Choice Requires="a14">
           <p:sp>
             <p:nvSpPr>
               <p:cNvPr id="3" name="Content Placeholder 2"/>
@@ -9190,7 +9190,7 @@
                   <m:oMath xmlns:m="http://schemas.openxmlformats.org/officeDocument/2006/math">
                     <m:r>
                       <a:rPr lang="en-US" i="1">
-                        <a:latin typeface="+mn-lt"/>
+                        <a:latin typeface="Cambria Math" panose="02040503050406030204" pitchFamily="18" charset="0"/>
                       </a:rPr>
                       <m:t>𝑝</m:t>
                     </m:r>
@@ -9206,7 +9206,7 @@
                   <m:oMath xmlns:m="http://schemas.openxmlformats.org/officeDocument/2006/math">
                     <m:r>
                       <a:rPr lang="en-US" i="1">
-                        <a:latin typeface="+mn-lt"/>
+                        <a:latin typeface="Cambria Math" panose="02040503050406030204" pitchFamily="18" charset="0"/>
                       </a:rPr>
                       <m:t>𝑙</m:t>
                     </m:r>
@@ -9407,7 +9407,7 @@
             </p:txBody>
           </p:sp>
         </mc:Choice>
-        <mc:Fallback>
+        <mc:Fallback xmlns="">
           <p:sp>
             <p:nvSpPr>
               <p:cNvPr id="3" name="Content Placeholder 2"/>
@@ -10971,8 +10971,8 @@
           </a:p>
         </p:txBody>
       </p:sp>
-      <mc:AlternateContent xmlns:mc="http://schemas.openxmlformats.org/markup-compatibility/2006">
-        <mc:Choice xmlns:a14="http://schemas.microsoft.com/office/drawing/2010/main" Requires="a14">
+      <mc:AlternateContent xmlns:mc="http://schemas.openxmlformats.org/markup-compatibility/2006" xmlns:a14="http://schemas.microsoft.com/office/drawing/2010/main">
+        <mc:Choice Requires="a14">
           <p:sp>
             <p:nvSpPr>
               <p:cNvPr id="3" name="Content Placeholder 2">
@@ -11411,7 +11411,7 @@
             </p:txBody>
           </p:sp>
         </mc:Choice>
-        <mc:Fallback>
+        <mc:Fallback xmlns="">
           <p:sp>
             <p:nvSpPr>
               <p:cNvPr id="3" name="Content Placeholder 2">
@@ -12362,8 +12362,8 @@
           </a:p>
         </p:txBody>
       </p:sp>
-      <mc:AlternateContent xmlns:mc="http://schemas.openxmlformats.org/markup-compatibility/2006">
-        <mc:Choice xmlns:a14="http://schemas.microsoft.com/office/drawing/2010/main" Requires="a14">
+      <mc:AlternateContent xmlns:mc="http://schemas.openxmlformats.org/markup-compatibility/2006" xmlns:a14="http://schemas.microsoft.com/office/drawing/2010/main">
+        <mc:Choice Requires="a14">
           <p:sp>
             <p:nvSpPr>
               <p:cNvPr id="3" name="Content Placeholder 2"/>
@@ -12531,7 +12531,7 @@
             </p:txBody>
           </p:sp>
         </mc:Choice>
-        <mc:Fallback>
+        <mc:Fallback xmlns="">
           <p:sp>
             <p:nvSpPr>
               <p:cNvPr id="3" name="Content Placeholder 2"/>
@@ -13822,19 +13822,7 @@
                   <a:rPr lang="en-US" dirty="0">
                     <a:cs typeface="Segoe UI" panose="020B0502040204020203" pitchFamily="34" charset="0"/>
                   </a:rPr>
-                  <a:t>PC in decreasing order of </a:t>
-                </a:r>
-                <a:r>
-                  <a:rPr lang="en-US" dirty="0" err="1">
-                    <a:cs typeface="Segoe UI" panose="020B0502040204020203" pitchFamily="34" charset="0"/>
-                  </a:rPr>
-                  <a:t>magnitudea</a:t>
-                </a:r>
-                <a:r>
-                  <a:rPr lang="en-US" dirty="0">
-                    <a:cs typeface="Segoe UI" panose="020B0502040204020203" pitchFamily="34" charset="0"/>
-                  </a:rPr>
-                  <a:t> of eigenvalues of </a:t>
+                  <a:t>PC in decreasing order of magnitude of eigenvalues of </a:t>
                 </a:r>
                 <a14:m>
                   <m:oMath xmlns:m="http://schemas.openxmlformats.org/officeDocument/2006/math">
@@ -15320,8 +15308,8 @@
           </a:p>
         </p:txBody>
       </p:sp>
-      <mc:AlternateContent xmlns:mc="http://schemas.openxmlformats.org/markup-compatibility/2006">
-        <mc:Choice xmlns:a14="http://schemas.microsoft.com/office/drawing/2010/main" Requires="a14">
+      <mc:AlternateContent xmlns:mc="http://schemas.openxmlformats.org/markup-compatibility/2006" xmlns:a14="http://schemas.microsoft.com/office/drawing/2010/main">
+        <mc:Choice Requires="a14">
           <p:sp>
             <p:nvSpPr>
               <p:cNvPr id="7" name="TextBox 6">
@@ -15368,7 +15356,7 @@
             </p:txBody>
           </p:sp>
         </mc:Choice>
-        <mc:Fallback>
+        <mc:Fallback xmlns="">
           <p:sp>
             <p:nvSpPr>
               <p:cNvPr id="7" name="TextBox 6">
@@ -16373,21 +16361,21 @@
                           <a:latin typeface="Cambria Math" panose="02040503050406030204" pitchFamily="18" charset="0"/>
                           <a:cs typeface="Segoe UI" panose="020B0502040204020203" pitchFamily="34" charset="0"/>
                         </a:rPr>
-                        <m:t>𝑝</m:t>
+                        <m:t>𝑙</m:t>
                       </m:r>
                       <m:r>
                         <a:rPr lang="en-US" b="0" i="1" smtClean="0">
                           <a:latin typeface="Cambria Math" panose="02040503050406030204" pitchFamily="18" charset="0"/>
                           <a:cs typeface="Segoe UI" panose="020B0502040204020203" pitchFamily="34" charset="0"/>
                         </a:rPr>
-                        <m:t>&gt;</m:t>
+                        <m:t>&lt;</m:t>
                       </m:r>
                       <m:r>
                         <a:rPr lang="en-US" b="0" i="1" smtClean="0">
                           <a:latin typeface="Cambria Math" panose="02040503050406030204" pitchFamily="18" charset="0"/>
                           <a:cs typeface="Segoe UI" panose="020B0502040204020203" pitchFamily="34" charset="0"/>
                         </a:rPr>
-                        <m:t>𝑙</m:t>
+                        <m:t>𝑝</m:t>
                       </m:r>
                       <m:r>
                         <a:rPr lang="en-US" b="0" i="1" smtClean="0">
@@ -16444,13 +16432,13 @@
                   <a:rPr lang="en-US" dirty="0">
                     <a:latin typeface="+mn-lt"/>
                   </a:rPr>
-                  <a:t>Appropriate only for </a:t>
+                  <a:t>Assumes </a:t>
                 </a:r>
                 <a:r>
                   <a:rPr lang="en-US" b="1" dirty="0">
                     <a:latin typeface="+mn-lt"/>
                   </a:rPr>
-                  <a:t>Euclidean space  </a:t>
+                  <a:t>Normally distributed variables </a:t>
                 </a:r>
               </a:p>
               <a:p>
@@ -27149,7 +27137,7 @@
               <a:rPr lang="en-US" dirty="0">
                 <a:latin typeface="+mn-lt"/>
               </a:rPr>
-              <a:t>Transform problem to a new space where observations are linearly separable </a:t>
+              <a:t>Transform problem to a new 3D space where observations are linearly separable </a:t>
             </a:r>
             <a:endParaRPr lang="en-US" sz="3300" dirty="0">
               <a:latin typeface="+mn-lt"/>
@@ -27402,7 +27390,7 @@
               <a:rPr lang="en-US" dirty="0">
                 <a:latin typeface="+mn-lt"/>
               </a:rPr>
-              <a:t>Observations are not linearly separable in the original feature space</a:t>
+              <a:t>Observations are not linearly separable in the original 2D feature space</a:t>
             </a:r>
           </a:p>
           <a:p>
@@ -30530,8 +30518,8 @@
           </a:p>
         </p:txBody>
       </p:sp>
-      <mc:AlternateContent xmlns:mc="http://schemas.openxmlformats.org/markup-compatibility/2006" xmlns:a14="http://schemas.microsoft.com/office/drawing/2010/main">
-        <mc:Choice Requires="a14">
+      <mc:AlternateContent xmlns:mc="http://schemas.openxmlformats.org/markup-compatibility/2006">
+        <mc:Choice xmlns:a14="http://schemas.microsoft.com/office/drawing/2010/main" Requires="a14">
           <p:sp>
             <p:nvSpPr>
               <p:cNvPr id="3" name="Content Placeholder 2"/>
@@ -32053,7 +32041,19 @@
                   <a:rPr lang="en-US" sz="3000" dirty="0">
                     <a:latin typeface="+mn-lt"/>
                   </a:rPr>
-                  <a:t>Instead use the kernel which only requires an inner product and an exponentiation</a:t>
+                  <a:t>Instead using a </a:t>
+                </a:r>
+                <a:r>
+                  <a:rPr lang="en-US" sz="3000" b="1" dirty="0">
+                    <a:latin typeface="+mn-lt"/>
+                  </a:rPr>
+                  <a:t>kernel only requires an inner product </a:t>
+                </a:r>
+                <a:r>
+                  <a:rPr lang="en-US" sz="3000" dirty="0">
+                    <a:latin typeface="+mn-lt"/>
+                  </a:rPr>
+                  <a:t>and an exponentiation</a:t>
                 </a:r>
               </a:p>
               <a:p>
@@ -32087,7 +32087,7 @@
             </p:txBody>
           </p:sp>
         </mc:Choice>
-        <mc:Fallback xmlns="">
+        <mc:Fallback>
           <p:sp>
             <p:nvSpPr>
               <p:cNvPr id="3" name="Content Placeholder 2"/>
@@ -32981,8 +32981,8 @@
           </a:p>
         </p:txBody>
       </p:sp>
-      <mc:AlternateContent xmlns:mc="http://schemas.openxmlformats.org/markup-compatibility/2006" xmlns:a14="http://schemas.microsoft.com/office/drawing/2010/main">
-        <mc:Choice Requires="a14">
+      <mc:AlternateContent xmlns:mc="http://schemas.openxmlformats.org/markup-compatibility/2006">
+        <mc:Choice xmlns:a14="http://schemas.microsoft.com/office/drawing/2010/main" Requires="a14">
           <p:sp>
             <p:nvSpPr>
               <p:cNvPr id="3" name="Content Placeholder 2"/>
@@ -33388,7 +33388,7 @@
                   <a:rPr lang="en-US" dirty="0">
                     <a:latin typeface="+mn-lt"/>
                   </a:rPr>
-                  <a:t>Weights, </a:t>
+                  <a:t>Minimize least squares error to learn weights, </a:t>
                 </a:r>
                 <a14:m>
                   <m:oMath xmlns:m="http://schemas.openxmlformats.org/officeDocument/2006/math">
@@ -33476,7 +33476,7 @@
                   <a:rPr lang="en-US" dirty="0">
                     <a:latin typeface="+mn-lt"/>
                   </a:rPr>
-                  <a:t> from basis functions are learned by minimizing least squares error  </a:t>
+                  <a:t> for basis functions</a:t>
                 </a:r>
               </a:p>
               <a:p>
@@ -33560,7 +33560,7 @@
             </p:txBody>
           </p:sp>
         </mc:Choice>
-        <mc:Fallback xmlns="">
+        <mc:Fallback>
           <p:sp>
             <p:nvSpPr>
               <p:cNvPr id="3" name="Content Placeholder 2"/>
@@ -34701,7 +34701,7 @@
               <a:rPr lang="en-US" dirty="0">
                 <a:latin typeface="+mn-lt"/>
               </a:rPr>
-              <a:t>Introduction to dimensionality reduction </a:t>
+              <a:t>Requirement for dimensionality reduction rooted in curse of dimensionality </a:t>
             </a:r>
           </a:p>
           <a:p>
@@ -34709,7 +34709,7 @@
               <a:rPr lang="en-US" dirty="0">
                 <a:latin typeface="+mn-lt"/>
               </a:rPr>
-              <a:t>Principle component analysis (PCA)</a:t>
+              <a:t>Principle component analysis (PCA), a linear projection </a:t>
             </a:r>
           </a:p>
           <a:p>
@@ -34717,7 +34717,7 @@
               <a:rPr lang="en-US" dirty="0">
                 <a:latin typeface="+mn-lt"/>
               </a:rPr>
-              <a:t>Singular value decomposition (SVD)</a:t>
+              <a:t>Singular value decomposition (SVD), efficient for large datasets</a:t>
             </a:r>
           </a:p>
           <a:p>
@@ -34725,7 +34725,19 @@
               <a:rPr lang="en-US" dirty="0">
                 <a:latin typeface="+mn-lt"/>
               </a:rPr>
-              <a:t>Kernel principle component analysis for non-linear projection    </a:t>
+              <a:t>Kernel principal component </a:t>
+            </a:r>
+            <a:r>
+              <a:rPr lang="en-US">
+                <a:latin typeface="+mn-lt"/>
+              </a:rPr>
+              <a:t>analysis provides </a:t>
+            </a:r>
+            <a:r>
+              <a:rPr lang="en-US" dirty="0">
+                <a:latin typeface="+mn-lt"/>
+              </a:rPr>
+              <a:t>non-linear projection    </a:t>
             </a:r>
           </a:p>
         </p:txBody>
@@ -34795,405 +34807,8 @@
           </a:p>
         </p:txBody>
       </p:sp>
-      <p:sp>
-        <p:nvSpPr>
-          <p:cNvPr id="3" name="Content Placeholder 2"/>
-          <p:cNvSpPr>
-            <a:spLocks noGrp="1"/>
-          </p:cNvSpPr>
-          <p:nvPr>
-            <p:ph sz="quarter" idx="10"/>
-          </p:nvPr>
-        </p:nvSpPr>
-        <p:spPr>
-          <a:xfrm>
-            <a:off x="537275" y="896079"/>
-            <a:ext cx="11321349" cy="5602877"/>
-          </a:xfrm>
-        </p:spPr>
-        <p:txBody>
-          <a:bodyPr>
-            <a:normAutofit/>
-          </a:bodyPr>
-          <a:lstStyle/>
-          <a:p>
-            <a:pPr marL="0" indent="0">
-              <a:buNone/>
-            </a:pPr>
-            <a:r>
-              <a:rPr lang="en-US" dirty="0">
-                <a:latin typeface="+mn-lt"/>
-              </a:rPr>
-              <a:t>The curse of dimensionality means that all clusters are the same in high dimensions</a:t>
-            </a:r>
-          </a:p>
-          <a:p>
-            <a:r>
-              <a:rPr lang="en-US" dirty="0">
-                <a:latin typeface="+mn-lt"/>
-              </a:rPr>
-              <a:t>Sampling density decreases exponentially   </a:t>
-            </a:r>
-          </a:p>
-          <a:p>
-            <a:r>
-              <a:rPr lang="en-US" dirty="0">
-                <a:latin typeface="+mn-lt"/>
-              </a:rPr>
-              <a:t>Distances converge to the same length in a high dimensional space  </a:t>
-            </a:r>
-          </a:p>
-          <a:p>
-            <a:r>
-              <a:rPr lang="en-US" sz="2800" dirty="0">
-                <a:latin typeface="+mn-lt"/>
-              </a:rPr>
-              <a:t>The choice of metric does not help </a:t>
-            </a:r>
-          </a:p>
-          <a:p>
-            <a:pPr lvl="1"/>
-            <a:r>
-              <a:rPr lang="en-US" b="1" dirty="0">
-                <a:latin typeface="+mn-lt"/>
-              </a:rPr>
-              <a:t>All distances are the same in high dimensions!  </a:t>
-            </a:r>
-          </a:p>
-          <a:p>
-            <a:r>
-              <a:rPr lang="en-US" dirty="0">
-                <a:latin typeface="+mn-lt"/>
-              </a:rPr>
-              <a:t>Implication is that high-dimensional cluster models are easy to overfit!!</a:t>
-            </a:r>
-          </a:p>
-        </p:txBody>
-      </p:sp>
-    </p:spTree>
-    <p:extLst>
-      <p:ext uri="{BB962C8B-B14F-4D97-AF65-F5344CB8AC3E}">
-        <p14:creationId xmlns:p14="http://schemas.microsoft.com/office/powerpoint/2010/main" val="3920829184"/>
-      </p:ext>
-    </p:extLst>
-  </p:cSld>
-  <p:clrMapOvr>
-    <a:masterClrMapping/>
-  </p:clrMapOvr>
-  <p:timing>
-    <p:tnLst>
-      <p:par>
-        <p:cTn id="1" dur="indefinite" restart="never" nodeType="tmRoot">
-          <p:childTnLst>
-            <p:seq concurrent="1" nextAc="seek">
-              <p:cTn id="2" dur="indefinite" nodeType="mainSeq">
-                <p:childTnLst>
-                  <p:par>
-                    <p:cTn id="3" fill="hold">
-                      <p:stCondLst>
-                        <p:cond delay="indefinite"/>
-                      </p:stCondLst>
-                      <p:childTnLst>
-                        <p:par>
-                          <p:cTn id="4" fill="hold">
-                            <p:stCondLst>
-                              <p:cond delay="0"/>
-                            </p:stCondLst>
-                            <p:childTnLst>
-                              <p:par>
-                                <p:cTn id="5" presetID="1" presetClass="entr" presetSubtype="0" fill="hold" nodeType="clickEffect">
-                                  <p:stCondLst>
-                                    <p:cond delay="0"/>
-                                  </p:stCondLst>
-                                  <p:childTnLst>
-                                    <p:set>
-                                      <p:cBhvr>
-                                        <p:cTn id="6" dur="1" fill="hold">
-                                          <p:stCondLst>
-                                            <p:cond delay="0"/>
-                                          </p:stCondLst>
-                                        </p:cTn>
-                                        <p:tgtEl>
-                                          <p:spTgt spid="3">
-                                            <p:txEl>
-                                              <p:pRg st="1" end="1"/>
-                                            </p:txEl>
-                                          </p:spTgt>
-                                        </p:tgtEl>
-                                        <p:attrNameLst>
-                                          <p:attrName>style.visibility</p:attrName>
-                                        </p:attrNameLst>
-                                      </p:cBhvr>
-                                      <p:to>
-                                        <p:strVal val="visible"/>
-                                      </p:to>
-                                    </p:set>
-                                  </p:childTnLst>
-                                </p:cTn>
-                              </p:par>
-                            </p:childTnLst>
-                          </p:cTn>
-                        </p:par>
-                      </p:childTnLst>
-                    </p:cTn>
-                  </p:par>
-                  <p:par>
-                    <p:cTn id="7" fill="hold">
-                      <p:stCondLst>
-                        <p:cond delay="indefinite"/>
-                      </p:stCondLst>
-                      <p:childTnLst>
-                        <p:par>
-                          <p:cTn id="8" fill="hold">
-                            <p:stCondLst>
-                              <p:cond delay="0"/>
-                            </p:stCondLst>
-                            <p:childTnLst>
-                              <p:par>
-                                <p:cTn id="9" presetID="1" presetClass="entr" presetSubtype="0" fill="hold" nodeType="clickEffect">
-                                  <p:stCondLst>
-                                    <p:cond delay="0"/>
-                                  </p:stCondLst>
-                                  <p:childTnLst>
-                                    <p:set>
-                                      <p:cBhvr>
-                                        <p:cTn id="10" dur="1" fill="hold">
-                                          <p:stCondLst>
-                                            <p:cond delay="0"/>
-                                          </p:stCondLst>
-                                        </p:cTn>
-                                        <p:tgtEl>
-                                          <p:spTgt spid="3">
-                                            <p:txEl>
-                                              <p:pRg st="2" end="2"/>
-                                            </p:txEl>
-                                          </p:spTgt>
-                                        </p:tgtEl>
-                                        <p:attrNameLst>
-                                          <p:attrName>style.visibility</p:attrName>
-                                        </p:attrNameLst>
-                                      </p:cBhvr>
-                                      <p:to>
-                                        <p:strVal val="visible"/>
-                                      </p:to>
-                                    </p:set>
-                                  </p:childTnLst>
-                                </p:cTn>
-                              </p:par>
-                            </p:childTnLst>
-                          </p:cTn>
-                        </p:par>
-                      </p:childTnLst>
-                    </p:cTn>
-                  </p:par>
-                  <p:par>
-                    <p:cTn id="11" fill="hold">
-                      <p:stCondLst>
-                        <p:cond delay="indefinite"/>
-                      </p:stCondLst>
-                      <p:childTnLst>
-                        <p:par>
-                          <p:cTn id="12" fill="hold">
-                            <p:stCondLst>
-                              <p:cond delay="0"/>
-                            </p:stCondLst>
-                            <p:childTnLst>
-                              <p:par>
-                                <p:cTn id="13" presetID="1" presetClass="entr" presetSubtype="0" fill="hold" nodeType="clickEffect">
-                                  <p:stCondLst>
-                                    <p:cond delay="0"/>
-                                  </p:stCondLst>
-                                  <p:childTnLst>
-                                    <p:set>
-                                      <p:cBhvr>
-                                        <p:cTn id="14" dur="1" fill="hold">
-                                          <p:stCondLst>
-                                            <p:cond delay="0"/>
-                                          </p:stCondLst>
-                                        </p:cTn>
-                                        <p:tgtEl>
-                                          <p:spTgt spid="3">
-                                            <p:txEl>
-                                              <p:pRg st="3" end="3"/>
-                                            </p:txEl>
-                                          </p:spTgt>
-                                        </p:tgtEl>
-                                        <p:attrNameLst>
-                                          <p:attrName>style.visibility</p:attrName>
-                                        </p:attrNameLst>
-                                      </p:cBhvr>
-                                      <p:to>
-                                        <p:strVal val="visible"/>
-                                      </p:to>
-                                    </p:set>
-                                  </p:childTnLst>
-                                </p:cTn>
-                              </p:par>
-                              <p:par>
-                                <p:cTn id="15" presetID="1" presetClass="entr" presetSubtype="0" fill="hold" nodeType="withEffect">
-                                  <p:stCondLst>
-                                    <p:cond delay="0"/>
-                                  </p:stCondLst>
-                                  <p:childTnLst>
-                                    <p:set>
-                                      <p:cBhvr>
-                                        <p:cTn id="16" dur="1" fill="hold">
-                                          <p:stCondLst>
-                                            <p:cond delay="0"/>
-                                          </p:stCondLst>
-                                        </p:cTn>
-                                        <p:tgtEl>
-                                          <p:spTgt spid="3">
-                                            <p:txEl>
-                                              <p:pRg st="4" end="4"/>
-                                            </p:txEl>
-                                          </p:spTgt>
-                                        </p:tgtEl>
-                                        <p:attrNameLst>
-                                          <p:attrName>style.visibility</p:attrName>
-                                        </p:attrNameLst>
-                                      </p:cBhvr>
-                                      <p:to>
-                                        <p:strVal val="visible"/>
-                                      </p:to>
-                                    </p:set>
-                                  </p:childTnLst>
-                                </p:cTn>
-                              </p:par>
-                            </p:childTnLst>
-                          </p:cTn>
-                        </p:par>
-                      </p:childTnLst>
-                    </p:cTn>
-                  </p:par>
-                  <p:par>
-                    <p:cTn id="17" fill="hold">
-                      <p:stCondLst>
-                        <p:cond delay="indefinite"/>
-                      </p:stCondLst>
-                      <p:childTnLst>
-                        <p:par>
-                          <p:cTn id="18" fill="hold">
-                            <p:stCondLst>
-                              <p:cond delay="0"/>
-                            </p:stCondLst>
-                            <p:childTnLst>
-                              <p:par>
-                                <p:cTn id="19" presetID="1" presetClass="entr" presetSubtype="0" fill="hold" nodeType="clickEffect">
-                                  <p:stCondLst>
-                                    <p:cond delay="0"/>
-                                  </p:stCondLst>
-                                  <p:childTnLst>
-                                    <p:set>
-                                      <p:cBhvr>
-                                        <p:cTn id="20" dur="1" fill="hold">
-                                          <p:stCondLst>
-                                            <p:cond delay="0"/>
-                                          </p:stCondLst>
-                                        </p:cTn>
-                                        <p:tgtEl>
-                                          <p:spTgt spid="3">
-                                            <p:txEl>
-                                              <p:pRg st="5" end="5"/>
-                                            </p:txEl>
-                                          </p:spTgt>
-                                        </p:tgtEl>
-                                        <p:attrNameLst>
-                                          <p:attrName>style.visibility</p:attrName>
-                                        </p:attrNameLst>
-                                      </p:cBhvr>
-                                      <p:to>
-                                        <p:strVal val="visible"/>
-                                      </p:to>
-                                    </p:set>
-                                  </p:childTnLst>
-                                </p:cTn>
-                              </p:par>
-                            </p:childTnLst>
-                          </p:cTn>
-                        </p:par>
-                      </p:childTnLst>
-                    </p:cTn>
-                  </p:par>
-                </p:childTnLst>
-              </p:cTn>
-              <p:prevCondLst>
-                <p:cond evt="onPrev" delay="0">
-                  <p:tgtEl>
-                    <p:sldTgt/>
-                  </p:tgtEl>
-                </p:cond>
-              </p:prevCondLst>
-              <p:nextCondLst>
-                <p:cond evt="onNext" delay="0">
-                  <p:tgtEl>
-                    <p:sldTgt/>
-                  </p:tgtEl>
-                </p:cond>
-              </p:nextCondLst>
-            </p:seq>
-          </p:childTnLst>
-        </p:cTn>
-      </p:par>
-    </p:tnLst>
-  </p:timing>
-</p:sld>
-</file>
-
-<file path=ppt/slides/slide6.xml><?xml version="1.0" encoding="utf-8"?>
-<p:sld xmlns:a="http://schemas.openxmlformats.org/drawingml/2006/main" xmlns:r="http://schemas.openxmlformats.org/officeDocument/2006/relationships" xmlns:p="http://schemas.openxmlformats.org/presentationml/2006/main">
-  <p:cSld>
-    <p:spTree>
-      <p:nvGrpSpPr>
-        <p:cNvPr id="1" name=""/>
-        <p:cNvGrpSpPr/>
-        <p:nvPr/>
-      </p:nvGrpSpPr>
-      <p:grpSpPr>
-        <a:xfrm>
-          <a:off x="0" y="0"/>
-          <a:ext cx="0" cy="0"/>
-          <a:chOff x="0" y="0"/>
-          <a:chExt cx="0" cy="0"/>
-        </a:xfrm>
-      </p:grpSpPr>
-      <p:sp>
-        <p:nvSpPr>
-          <p:cNvPr id="2" name="Title 1"/>
-          <p:cNvSpPr>
-            <a:spLocks noGrp="1"/>
-          </p:cNvSpPr>
-          <p:nvPr>
-            <p:ph type="title"/>
-          </p:nvPr>
-        </p:nvSpPr>
-        <p:spPr>
-          <a:xfrm>
-            <a:off x="584200" y="221992"/>
-            <a:ext cx="11404600" cy="530954"/>
-          </a:xfrm>
-        </p:spPr>
-        <p:txBody>
-          <a:bodyPr>
-            <a:noAutofit/>
-          </a:bodyPr>
-          <a:lstStyle/>
-          <a:p>
-            <a:r>
-              <a:rPr lang="en-US" sz="3200" dirty="0"/>
-              <a:t>What Could Possibly Go Wrong? </a:t>
-            </a:r>
-            <a:r>
-              <a:rPr lang="en-US" sz="4000" dirty="0">
-                <a:latin typeface="Script MT Bold" panose="03040602040607080904" pitchFamily="66" charset="0"/>
-              </a:rPr>
-              <a:t>Curse of Dimensionality</a:t>
-            </a:r>
-          </a:p>
-        </p:txBody>
-      </p:sp>
-      <mc:AlternateContent xmlns:mc="http://schemas.openxmlformats.org/markup-compatibility/2006">
-        <mc:Choice xmlns:a14="http://schemas.microsoft.com/office/drawing/2010/main" Requires="a14">
+      <mc:AlternateContent xmlns:mc="http://schemas.openxmlformats.org/markup-compatibility/2006" xmlns:a14="http://schemas.microsoft.com/office/drawing/2010/main">
+        <mc:Choice Requires="a14">
           <p:sp>
             <p:nvSpPr>
               <p:cNvPr id="3" name="Content Placeholder 2"/>
@@ -35762,7 +35377,7 @@
             </p:txBody>
           </p:sp>
         </mc:Choice>
-        <mc:Fallback>
+        <mc:Fallback xmlns="">
           <p:sp>
             <p:nvSpPr>
               <p:cNvPr id="3" name="Content Placeholder 2"/>
@@ -36163,7 +35778,7 @@
 </p:sld>
 </file>
 
-<file path=ppt/slides/slide7.xml><?xml version="1.0" encoding="utf-8"?>
+<file path=ppt/slides/slide6.xml><?xml version="1.0" encoding="utf-8"?>
 <p:sld xmlns:a="http://schemas.openxmlformats.org/drawingml/2006/main" xmlns:r="http://schemas.openxmlformats.org/officeDocument/2006/relationships" xmlns:p="http://schemas.openxmlformats.org/presentationml/2006/main">
   <p:cSld>
     <p:spTree>
@@ -36215,8 +35830,8 @@
           </a:p>
         </p:txBody>
       </p:sp>
-      <mc:AlternateContent xmlns:mc="http://schemas.openxmlformats.org/markup-compatibility/2006">
-        <mc:Choice xmlns:a14="http://schemas.microsoft.com/office/drawing/2010/main" Requires="a14">
+      <mc:AlternateContent xmlns:mc="http://schemas.openxmlformats.org/markup-compatibility/2006" xmlns:a14="http://schemas.microsoft.com/office/drawing/2010/main">
+        <mc:Choice Requires="a14">
           <p:sp>
             <p:nvSpPr>
               <p:cNvPr id="3" name="Content Placeholder 2"/>
@@ -36336,7 +35951,7 @@
             </p:txBody>
           </p:sp>
         </mc:Choice>
-        <mc:Fallback>
+        <mc:Fallback xmlns="">
           <p:sp>
             <p:nvSpPr>
               <p:cNvPr id="3" name="Content Placeholder 2"/>
@@ -36417,6 +36032,403 @@
 </p:sld>
 </file>
 
+<file path=ppt/slides/slide7.xml><?xml version="1.0" encoding="utf-8"?>
+<p:sld xmlns:a="http://schemas.openxmlformats.org/drawingml/2006/main" xmlns:r="http://schemas.openxmlformats.org/officeDocument/2006/relationships" xmlns:p="http://schemas.openxmlformats.org/presentationml/2006/main">
+  <p:cSld>
+    <p:spTree>
+      <p:nvGrpSpPr>
+        <p:cNvPr id="1" name=""/>
+        <p:cNvGrpSpPr/>
+        <p:nvPr/>
+      </p:nvGrpSpPr>
+      <p:grpSpPr>
+        <a:xfrm>
+          <a:off x="0" y="0"/>
+          <a:ext cx="0" cy="0"/>
+          <a:chOff x="0" y="0"/>
+          <a:chExt cx="0" cy="0"/>
+        </a:xfrm>
+      </p:grpSpPr>
+      <p:sp>
+        <p:nvSpPr>
+          <p:cNvPr id="2" name="Title 1"/>
+          <p:cNvSpPr>
+            <a:spLocks noGrp="1"/>
+          </p:cNvSpPr>
+          <p:nvPr>
+            <p:ph type="title"/>
+          </p:nvPr>
+        </p:nvSpPr>
+        <p:spPr>
+          <a:xfrm>
+            <a:off x="584200" y="221992"/>
+            <a:ext cx="11404600" cy="530954"/>
+          </a:xfrm>
+        </p:spPr>
+        <p:txBody>
+          <a:bodyPr>
+            <a:noAutofit/>
+          </a:bodyPr>
+          <a:lstStyle/>
+          <a:p>
+            <a:r>
+              <a:rPr lang="en-US" sz="3200" dirty="0"/>
+              <a:t>What Could Possibly Go Wrong? </a:t>
+            </a:r>
+            <a:r>
+              <a:rPr lang="en-US" sz="4000" dirty="0">
+                <a:latin typeface="Script MT Bold" panose="03040602040607080904" pitchFamily="66" charset="0"/>
+              </a:rPr>
+              <a:t>Curse of Dimensionality</a:t>
+            </a:r>
+          </a:p>
+        </p:txBody>
+      </p:sp>
+      <p:sp>
+        <p:nvSpPr>
+          <p:cNvPr id="3" name="Content Placeholder 2"/>
+          <p:cNvSpPr>
+            <a:spLocks noGrp="1"/>
+          </p:cNvSpPr>
+          <p:nvPr>
+            <p:ph sz="quarter" idx="10"/>
+          </p:nvPr>
+        </p:nvSpPr>
+        <p:spPr>
+          <a:xfrm>
+            <a:off x="537275" y="896079"/>
+            <a:ext cx="11321349" cy="5602877"/>
+          </a:xfrm>
+        </p:spPr>
+        <p:txBody>
+          <a:bodyPr>
+            <a:normAutofit/>
+          </a:bodyPr>
+          <a:lstStyle/>
+          <a:p>
+            <a:pPr marL="0" indent="0">
+              <a:buNone/>
+            </a:pPr>
+            <a:r>
+              <a:rPr lang="en-US" dirty="0">
+                <a:latin typeface="+mn-lt"/>
+              </a:rPr>
+              <a:t>The curse of dimensionality means that all clusters are the same in high dimensions</a:t>
+            </a:r>
+          </a:p>
+          <a:p>
+            <a:r>
+              <a:rPr lang="en-US" dirty="0">
+                <a:latin typeface="+mn-lt"/>
+              </a:rPr>
+              <a:t>Sampling density decreases exponentially   </a:t>
+            </a:r>
+          </a:p>
+          <a:p>
+            <a:r>
+              <a:rPr lang="en-US" dirty="0">
+                <a:latin typeface="+mn-lt"/>
+              </a:rPr>
+              <a:t>Distances converge to the same length in a high dimensional space  </a:t>
+            </a:r>
+          </a:p>
+          <a:p>
+            <a:r>
+              <a:rPr lang="en-US" sz="2800" dirty="0">
+                <a:latin typeface="+mn-lt"/>
+              </a:rPr>
+              <a:t>The choice of metric does not help </a:t>
+            </a:r>
+          </a:p>
+          <a:p>
+            <a:pPr lvl="1"/>
+            <a:r>
+              <a:rPr lang="en-US" b="1" dirty="0">
+                <a:latin typeface="+mn-lt"/>
+              </a:rPr>
+              <a:t>All distances are the same in high dimensions!  </a:t>
+            </a:r>
+          </a:p>
+          <a:p>
+            <a:r>
+              <a:rPr lang="en-US" dirty="0">
+                <a:latin typeface="+mn-lt"/>
+              </a:rPr>
+              <a:t>Implication is that high-dimensional cluster models are easy to overfit!!</a:t>
+            </a:r>
+          </a:p>
+        </p:txBody>
+      </p:sp>
+    </p:spTree>
+    <p:extLst>
+      <p:ext uri="{BB962C8B-B14F-4D97-AF65-F5344CB8AC3E}">
+        <p14:creationId xmlns:p14="http://schemas.microsoft.com/office/powerpoint/2010/main" val="3920829184"/>
+      </p:ext>
+    </p:extLst>
+  </p:cSld>
+  <p:clrMapOvr>
+    <a:masterClrMapping/>
+  </p:clrMapOvr>
+  <p:timing>
+    <p:tnLst>
+      <p:par>
+        <p:cTn id="1" dur="indefinite" restart="never" nodeType="tmRoot">
+          <p:childTnLst>
+            <p:seq concurrent="1" nextAc="seek">
+              <p:cTn id="2" dur="indefinite" nodeType="mainSeq">
+                <p:childTnLst>
+                  <p:par>
+                    <p:cTn id="3" fill="hold">
+                      <p:stCondLst>
+                        <p:cond delay="indefinite"/>
+                      </p:stCondLst>
+                      <p:childTnLst>
+                        <p:par>
+                          <p:cTn id="4" fill="hold">
+                            <p:stCondLst>
+                              <p:cond delay="0"/>
+                            </p:stCondLst>
+                            <p:childTnLst>
+                              <p:par>
+                                <p:cTn id="5" presetID="1" presetClass="entr" presetSubtype="0" fill="hold" nodeType="clickEffect">
+                                  <p:stCondLst>
+                                    <p:cond delay="0"/>
+                                  </p:stCondLst>
+                                  <p:childTnLst>
+                                    <p:set>
+                                      <p:cBhvr>
+                                        <p:cTn id="6" dur="1" fill="hold">
+                                          <p:stCondLst>
+                                            <p:cond delay="0"/>
+                                          </p:stCondLst>
+                                        </p:cTn>
+                                        <p:tgtEl>
+                                          <p:spTgt spid="3">
+                                            <p:txEl>
+                                              <p:pRg st="1" end="1"/>
+                                            </p:txEl>
+                                          </p:spTgt>
+                                        </p:tgtEl>
+                                        <p:attrNameLst>
+                                          <p:attrName>style.visibility</p:attrName>
+                                        </p:attrNameLst>
+                                      </p:cBhvr>
+                                      <p:to>
+                                        <p:strVal val="visible"/>
+                                      </p:to>
+                                    </p:set>
+                                  </p:childTnLst>
+                                </p:cTn>
+                              </p:par>
+                            </p:childTnLst>
+                          </p:cTn>
+                        </p:par>
+                      </p:childTnLst>
+                    </p:cTn>
+                  </p:par>
+                  <p:par>
+                    <p:cTn id="7" fill="hold">
+                      <p:stCondLst>
+                        <p:cond delay="indefinite"/>
+                      </p:stCondLst>
+                      <p:childTnLst>
+                        <p:par>
+                          <p:cTn id="8" fill="hold">
+                            <p:stCondLst>
+                              <p:cond delay="0"/>
+                            </p:stCondLst>
+                            <p:childTnLst>
+                              <p:par>
+                                <p:cTn id="9" presetID="1" presetClass="entr" presetSubtype="0" fill="hold" nodeType="clickEffect">
+                                  <p:stCondLst>
+                                    <p:cond delay="0"/>
+                                  </p:stCondLst>
+                                  <p:childTnLst>
+                                    <p:set>
+                                      <p:cBhvr>
+                                        <p:cTn id="10" dur="1" fill="hold">
+                                          <p:stCondLst>
+                                            <p:cond delay="0"/>
+                                          </p:stCondLst>
+                                        </p:cTn>
+                                        <p:tgtEl>
+                                          <p:spTgt spid="3">
+                                            <p:txEl>
+                                              <p:pRg st="2" end="2"/>
+                                            </p:txEl>
+                                          </p:spTgt>
+                                        </p:tgtEl>
+                                        <p:attrNameLst>
+                                          <p:attrName>style.visibility</p:attrName>
+                                        </p:attrNameLst>
+                                      </p:cBhvr>
+                                      <p:to>
+                                        <p:strVal val="visible"/>
+                                      </p:to>
+                                    </p:set>
+                                  </p:childTnLst>
+                                </p:cTn>
+                              </p:par>
+                            </p:childTnLst>
+                          </p:cTn>
+                        </p:par>
+                      </p:childTnLst>
+                    </p:cTn>
+                  </p:par>
+                  <p:par>
+                    <p:cTn id="11" fill="hold">
+                      <p:stCondLst>
+                        <p:cond delay="indefinite"/>
+                      </p:stCondLst>
+                      <p:childTnLst>
+                        <p:par>
+                          <p:cTn id="12" fill="hold">
+                            <p:stCondLst>
+                              <p:cond delay="0"/>
+                            </p:stCondLst>
+                            <p:childTnLst>
+                              <p:par>
+                                <p:cTn id="13" presetID="1" presetClass="entr" presetSubtype="0" fill="hold" nodeType="clickEffect">
+                                  <p:stCondLst>
+                                    <p:cond delay="0"/>
+                                  </p:stCondLst>
+                                  <p:childTnLst>
+                                    <p:set>
+                                      <p:cBhvr>
+                                        <p:cTn id="14" dur="1" fill="hold">
+                                          <p:stCondLst>
+                                            <p:cond delay="0"/>
+                                          </p:stCondLst>
+                                        </p:cTn>
+                                        <p:tgtEl>
+                                          <p:spTgt spid="3">
+                                            <p:txEl>
+                                              <p:pRg st="3" end="3"/>
+                                            </p:txEl>
+                                          </p:spTgt>
+                                        </p:tgtEl>
+                                        <p:attrNameLst>
+                                          <p:attrName>style.visibility</p:attrName>
+                                        </p:attrNameLst>
+                                      </p:cBhvr>
+                                      <p:to>
+                                        <p:strVal val="visible"/>
+                                      </p:to>
+                                    </p:set>
+                                  </p:childTnLst>
+                                </p:cTn>
+                              </p:par>
+                              <p:par>
+                                <p:cTn id="15" presetID="1" presetClass="entr" presetSubtype="0" fill="hold" nodeType="withEffect">
+                                  <p:stCondLst>
+                                    <p:cond delay="0"/>
+                                  </p:stCondLst>
+                                  <p:childTnLst>
+                                    <p:set>
+                                      <p:cBhvr>
+                                        <p:cTn id="16" dur="1" fill="hold">
+                                          <p:stCondLst>
+                                            <p:cond delay="0"/>
+                                          </p:stCondLst>
+                                        </p:cTn>
+                                        <p:tgtEl>
+                                          <p:spTgt spid="3">
+                                            <p:txEl>
+                                              <p:pRg st="4" end="4"/>
+                                            </p:txEl>
+                                          </p:spTgt>
+                                        </p:tgtEl>
+                                        <p:attrNameLst>
+                                          <p:attrName>style.visibility</p:attrName>
+                                        </p:attrNameLst>
+                                      </p:cBhvr>
+                                      <p:to>
+                                        <p:strVal val="visible"/>
+                                      </p:to>
+                                    </p:set>
+                                  </p:childTnLst>
+                                </p:cTn>
+                              </p:par>
+                            </p:childTnLst>
+                          </p:cTn>
+                        </p:par>
+                      </p:childTnLst>
+                    </p:cTn>
+                  </p:par>
+                  <p:par>
+                    <p:cTn id="17" fill="hold">
+                      <p:stCondLst>
+                        <p:cond delay="indefinite"/>
+                      </p:stCondLst>
+                      <p:childTnLst>
+                        <p:par>
+                          <p:cTn id="18" fill="hold">
+                            <p:stCondLst>
+                              <p:cond delay="0"/>
+                            </p:stCondLst>
+                            <p:childTnLst>
+                              <p:par>
+                                <p:cTn id="19" presetID="1" presetClass="entr" presetSubtype="0" fill="hold" nodeType="clickEffect">
+                                  <p:stCondLst>
+                                    <p:cond delay="0"/>
+                                  </p:stCondLst>
+                                  <p:childTnLst>
+                                    <p:set>
+                                      <p:cBhvr>
+                                        <p:cTn id="20" dur="1" fill="hold">
+                                          <p:stCondLst>
+                                            <p:cond delay="0"/>
+                                          </p:stCondLst>
+                                        </p:cTn>
+                                        <p:tgtEl>
+                                          <p:spTgt spid="3">
+                                            <p:txEl>
+                                              <p:pRg st="5" end="5"/>
+                                            </p:txEl>
+                                          </p:spTgt>
+                                        </p:tgtEl>
+                                        <p:attrNameLst>
+                                          <p:attrName>style.visibility</p:attrName>
+                                        </p:attrNameLst>
+                                      </p:cBhvr>
+                                      <p:to>
+                                        <p:strVal val="visible"/>
+                                      </p:to>
+                                    </p:set>
+                                  </p:childTnLst>
+                                </p:cTn>
+                              </p:par>
+                            </p:childTnLst>
+                          </p:cTn>
+                        </p:par>
+                      </p:childTnLst>
+                    </p:cTn>
+                  </p:par>
+                </p:childTnLst>
+              </p:cTn>
+              <p:prevCondLst>
+                <p:cond evt="onPrev" delay="0">
+                  <p:tgtEl>
+                    <p:sldTgt/>
+                  </p:tgtEl>
+                </p:cond>
+              </p:prevCondLst>
+              <p:nextCondLst>
+                <p:cond evt="onNext" delay="0">
+                  <p:tgtEl>
+                    <p:sldTgt/>
+                  </p:tgtEl>
+                </p:cond>
+              </p:nextCondLst>
+            </p:seq>
+          </p:childTnLst>
+        </p:cTn>
+      </p:par>
+    </p:tnLst>
+  </p:timing>
+</p:sld>
+</file>
+
 <file path=ppt/slides/slide8.xml><?xml version="1.0" encoding="utf-8"?>
 <p:sld xmlns:a="http://schemas.openxmlformats.org/drawingml/2006/main" xmlns:r="http://schemas.openxmlformats.org/officeDocument/2006/relationships" xmlns:p="http://schemas.openxmlformats.org/presentationml/2006/main">
   <p:cSld>
@@ -36579,7 +36591,7 @@
               <a:rPr lang="en-US" dirty="0">
                 <a:latin typeface="+mn-lt"/>
               </a:rPr>
-              <a:t>Variational autoencoders (VAE) – beyond the scope of this course  </a:t>
+              <a:t>Autoencoders – beyond the scope of this course  </a:t>
             </a:r>
           </a:p>
           <a:p>

--- a/slides/11_DimensionalityReduction_Part1.pptx
+++ b/slides/11_DimensionalityReduction_Part1.pptx
@@ -8828,6 +8828,29 @@
             </a:r>
           </a:p>
           <a:p>
+            <a:r>
+              <a:rPr lang="en-US" dirty="0">
+                <a:latin typeface="+mn-lt"/>
+              </a:rPr>
+              <a:t>Embedding should have </a:t>
+            </a:r>
+            <a:r>
+              <a:rPr lang="en-US" b="1" dirty="0">
+                <a:latin typeface="+mn-lt"/>
+              </a:rPr>
+              <a:t>low bias</a:t>
+            </a:r>
+          </a:p>
+          <a:p>
+            <a:pPr lvl="1"/>
+            <a:r>
+              <a:rPr lang="en-US" dirty="0">
+                <a:latin typeface="+mn-lt"/>
+              </a:rPr>
+              <a:t>Embedding should not produce systematic bias </a:t>
+            </a:r>
+          </a:p>
+          <a:p>
             <a:pPr lvl="1"/>
             <a:endParaRPr lang="en-US" dirty="0">
               <a:latin typeface="+mn-lt"/>
@@ -9042,6 +9065,86 @@
                                           <p:spTgt spid="3">
                                             <p:txEl>
                                               <p:pRg st="5" end="5"/>
+                                            </p:txEl>
+                                          </p:spTgt>
+                                        </p:tgtEl>
+                                        <p:attrNameLst>
+                                          <p:attrName>style.visibility</p:attrName>
+                                        </p:attrNameLst>
+                                      </p:cBhvr>
+                                      <p:to>
+                                        <p:strVal val="visible"/>
+                                      </p:to>
+                                    </p:set>
+                                  </p:childTnLst>
+                                </p:cTn>
+                              </p:par>
+                            </p:childTnLst>
+                          </p:cTn>
+                        </p:par>
+                      </p:childTnLst>
+                    </p:cTn>
+                  </p:par>
+                  <p:par>
+                    <p:cTn id="19" fill="hold">
+                      <p:stCondLst>
+                        <p:cond delay="indefinite"/>
+                      </p:stCondLst>
+                      <p:childTnLst>
+                        <p:par>
+                          <p:cTn id="20" fill="hold">
+                            <p:stCondLst>
+                              <p:cond delay="0"/>
+                            </p:stCondLst>
+                            <p:childTnLst>
+                              <p:par>
+                                <p:cTn id="21" presetID="1" presetClass="entr" presetSubtype="0" fill="hold" nodeType="clickEffect">
+                                  <p:stCondLst>
+                                    <p:cond delay="0"/>
+                                  </p:stCondLst>
+                                  <p:childTnLst>
+                                    <p:set>
+                                      <p:cBhvr>
+                                        <p:cTn id="22" dur="1" fill="hold">
+                                          <p:stCondLst>
+                                            <p:cond delay="0"/>
+                                          </p:stCondLst>
+                                        </p:cTn>
+                                        <p:tgtEl>
+                                          <p:spTgt spid="3">
+                                            <p:txEl>
+                                              <p:pRg st="6" end="6"/>
+                                            </p:txEl>
+                                          </p:spTgt>
+                                        </p:tgtEl>
+                                        <p:attrNameLst>
+                                          <p:attrName>style.visibility</p:attrName>
+                                        </p:attrNameLst>
+                                      </p:cBhvr>
+                                      <p:to>
+                                        <p:strVal val="visible"/>
+                                      </p:to>
+                                    </p:set>
+                                  </p:childTnLst>
+                                </p:cTn>
+                              </p:par>
+                              <p:par>
+                                <p:cTn id="23" presetID="1" presetClass="entr" presetSubtype="0" fill="hold" nodeType="withEffect">
+                                  <p:stCondLst>
+                                    <p:cond delay="0"/>
+                                  </p:stCondLst>
+                                  <p:childTnLst>
+                                    <p:set>
+                                      <p:cBhvr>
+                                        <p:cTn id="24" dur="1" fill="hold">
+                                          <p:stCondLst>
+                                            <p:cond delay="0"/>
+                                          </p:stCondLst>
+                                        </p:cTn>
+                                        <p:tgtEl>
+                                          <p:spTgt spid="3">
+                                            <p:txEl>
+                                              <p:pRg st="7" end="7"/>
                                             </p:txEl>
                                           </p:spTgt>
                                         </p:tgtEl>
@@ -34725,19 +34828,7 @@
               <a:rPr lang="en-US" dirty="0">
                 <a:latin typeface="+mn-lt"/>
               </a:rPr>
-              <a:t>Kernel principal component </a:t>
-            </a:r>
-            <a:r>
-              <a:rPr lang="en-US">
-                <a:latin typeface="+mn-lt"/>
-              </a:rPr>
-              <a:t>analysis provides </a:t>
-            </a:r>
-            <a:r>
-              <a:rPr lang="en-US" dirty="0">
-                <a:latin typeface="+mn-lt"/>
-              </a:rPr>
-              <a:t>non-linear projection    </a:t>
+              <a:t>Kernel principal component analysis provides non-linear projection    </a:t>
             </a:r>
           </a:p>
         </p:txBody>
